--- a/06. Data Storage/Mod 9. File Management and storage (RUS).pptx
+++ b/06. Data Storage/Mod 9. File Management and storage (RUS).pptx
@@ -5,7 +5,7 @@
     <p:sldMasterId id="2147483715" r:id="rId1"/>
   </p:sldMasterIdLst>
   <p:notesMasterIdLst>
-    <p:notesMasterId r:id="rId28"/>
+    <p:notesMasterId r:id="rId27"/>
   </p:notesMasterIdLst>
   <p:sldIdLst>
     <p:sldId id="312" r:id="rId2"/>
@@ -13,27 +13,26 @@
     <p:sldId id="259" r:id="rId4"/>
     <p:sldId id="314" r:id="rId5"/>
     <p:sldId id="261" r:id="rId6"/>
-    <p:sldId id="268" r:id="rId7"/>
-    <p:sldId id="262" r:id="rId8"/>
+    <p:sldId id="262" r:id="rId7"/>
+    <p:sldId id="268" r:id="rId8"/>
     <p:sldId id="267" r:id="rId9"/>
     <p:sldId id="269" r:id="rId10"/>
     <p:sldId id="270" r:id="rId11"/>
-    <p:sldId id="274" r:id="rId12"/>
-    <p:sldId id="309" r:id="rId13"/>
-    <p:sldId id="317" r:id="rId14"/>
-    <p:sldId id="271" r:id="rId15"/>
-    <p:sldId id="278" r:id="rId16"/>
+    <p:sldId id="309" r:id="rId12"/>
+    <p:sldId id="317" r:id="rId13"/>
+    <p:sldId id="271" r:id="rId14"/>
+    <p:sldId id="278" r:id="rId15"/>
+    <p:sldId id="281" r:id="rId16"/>
     <p:sldId id="279" r:id="rId17"/>
-    <p:sldId id="281" r:id="rId18"/>
-    <p:sldId id="286" r:id="rId19"/>
-    <p:sldId id="288" r:id="rId20"/>
-    <p:sldId id="316" r:id="rId21"/>
-    <p:sldId id="289" r:id="rId22"/>
-    <p:sldId id="306" r:id="rId23"/>
-    <p:sldId id="307" r:id="rId24"/>
-    <p:sldId id="297" r:id="rId25"/>
-    <p:sldId id="315" r:id="rId26"/>
-    <p:sldId id="313" r:id="rId27"/>
+    <p:sldId id="286" r:id="rId18"/>
+    <p:sldId id="288" r:id="rId19"/>
+    <p:sldId id="316" r:id="rId20"/>
+    <p:sldId id="289" r:id="rId21"/>
+    <p:sldId id="306" r:id="rId22"/>
+    <p:sldId id="307" r:id="rId23"/>
+    <p:sldId id="297" r:id="rId24"/>
+    <p:sldId id="315" r:id="rId25"/>
+    <p:sldId id="313" r:id="rId26"/>
   </p:sldIdLst>
   <p:sldSz cx="12192000" cy="6858000"/>
   <p:notesSz cx="6858000" cy="9144000"/>
@@ -740,7 +739,77 @@
           <a:bodyPr/>
           <a:lstStyle/>
           <a:p>
-            <a:endParaRPr lang="en-GB" dirty="0"/>
+            <a:pPr lvl="1"/>
+            <a:r>
+              <a:rPr lang="ru-RU" dirty="0" smtClean="0"/>
+              <a:t>Приложения могут получить доступ к любому типу файлов </a:t>
+            </a:r>
+          </a:p>
+          <a:p>
+            <a:pPr lvl="1"/>
+            <a:r>
+              <a:rPr lang="ru-RU" dirty="0" smtClean="0"/>
+              <a:t>Позволяет приложению получить доступ к файлам вне папки с данными приложения Доступ к файлам из библиотек </a:t>
+            </a:r>
+            <a:r>
+              <a:rPr lang="en-US" dirty="0" smtClean="0"/>
+              <a:t>Pictures, Videos </a:t>
+            </a:r>
+            <a:r>
+              <a:rPr lang="ru-RU" dirty="0" smtClean="0"/>
+              <a:t>без использования </a:t>
+            </a:r>
+            <a:r>
+              <a:rPr lang="en-US" dirty="0" err="1" smtClean="0"/>
+              <a:t>KnownFolders</a:t>
+            </a:r>
+            <a:r>
+              <a:rPr lang="en-US" dirty="0" smtClean="0"/>
+              <a:t> API (</a:t>
+            </a:r>
+            <a:r>
+              <a:rPr lang="ru-RU" dirty="0" smtClean="0"/>
+              <a:t>необходимо прописывать в возможностях</a:t>
+            </a:r>
+            <a:r>
+              <a:rPr lang="en-US" dirty="0" smtClean="0"/>
+              <a:t>) </a:t>
+            </a:r>
+            <a:endParaRPr lang="ru-RU" dirty="0" smtClean="0"/>
+          </a:p>
+          <a:p>
+            <a:pPr lvl="1"/>
+            <a:endParaRPr lang="ru-RU" dirty="0" smtClean="0"/>
+          </a:p>
+          <a:p>
+            <a:pPr marL="457200" marR="0" lvl="1" indent="0" algn="l" defTabSz="914400" rtl="0" eaLnBrk="1" fontAlgn="auto" latinLnBrk="0" hangingPunct="1">
+              <a:lnSpc>
+                <a:spcPct val="100000"/>
+              </a:lnSpc>
+              <a:spcBef>
+                <a:spcPts val="0"/>
+              </a:spcBef>
+              <a:spcAft>
+                <a:spcPts val="0"/>
+              </a:spcAft>
+              <a:buClrTx/>
+              <a:buSzTx/>
+              <a:buFontTx/>
+              <a:buNone/>
+              <a:tabLst/>
+              <a:defRPr/>
+            </a:pPr>
+            <a:r>
+              <a:rPr lang="ru-RU" dirty="0" smtClean="0"/>
+              <a:t>Сохраняет в облако, на устройство или в приложение </a:t>
+            </a:r>
+          </a:p>
+          <a:p>
+            <a:pPr lvl="1"/>
+            <a:endParaRPr lang="ru-RU" dirty="0" smtClean="0"/>
+          </a:p>
+          <a:p>
+            <a:endParaRPr lang="en-US" dirty="0"/>
           </a:p>
         </p:txBody>
       </p:sp>
@@ -881,279 +950,6 @@
               <a:rPr lang="en-US" smtClean="0"/>
               <a:pPr/>
               <a:t>20</a:t>
-            </a:fld>
-            <a:endParaRPr lang="en-US" dirty="0"/>
-          </a:p>
-        </p:txBody>
-      </p:sp>
-    </p:spTree>
-    <p:extLst>
-      <p:ext uri="{BB962C8B-B14F-4D97-AF65-F5344CB8AC3E}">
-        <p14:creationId xmlns:p14="http://schemas.microsoft.com/office/powerpoint/2010/main" val="3692879475"/>
-      </p:ext>
-    </p:extLst>
-  </p:cSld>
-  <p:clrMapOvr>
-    <a:masterClrMapping/>
-  </p:clrMapOvr>
-</p:notes>
-</file>
-
-<file path=ppt/notesSlides/notesSlide11.xml><?xml version="1.0" encoding="utf-8"?>
-<p:notes xmlns:a="http://schemas.openxmlformats.org/drawingml/2006/main" xmlns:r="http://schemas.openxmlformats.org/officeDocument/2006/relationships" xmlns:p="http://schemas.openxmlformats.org/presentationml/2006/main">
-  <p:cSld>
-    <p:spTree>
-      <p:nvGrpSpPr>
-        <p:cNvPr id="1" name=""/>
-        <p:cNvGrpSpPr/>
-        <p:nvPr/>
-      </p:nvGrpSpPr>
-      <p:grpSpPr>
-        <a:xfrm>
-          <a:off x="0" y="0"/>
-          <a:ext cx="0" cy="0"/>
-          <a:chOff x="0" y="0"/>
-          <a:chExt cx="0" cy="0"/>
-        </a:xfrm>
-      </p:grpSpPr>
-      <p:sp>
-        <p:nvSpPr>
-          <p:cNvPr id="2" name="Slide Image Placeholder 1"/>
-          <p:cNvSpPr>
-            <a:spLocks noGrp="1" noRot="1" noChangeAspect="1"/>
-          </p:cNvSpPr>
-          <p:nvPr>
-            <p:ph type="sldImg"/>
-          </p:nvPr>
-        </p:nvSpPr>
-        <p:spPr/>
-      </p:sp>
-      <p:sp>
-        <p:nvSpPr>
-          <p:cNvPr id="3" name="Notes Placeholder 2"/>
-          <p:cNvSpPr>
-            <a:spLocks noGrp="1"/>
-          </p:cNvSpPr>
-          <p:nvPr>
-            <p:ph type="body" idx="1"/>
-          </p:nvPr>
-        </p:nvSpPr>
-        <p:spPr/>
-        <p:txBody>
-          <a:bodyPr/>
-          <a:lstStyle/>
-          <a:p>
-            <a:pPr lvl="1"/>
-            <a:r>
-              <a:rPr lang="ru-RU" dirty="0" smtClean="0"/>
-              <a:t>Приложения могут получить доступ к любому типу файлов </a:t>
-            </a:r>
-          </a:p>
-          <a:p>
-            <a:pPr lvl="1"/>
-            <a:r>
-              <a:rPr lang="ru-RU" dirty="0" smtClean="0"/>
-              <a:t>Позволяет приложению получить доступ к файлам вне папки с данными приложения Доступ к файлам из библиотек </a:t>
-            </a:r>
-            <a:r>
-              <a:rPr lang="en-US" dirty="0" smtClean="0"/>
-              <a:t>Pictures, Videos </a:t>
-            </a:r>
-            <a:r>
-              <a:rPr lang="ru-RU" dirty="0" smtClean="0"/>
-              <a:t>без использования </a:t>
-            </a:r>
-            <a:r>
-              <a:rPr lang="en-US" dirty="0" err="1" smtClean="0"/>
-              <a:t>KnownFolders</a:t>
-            </a:r>
-            <a:r>
-              <a:rPr lang="en-US" dirty="0" smtClean="0"/>
-              <a:t> API (</a:t>
-            </a:r>
-            <a:r>
-              <a:rPr lang="ru-RU" dirty="0" smtClean="0"/>
-              <a:t>необходимо прописывать в возможностях</a:t>
-            </a:r>
-            <a:r>
-              <a:rPr lang="en-US" dirty="0" smtClean="0"/>
-              <a:t>) </a:t>
-            </a:r>
-            <a:endParaRPr lang="ru-RU" dirty="0" smtClean="0"/>
-          </a:p>
-          <a:p>
-            <a:pPr lvl="1"/>
-            <a:endParaRPr lang="ru-RU" dirty="0" smtClean="0"/>
-          </a:p>
-          <a:p>
-            <a:pPr marL="457200" marR="0" lvl="1" indent="0" algn="l" defTabSz="914400" rtl="0" eaLnBrk="1" fontAlgn="auto" latinLnBrk="0" hangingPunct="1">
-              <a:lnSpc>
-                <a:spcPct val="100000"/>
-              </a:lnSpc>
-              <a:spcBef>
-                <a:spcPts val="0"/>
-              </a:spcBef>
-              <a:spcAft>
-                <a:spcPts val="0"/>
-              </a:spcAft>
-              <a:buClrTx/>
-              <a:buSzTx/>
-              <a:buFontTx/>
-              <a:buNone/>
-              <a:tabLst/>
-              <a:defRPr/>
-            </a:pPr>
-            <a:r>
-              <a:rPr lang="ru-RU" dirty="0" smtClean="0"/>
-              <a:t>Сохраняет в облако, на устройство или в приложение </a:t>
-            </a:r>
-          </a:p>
-          <a:p>
-            <a:pPr lvl="1"/>
-            <a:endParaRPr lang="ru-RU" dirty="0" smtClean="0"/>
-          </a:p>
-          <a:p>
-            <a:endParaRPr lang="en-US" dirty="0"/>
-          </a:p>
-        </p:txBody>
-      </p:sp>
-      <p:sp>
-        <p:nvSpPr>
-          <p:cNvPr id="4" name="Header Placeholder 3"/>
-          <p:cNvSpPr>
-            <a:spLocks noGrp="1"/>
-          </p:cNvSpPr>
-          <p:nvPr>
-            <p:ph type="hdr" sz="quarter" idx="10"/>
-          </p:nvPr>
-        </p:nvSpPr>
-        <p:spPr/>
-        <p:txBody>
-          <a:bodyPr/>
-          <a:lstStyle/>
-          <a:p>
-            <a:endParaRPr lang="en-US" dirty="0"/>
-          </a:p>
-        </p:txBody>
-      </p:sp>
-      <p:sp>
-        <p:nvSpPr>
-          <p:cNvPr id="5" name="Footer Placeholder 4"/>
-          <p:cNvSpPr>
-            <a:spLocks noGrp="1"/>
-          </p:cNvSpPr>
-          <p:nvPr>
-            <p:ph type="ftr" sz="quarter" idx="11"/>
-          </p:nvPr>
-        </p:nvSpPr>
-        <p:spPr/>
-        <p:txBody>
-          <a:bodyPr/>
-          <a:lstStyle/>
-          <a:p>
-            <a:pPr defTabSz="914099" eaLnBrk="0" hangingPunct="0"/>
-            <a:r>
-              <a:rPr lang="en-US" sz="400" smtClean="0">
-                <a:gradFill>
-                  <a:gsLst>
-                    <a:gs pos="0">
-                      <a:prstClr val="black"/>
-                    </a:gs>
-                    <a:gs pos="100000">
-                      <a:prstClr val="black"/>
-                    </a:gs>
-                  </a:gsLst>
-                  <a:lin ang="5400000" scaled="0"/>
-                </a:gradFill>
-                <a:latin typeface="Segoe UI" pitchFamily="34" charset="0"/>
-                <a:ea typeface="Segoe UI" pitchFamily="34" charset="0"/>
-                <a:cs typeface="Segoe UI" pitchFamily="34" charset="0"/>
-              </a:rPr>
-              <a:t>© 2013 Microsoft Corporation. All rights reserved. Microsoft, Windows, and other product names are or may be registered trademarks and/or trademarks in the U.S. and/or other countries.</a:t>
-            </a:r>
-          </a:p>
-          <a:p>
-            <a:pPr defTabSz="914099" eaLnBrk="0" hangingPunct="0"/>
-            <a:r>
-              <a:rPr lang="en-US" sz="400" smtClean="0">
-                <a:gradFill>
-                  <a:gsLst>
-                    <a:gs pos="0">
-                      <a:prstClr val="black"/>
-                    </a:gs>
-                    <a:gs pos="100000">
-                      <a:prstClr val="black"/>
-                    </a:gs>
-                  </a:gsLst>
-                  <a:lin ang="5400000" scaled="0"/>
-                </a:gradFill>
-                <a:latin typeface="Segoe UI" pitchFamily="34" charset="0"/>
-                <a:ea typeface="Segoe UI" pitchFamily="34" charset="0"/>
-                <a:cs typeface="Segoe UI" pitchFamily="34" charset="0"/>
-              </a:rPr>
-              <a:t>The information herein is for informational purposes only and represents the current view of Microsoft Corporation as of the date of this presentation.  Because Microsoft must respond to changing market conditions, it should not be interpreted to be a commitment on the part of Microsoft, and Microsoft cannot guarantee the accuracy of any information provided after the date of this presentation.  MICROSOFT MAKES NO WARRANTIES, EXPRESS, IMPLIED OR STATUTORY, AS TO THE INFORMATION IN THIS PRESENTATION.</a:t>
-            </a:r>
-            <a:endParaRPr lang="en-US" sz="400" dirty="0" smtClean="0">
-              <a:gradFill>
-                <a:gsLst>
-                  <a:gs pos="0">
-                    <a:prstClr val="black"/>
-                  </a:gs>
-                  <a:gs pos="100000">
-                    <a:prstClr val="black"/>
-                  </a:gs>
-                </a:gsLst>
-                <a:lin ang="5400000" scaled="0"/>
-              </a:gradFill>
-              <a:latin typeface="Segoe UI" pitchFamily="34" charset="0"/>
-              <a:ea typeface="Segoe UI" pitchFamily="34" charset="0"/>
-              <a:cs typeface="Segoe UI" pitchFamily="34" charset="0"/>
-            </a:endParaRPr>
-          </a:p>
-        </p:txBody>
-      </p:sp>
-      <p:sp>
-        <p:nvSpPr>
-          <p:cNvPr id="6" name="Date Placeholder 5"/>
-          <p:cNvSpPr>
-            <a:spLocks noGrp="1"/>
-          </p:cNvSpPr>
-          <p:nvPr>
-            <p:ph type="dt" idx="12"/>
-          </p:nvPr>
-        </p:nvSpPr>
-        <p:spPr/>
-        <p:txBody>
-          <a:bodyPr/>
-          <a:lstStyle/>
-          <a:p>
-            <a:fld id="{6DCB8B13-F54A-4625-AF12-F2357174F504}" type="datetime1">
-              <a:rPr lang="en-US" smtClean="0"/>
-              <a:t>12/6/2015</a:t>
-            </a:fld>
-            <a:endParaRPr lang="en-US" dirty="0"/>
-          </a:p>
-        </p:txBody>
-      </p:sp>
-      <p:sp>
-        <p:nvSpPr>
-          <p:cNvPr id="7" name="Slide Number Placeholder 6"/>
-          <p:cNvSpPr>
-            <a:spLocks noGrp="1"/>
-          </p:cNvSpPr>
-          <p:nvPr>
-            <p:ph type="sldNum" sz="quarter" idx="13"/>
-          </p:nvPr>
-        </p:nvSpPr>
-        <p:spPr/>
-        <p:txBody>
-          <a:bodyPr/>
-          <a:lstStyle/>
-          <a:p>
-            <a:fld id="{B4008EB6-D09E-4580-8CD6-DDB14511944F}" type="slidenum">
-              <a:rPr lang="en-US" smtClean="0"/>
-              <a:pPr/>
-              <a:t>21</a:t>
             </a:fld>
             <a:endParaRPr lang="en-US" dirty="0"/>
           </a:p>
@@ -1459,90 +1255,6 @@
       </p:sp>
       <p:sp>
         <p:nvSpPr>
-          <p:cNvPr id="4" name="Slide Number Placeholder 3"/>
-          <p:cNvSpPr>
-            <a:spLocks noGrp="1"/>
-          </p:cNvSpPr>
-          <p:nvPr>
-            <p:ph type="sldNum" sz="quarter" idx="10"/>
-          </p:nvPr>
-        </p:nvSpPr>
-        <p:spPr/>
-        <p:txBody>
-          <a:bodyPr/>
-          <a:lstStyle/>
-          <a:p>
-            <a:fld id="{3E6C1CF0-316C-4904-A0F9-3EEDE72BDC86}" type="slidenum">
-              <a:rPr lang="en-US" smtClean="0"/>
-              <a:t>6</a:t>
-            </a:fld>
-            <a:endParaRPr lang="en-US"/>
-          </a:p>
-        </p:txBody>
-      </p:sp>
-    </p:spTree>
-    <p:extLst>
-      <p:ext uri="{BB962C8B-B14F-4D97-AF65-F5344CB8AC3E}">
-        <p14:creationId xmlns:p14="http://schemas.microsoft.com/office/powerpoint/2010/main" val="2823153417"/>
-      </p:ext>
-    </p:extLst>
-  </p:cSld>
-  <p:clrMapOvr>
-    <a:masterClrMapping/>
-  </p:clrMapOvr>
-</p:notes>
-</file>
-
-<file path=ppt/notesSlides/notesSlide4.xml><?xml version="1.0" encoding="utf-8"?>
-<p:notes xmlns:a="http://schemas.openxmlformats.org/drawingml/2006/main" xmlns:r="http://schemas.openxmlformats.org/officeDocument/2006/relationships" xmlns:p="http://schemas.openxmlformats.org/presentationml/2006/main">
-  <p:cSld>
-    <p:spTree>
-      <p:nvGrpSpPr>
-        <p:cNvPr id="1" name=""/>
-        <p:cNvGrpSpPr/>
-        <p:nvPr/>
-      </p:nvGrpSpPr>
-      <p:grpSpPr>
-        <a:xfrm>
-          <a:off x="0" y="0"/>
-          <a:ext cx="0" cy="0"/>
-          <a:chOff x="0" y="0"/>
-          <a:chExt cx="0" cy="0"/>
-        </a:xfrm>
-      </p:grpSpPr>
-      <p:sp>
-        <p:nvSpPr>
-          <p:cNvPr id="2" name="Slide Image Placeholder 1"/>
-          <p:cNvSpPr>
-            <a:spLocks noGrp="1" noRot="1" noChangeAspect="1"/>
-          </p:cNvSpPr>
-          <p:nvPr>
-            <p:ph type="sldImg"/>
-          </p:nvPr>
-        </p:nvSpPr>
-        <p:spPr/>
-      </p:sp>
-      <p:sp>
-        <p:nvSpPr>
-          <p:cNvPr id="3" name="Notes Placeholder 2"/>
-          <p:cNvSpPr>
-            <a:spLocks noGrp="1"/>
-          </p:cNvSpPr>
-          <p:nvPr>
-            <p:ph type="body" idx="1"/>
-          </p:nvPr>
-        </p:nvSpPr>
-        <p:spPr/>
-        <p:txBody>
-          <a:bodyPr/>
-          <a:lstStyle/>
-          <a:p>
-            <a:endParaRPr lang="en-GB" dirty="0"/>
-          </a:p>
-        </p:txBody>
-      </p:sp>
-      <p:sp>
-        <p:nvSpPr>
           <p:cNvPr id="4" name="Header Placeholder 3"/>
           <p:cNvSpPr>
             <a:spLocks noGrp="1"/>
@@ -1677,7 +1389,7 @@
             <a:fld id="{B4008EB6-D09E-4580-8CD6-DDB14511944F}" type="slidenum">
               <a:rPr lang="en-US" smtClean="0"/>
               <a:pPr/>
-              <a:t>7</a:t>
+              <a:t>6</a:t>
             </a:fld>
             <a:endParaRPr lang="en-US" dirty="0"/>
           </a:p>
@@ -1687,6 +1399,90 @@
     <p:extLst>
       <p:ext uri="{BB962C8B-B14F-4D97-AF65-F5344CB8AC3E}">
         <p14:creationId xmlns:p14="http://schemas.microsoft.com/office/powerpoint/2010/main" val="2564601510"/>
+      </p:ext>
+    </p:extLst>
+  </p:cSld>
+  <p:clrMapOvr>
+    <a:masterClrMapping/>
+  </p:clrMapOvr>
+</p:notes>
+</file>
+
+<file path=ppt/notesSlides/notesSlide4.xml><?xml version="1.0" encoding="utf-8"?>
+<p:notes xmlns:a="http://schemas.openxmlformats.org/drawingml/2006/main" xmlns:r="http://schemas.openxmlformats.org/officeDocument/2006/relationships" xmlns:p="http://schemas.openxmlformats.org/presentationml/2006/main">
+  <p:cSld>
+    <p:spTree>
+      <p:nvGrpSpPr>
+        <p:cNvPr id="1" name=""/>
+        <p:cNvGrpSpPr/>
+        <p:nvPr/>
+      </p:nvGrpSpPr>
+      <p:grpSpPr>
+        <a:xfrm>
+          <a:off x="0" y="0"/>
+          <a:ext cx="0" cy="0"/>
+          <a:chOff x="0" y="0"/>
+          <a:chExt cx="0" cy="0"/>
+        </a:xfrm>
+      </p:grpSpPr>
+      <p:sp>
+        <p:nvSpPr>
+          <p:cNvPr id="2" name="Slide Image Placeholder 1"/>
+          <p:cNvSpPr>
+            <a:spLocks noGrp="1" noRot="1" noChangeAspect="1"/>
+          </p:cNvSpPr>
+          <p:nvPr>
+            <p:ph type="sldImg"/>
+          </p:nvPr>
+        </p:nvSpPr>
+        <p:spPr/>
+      </p:sp>
+      <p:sp>
+        <p:nvSpPr>
+          <p:cNvPr id="3" name="Notes Placeholder 2"/>
+          <p:cNvSpPr>
+            <a:spLocks noGrp="1"/>
+          </p:cNvSpPr>
+          <p:nvPr>
+            <p:ph type="body" idx="1"/>
+          </p:nvPr>
+        </p:nvSpPr>
+        <p:spPr/>
+        <p:txBody>
+          <a:bodyPr/>
+          <a:lstStyle/>
+          <a:p>
+            <a:endParaRPr lang="en-GB" dirty="0"/>
+          </a:p>
+        </p:txBody>
+      </p:sp>
+      <p:sp>
+        <p:nvSpPr>
+          <p:cNvPr id="4" name="Slide Number Placeholder 3"/>
+          <p:cNvSpPr>
+            <a:spLocks noGrp="1"/>
+          </p:cNvSpPr>
+          <p:nvPr>
+            <p:ph type="sldNum" sz="quarter" idx="10"/>
+          </p:nvPr>
+        </p:nvSpPr>
+        <p:spPr/>
+        <p:txBody>
+          <a:bodyPr/>
+          <a:lstStyle/>
+          <a:p>
+            <a:fld id="{3E6C1CF0-316C-4904-A0F9-3EEDE72BDC86}" type="slidenum">
+              <a:rPr lang="en-US" smtClean="0"/>
+              <a:t>7</a:t>
+            </a:fld>
+            <a:endParaRPr lang="en-US"/>
+          </a:p>
+        </p:txBody>
+      </p:sp>
+    </p:spTree>
+    <p:extLst>
+      <p:ext uri="{BB962C8B-B14F-4D97-AF65-F5344CB8AC3E}">
+        <p14:creationId xmlns:p14="http://schemas.microsoft.com/office/powerpoint/2010/main" val="2823153417"/>
       </p:ext>
     </p:extLst>
   </p:cSld>
@@ -1943,6 +1739,44 @@
           <a:bodyPr/>
           <a:lstStyle/>
           <a:p>
+            <a:r>
+              <a:rPr lang="en-GB" dirty="0" err="1" smtClean="0"/>
+              <a:t>KnownFolders</a:t>
+            </a:r>
+            <a:r>
+              <a:rPr lang="en-GB" dirty="0" smtClean="0"/>
+              <a:t> </a:t>
+            </a:r>
+            <a:r>
+              <a:rPr lang="ru-RU" dirty="0" smtClean="0"/>
+              <a:t>позволяют получить прямой доступ к папкам с файлами пользователей</a:t>
+            </a:r>
+            <a:r>
+              <a:rPr lang="en-GB" dirty="0" smtClean="0"/>
+              <a:t/>
+            </a:r>
+            <a:br>
+              <a:rPr lang="en-GB" dirty="0" smtClean="0"/>
+            </a:br>
+            <a:r>
+              <a:rPr lang="en-GB" sz="800" dirty="0" smtClean="0"/>
+              <a:t/>
+            </a:r>
+            <a:br>
+              <a:rPr lang="en-GB" sz="800" dirty="0" smtClean="0"/>
+            </a:br>
+            <a:r>
+              <a:rPr lang="en-GB" sz="800" dirty="0" smtClean="0"/>
+              <a:t>(</a:t>
+            </a:r>
+            <a:r>
+              <a:rPr lang="ru-RU" sz="800" dirty="0" smtClean="0"/>
+              <a:t>не забудьте указать это в возможностях</a:t>
+            </a:r>
+            <a:r>
+              <a:rPr lang="en-GB" sz="800" dirty="0" smtClean="0"/>
+              <a:t> Capabilities)</a:t>
+            </a:r>
             <a:endParaRPr lang="en-GB" dirty="0"/>
           </a:p>
         </p:txBody>
@@ -2083,7 +1917,7 @@
             <a:fld id="{B4008EB6-D09E-4580-8CD6-DDB14511944F}" type="slidenum">
               <a:rPr lang="en-US" smtClean="0"/>
               <a:pPr/>
-              <a:t>11</a:t>
+              <a:t>15</a:t>
             </a:fld>
             <a:endParaRPr lang="en-US" dirty="0"/>
           </a:p>
@@ -2092,7 +1926,7 @@
     </p:spTree>
     <p:extLst>
       <p:ext uri="{BB962C8B-B14F-4D97-AF65-F5344CB8AC3E}">
-        <p14:creationId xmlns:p14="http://schemas.microsoft.com/office/powerpoint/2010/main" val="199421006"/>
+        <p14:creationId xmlns:p14="http://schemas.microsoft.com/office/powerpoint/2010/main" val="4231858427"/>
       </p:ext>
     </p:extLst>
   </p:cSld>
@@ -2300,44 +2134,6 @@
           <a:bodyPr/>
           <a:lstStyle/>
           <a:p>
-            <a:r>
-              <a:rPr lang="en-GB" dirty="0" err="1" smtClean="0"/>
-              <a:t>KnownFolders</a:t>
-            </a:r>
-            <a:r>
-              <a:rPr lang="en-GB" dirty="0" smtClean="0"/>
-              <a:t> </a:t>
-            </a:r>
-            <a:r>
-              <a:rPr lang="ru-RU" dirty="0" smtClean="0"/>
-              <a:t>позволяют получить прямой доступ к папкам с файлами пользователей</a:t>
-            </a:r>
-            <a:r>
-              <a:rPr lang="en-GB" dirty="0" smtClean="0"/>
-              <a:t/>
-            </a:r>
-            <a:br>
-              <a:rPr lang="en-GB" dirty="0" smtClean="0"/>
-            </a:br>
-            <a:r>
-              <a:rPr lang="en-GB" sz="800" dirty="0" smtClean="0"/>
-              <a:t/>
-            </a:r>
-            <a:br>
-              <a:rPr lang="en-GB" sz="800" dirty="0" smtClean="0"/>
-            </a:br>
-            <a:r>
-              <a:rPr lang="en-GB" sz="800" dirty="0" smtClean="0"/>
-              <a:t>(</a:t>
-            </a:r>
-            <a:r>
-              <a:rPr lang="ru-RU" sz="800" dirty="0" smtClean="0"/>
-              <a:t>не забудьте указать это в возможностях</a:t>
-            </a:r>
-            <a:r>
-              <a:rPr lang="en-GB" sz="800" dirty="0" smtClean="0"/>
-              <a:t> Capabilities)</a:t>
-            </a:r>
             <a:endParaRPr lang="en-GB" dirty="0"/>
           </a:p>
         </p:txBody>
@@ -2478,7 +2274,7 @@
             <a:fld id="{B4008EB6-D09E-4580-8CD6-DDB14511944F}" type="slidenum">
               <a:rPr lang="en-US" smtClean="0"/>
               <a:pPr/>
-              <a:t>17</a:t>
+              <a:t>18</a:t>
             </a:fld>
             <a:endParaRPr lang="en-US" dirty="0"/>
           </a:p>
@@ -2487,7 +2283,7 @@
     </p:spTree>
     <p:extLst>
       <p:ext uri="{BB962C8B-B14F-4D97-AF65-F5344CB8AC3E}">
-        <p14:creationId xmlns:p14="http://schemas.microsoft.com/office/powerpoint/2010/main" val="4231858427"/>
+        <p14:creationId xmlns:p14="http://schemas.microsoft.com/office/powerpoint/2010/main" val="729701861"/>
       </p:ext>
     </p:extLst>
   </p:cSld>
@@ -2690,7 +2486,7 @@
     </p:spTree>
     <p:extLst>
       <p:ext uri="{BB962C8B-B14F-4D97-AF65-F5344CB8AC3E}">
-        <p14:creationId xmlns:p14="http://schemas.microsoft.com/office/powerpoint/2010/main" val="729701861"/>
+        <p14:creationId xmlns:p14="http://schemas.microsoft.com/office/powerpoint/2010/main" val="3692879475"/>
       </p:ext>
     </p:extLst>
   </p:cSld>
@@ -20101,11 +19897,11 @@
   <p:clrMapOvr>
     <a:masterClrMapping/>
   </p:clrMapOvr>
-  <mc:AlternateContent xmlns:mc="http://schemas.openxmlformats.org/markup-compatibility/2006">
-    <mc:Choice xmlns:p14="http://schemas.microsoft.com/office/powerpoint/2010/main" Requires="p14">
+  <mc:AlternateContent xmlns:mc="http://schemas.openxmlformats.org/markup-compatibility/2006" xmlns:p14="http://schemas.microsoft.com/office/powerpoint/2010/main">
+    <mc:Choice Requires="p14">
       <p:transition p14:dur="0"/>
     </mc:Choice>
-    <mc:Fallback>
+    <mc:Fallback xmlns="">
       <p:transition/>
     </mc:Fallback>
   </mc:AlternateContent>
@@ -21059,11 +20855,11 @@
   <p:clrMapOvr>
     <a:masterClrMapping/>
   </p:clrMapOvr>
-  <mc:AlternateContent xmlns:mc="http://schemas.openxmlformats.org/markup-compatibility/2006">
-    <mc:Choice xmlns:p14="http://schemas.microsoft.com/office/powerpoint/2010/main" Requires="p14">
+  <mc:AlternateContent xmlns:mc="http://schemas.openxmlformats.org/markup-compatibility/2006" xmlns:p14="http://schemas.microsoft.com/office/powerpoint/2010/main">
+    <mc:Choice Requires="p14">
       <p:transition p14:dur="0"/>
     </mc:Choice>
-    <mc:Fallback>
+    <mc:Fallback xmlns="">
       <p:transition/>
     </mc:Fallback>
   </mc:AlternateContent>
@@ -21078,253 +20874,6 @@
 </file>
 
 <file path=ppt/slides/slide11.xml><?xml version="1.0" encoding="utf-8"?>
-<p:sld xmlns:a="http://schemas.openxmlformats.org/drawingml/2006/main" xmlns:r="http://schemas.openxmlformats.org/officeDocument/2006/relationships" xmlns:p="http://schemas.openxmlformats.org/presentationml/2006/main">
-  <p:cSld>
-    <p:spTree>
-      <p:nvGrpSpPr>
-        <p:cNvPr id="1" name=""/>
-        <p:cNvGrpSpPr/>
-        <p:nvPr/>
-      </p:nvGrpSpPr>
-      <p:grpSpPr>
-        <a:xfrm>
-          <a:off x="0" y="0"/>
-          <a:ext cx="0" cy="0"/>
-          <a:chOff x="0" y="0"/>
-          <a:chExt cx="0" cy="0"/>
-        </a:xfrm>
-      </p:grpSpPr>
-      <p:sp>
-        <p:nvSpPr>
-          <p:cNvPr id="6" name="Title 5"/>
-          <p:cNvSpPr>
-            <a:spLocks noGrp="1"/>
-          </p:cNvSpPr>
-          <p:nvPr>
-            <p:ph type="title" idx="4294967295"/>
-          </p:nvPr>
-        </p:nvSpPr>
-        <p:spPr>
-          <a:xfrm>
-            <a:off x="0" y="204788"/>
-            <a:ext cx="11652250" cy="982662"/>
-          </a:xfrm>
-        </p:spPr>
-        <p:txBody>
-          <a:bodyPr/>
-          <a:lstStyle/>
-          <a:p>
-            <a:r>
-              <a:rPr lang="ru-RU" dirty="0" smtClean="0"/>
-              <a:t> </a:t>
-            </a:r>
-            <a:r>
-              <a:rPr lang="en-US" dirty="0" smtClean="0"/>
-              <a:t>Roaming </a:t>
-            </a:r>
-            <a:r>
-              <a:rPr lang="en-GB" dirty="0" smtClean="0"/>
-              <a:t>Settings </a:t>
-            </a:r>
-            <a:r>
-              <a:rPr lang="ru-RU" dirty="0" smtClean="0"/>
-              <a:t>и</a:t>
-            </a:r>
-            <a:r>
-              <a:rPr lang="en-GB" dirty="0" smtClean="0"/>
-              <a:t> Roaming Folder</a:t>
-            </a:r>
-            <a:endParaRPr lang="en-GB" dirty="0"/>
-          </a:p>
-        </p:txBody>
-      </p:sp>
-      <p:sp>
-        <p:nvSpPr>
-          <p:cNvPr id="7" name="Text Placeholder 6"/>
-          <p:cNvSpPr>
-            <a:spLocks noGrp="1"/>
-          </p:cNvSpPr>
-          <p:nvPr>
-            <p:ph type="body" sz="quarter" idx="4294967295"/>
-          </p:nvPr>
-        </p:nvSpPr>
-        <p:spPr>
-          <a:xfrm>
-            <a:off x="257176" y="1204913"/>
-            <a:ext cx="5541840" cy="5653087"/>
-          </a:xfrm>
-        </p:spPr>
-        <p:txBody>
-          <a:bodyPr/>
-          <a:lstStyle/>
-          <a:p>
-            <a:pPr lvl="1"/>
-            <a:r>
-              <a:rPr lang="ru-RU" sz="3137" dirty="0" smtClean="0">
-                <a:solidFill>
-                  <a:schemeClr val="accent1"/>
-                </a:solidFill>
-              </a:rPr>
-              <a:t>Данные </a:t>
-            </a:r>
-            <a:r>
-              <a:rPr lang="ru-RU" sz="3137" dirty="0" smtClean="0">
-                <a:solidFill>
-                  <a:schemeClr val="accent1"/>
-                </a:solidFill>
-              </a:rPr>
-              <a:t>доступные по сети позволяют </a:t>
-            </a:r>
-            <a:r>
-              <a:rPr lang="ru-RU" sz="3137" dirty="0" smtClean="0">
-                <a:solidFill>
-                  <a:schemeClr val="accent1"/>
-                </a:solidFill>
-              </a:rPr>
-              <a:t>приложению синхронизировать данные и настройки между различными устройствами </a:t>
-            </a:r>
-          </a:p>
-          <a:p>
-            <a:pPr lvl="1"/>
-            <a:r>
-              <a:rPr lang="ru-RU" sz="1804" dirty="0" smtClean="0"/>
-              <a:t>Синхронизация между всеми устройствами пользователя, где установлено приложение</a:t>
-            </a:r>
-          </a:p>
-          <a:p>
-            <a:pPr lvl="1"/>
-            <a:endParaRPr lang="ru-RU" sz="1804" dirty="0"/>
-          </a:p>
-          <a:p>
-            <a:pPr lvl="1"/>
-            <a:r>
-              <a:rPr lang="en-GB" sz="3137" dirty="0" err="1" smtClean="0">
-                <a:solidFill>
-                  <a:schemeClr val="accent1"/>
-                </a:solidFill>
-              </a:rPr>
-              <a:t>RoamingFolder</a:t>
-            </a:r>
-            <a:r>
-              <a:rPr lang="en-GB" sz="3137" dirty="0" smtClean="0">
-                <a:solidFill>
-                  <a:schemeClr val="accent1"/>
-                </a:solidFill>
-              </a:rPr>
-              <a:t> </a:t>
-            </a:r>
-            <a:r>
-              <a:rPr lang="ru-RU" sz="3137" dirty="0" smtClean="0">
-                <a:solidFill>
-                  <a:schemeClr val="accent1"/>
-                </a:solidFill>
-              </a:rPr>
-              <a:t>и </a:t>
-            </a:r>
-            <a:r>
-              <a:rPr lang="en-GB" sz="3137" dirty="0" err="1" smtClean="0">
-                <a:solidFill>
-                  <a:schemeClr val="accent1"/>
-                </a:solidFill>
-              </a:rPr>
-              <a:t>RoamingSettings</a:t>
-            </a:r>
-            <a:r>
-              <a:rPr lang="en-GB" sz="3137" dirty="0" smtClean="0">
-                <a:solidFill>
-                  <a:schemeClr val="accent1"/>
-                </a:solidFill>
-              </a:rPr>
-              <a:t> </a:t>
-            </a:r>
-            <a:r>
-              <a:rPr lang="ru-RU" sz="3137" dirty="0" smtClean="0">
-                <a:solidFill>
-                  <a:schemeClr val="accent1"/>
-                </a:solidFill>
-              </a:rPr>
-              <a:t>синхронизированы </a:t>
-            </a:r>
-            <a:r>
-              <a:rPr lang="ru-RU" sz="3137" dirty="0">
-                <a:solidFill>
-                  <a:schemeClr val="accent1"/>
-                </a:solidFill>
-              </a:rPr>
-              <a:t>ч</a:t>
-            </a:r>
-            <a:r>
-              <a:rPr lang="ru-RU" sz="3137" dirty="0" smtClean="0">
-                <a:solidFill>
-                  <a:schemeClr val="accent1"/>
-                </a:solidFill>
-              </a:rPr>
-              <a:t>ерез </a:t>
-            </a:r>
-            <a:r>
-              <a:rPr lang="ru-RU" sz="1804" dirty="0" smtClean="0"/>
-              <a:t>Ограничение в </a:t>
-            </a:r>
-            <a:r>
-              <a:rPr lang="en-GB" sz="1804" dirty="0" smtClean="0"/>
-              <a:t>100KB </a:t>
-            </a:r>
-            <a:r>
-              <a:rPr lang="ru-RU" sz="1804" dirty="0" smtClean="0"/>
-              <a:t>для приложений из магазина</a:t>
-            </a:r>
-            <a:endParaRPr lang="en-GB" dirty="0"/>
-          </a:p>
-        </p:txBody>
-      </p:sp>
-      <p:sp>
-        <p:nvSpPr>
-          <p:cNvPr id="5" name="Slide Number Placeholder 4"/>
-          <p:cNvSpPr>
-            <a:spLocks noGrp="1"/>
-          </p:cNvSpPr>
-          <p:nvPr>
-            <p:ph type="sldNum" sz="quarter" idx="4294967295"/>
-          </p:nvPr>
-        </p:nvSpPr>
-        <p:spPr/>
-        <p:txBody>
-          <a:bodyPr/>
-          <a:lstStyle/>
-          <a:p>
-            <a:endParaRPr lang="en-US" dirty="0"/>
-          </a:p>
-        </p:txBody>
-      </p:sp>
-    </p:spTree>
-    <p:extLst>
-      <p:ext uri="{BB962C8B-B14F-4D97-AF65-F5344CB8AC3E}">
-        <p14:creationId xmlns:p14="http://schemas.microsoft.com/office/powerpoint/2010/main" val="1682242030"/>
-      </p:ext>
-    </p:extLst>
-  </p:cSld>
-  <p:clrMapOvr>
-    <a:masterClrMapping/>
-  </p:clrMapOvr>
-  <mc:AlternateContent xmlns:mc="http://schemas.openxmlformats.org/markup-compatibility/2006">
-    <mc:Choice xmlns:p14="http://schemas.microsoft.com/office/powerpoint/2010/main" Requires="p14">
-      <p:transition p14:dur="0"/>
-    </mc:Choice>
-    <mc:Fallback>
-      <p:transition/>
-    </mc:Fallback>
-  </mc:AlternateContent>
-  <p:timing>
-    <p:tnLst>
-      <p:par>
-        <p:cTn id="1" dur="indefinite" restart="never" nodeType="tmRoot"/>
-      </p:par>
-    </p:tnLst>
-  </p:timing>
-</p:sld>
-</file>
-
-<file path=ppt/slides/slide12.xml><?xml version="1.0" encoding="utf-8"?>
 <p:sld xmlns:a="http://schemas.openxmlformats.org/drawingml/2006/main" xmlns:r="http://schemas.openxmlformats.org/officeDocument/2006/relationships" xmlns:p="http://schemas.openxmlformats.org/presentationml/2006/main">
   <p:cSld>
     <p:spTree>
@@ -22429,11 +21978,11 @@
   <p:clrMapOvr>
     <a:masterClrMapping/>
   </p:clrMapOvr>
-  <mc:AlternateContent xmlns:mc="http://schemas.openxmlformats.org/markup-compatibility/2006">
-    <mc:Choice xmlns:p14="http://schemas.microsoft.com/office/powerpoint/2010/main" Requires="p14">
+  <mc:AlternateContent xmlns:mc="http://schemas.openxmlformats.org/markup-compatibility/2006" xmlns:p14="http://schemas.microsoft.com/office/powerpoint/2010/main">
+    <mc:Choice Requires="p14">
       <p:transition p14:dur="0"/>
     </mc:Choice>
-    <mc:Fallback>
+    <mc:Fallback xmlns="">
       <p:transition/>
     </mc:Fallback>
   </mc:AlternateContent>
@@ -22447,7 +21996,7 @@
 </p:sld>
 </file>
 
-<file path=ppt/slides/slide13.xml><?xml version="1.0" encoding="utf-8"?>
+<file path=ppt/slides/slide12.xml><?xml version="1.0" encoding="utf-8"?>
 <p:sld xmlns:a="http://schemas.openxmlformats.org/drawingml/2006/main" xmlns:r="http://schemas.openxmlformats.org/officeDocument/2006/relationships" xmlns:p="http://schemas.openxmlformats.org/presentationml/2006/main">
   <p:cSld>
     <p:spTree>
@@ -22704,14 +22253,6 @@
               </a:rPr>
               <a:t>Хранилище данных автора приложения</a:t>
             </a:r>
-            <a:endParaRPr lang="ru-RU" sz="4400" dirty="0" smtClean="0">
-              <a:solidFill>
-                <a:schemeClr val="tx2">
-                  <a:lumMod val="75000"/>
-                  <a:lumOff val="25000"/>
-                </a:schemeClr>
-              </a:solidFill>
-            </a:endParaRPr>
           </a:p>
         </p:txBody>
       </p:sp>
@@ -22944,13 +22485,6 @@
               </a:rPr>
               <a:t>&lt;/Package&gt;</a:t>
             </a:r>
-            <a:endParaRPr lang="en-GB" sz="1400" dirty="0">
-              <a:solidFill>
-                <a:schemeClr val="tx2"/>
-              </a:solidFill>
-              <a:latin typeface="Consolas" panose="020B0609020204030204" pitchFamily="49" charset="0"/>
-              <a:cs typeface="Consolas" panose="020B0609020204030204" pitchFamily="49" charset="0"/>
-            </a:endParaRPr>
           </a:p>
         </p:txBody>
       </p:sp>
@@ -22964,11 +22498,11 @@
   <p:clrMapOvr>
     <a:masterClrMapping/>
   </p:clrMapOvr>
-  <mc:AlternateContent xmlns:mc="http://schemas.openxmlformats.org/markup-compatibility/2006">
-    <mc:Choice xmlns:p14="http://schemas.microsoft.com/office/powerpoint/2010/main" Requires="p14">
+  <mc:AlternateContent xmlns:mc="http://schemas.openxmlformats.org/markup-compatibility/2006" xmlns:p14="http://schemas.microsoft.com/office/powerpoint/2010/main">
+    <mc:Choice Requires="p14">
       <p:transition p14:dur="0"/>
     </mc:Choice>
-    <mc:Fallback>
+    <mc:Fallback xmlns="">
       <p:transition/>
     </mc:Fallback>
   </mc:AlternateContent>
@@ -22982,7 +22516,7 @@
 </p:sld>
 </file>
 
-<file path=ppt/slides/slide14.xml><?xml version="1.0" encoding="utf-8"?>
+<file path=ppt/slides/slide13.xml><?xml version="1.0" encoding="utf-8"?>
 <p:sld xmlns:a="http://schemas.openxmlformats.org/drawingml/2006/main" xmlns:r="http://schemas.openxmlformats.org/officeDocument/2006/relationships" xmlns:p="http://schemas.openxmlformats.org/presentationml/2006/main">
   <p:cSld>
     <p:spTree>
@@ -23048,11 +22582,11 @@
   <p:clrMapOvr>
     <a:masterClrMapping/>
   </p:clrMapOvr>
-  <mc:AlternateContent xmlns:mc="http://schemas.openxmlformats.org/markup-compatibility/2006">
-    <mc:Choice xmlns:p14="http://schemas.microsoft.com/office/powerpoint/2010/main" Requires="p14">
+  <mc:AlternateContent xmlns:mc="http://schemas.openxmlformats.org/markup-compatibility/2006" xmlns:p14="http://schemas.microsoft.com/office/powerpoint/2010/main">
+    <mc:Choice Requires="p14">
       <p:transition p14:dur="0"/>
     </mc:Choice>
-    <mc:Fallback>
+    <mc:Fallback xmlns="">
       <p:transition/>
     </mc:Fallback>
   </mc:AlternateContent>
@@ -23066,7 +22600,7 @@
 </p:sld>
 </file>
 
-<file path=ppt/slides/slide15.xml><?xml version="1.0" encoding="utf-8"?>
+<file path=ppt/slides/slide14.xml><?xml version="1.0" encoding="utf-8"?>
 <p:sld xmlns:a="http://schemas.openxmlformats.org/drawingml/2006/main" xmlns:r="http://schemas.openxmlformats.org/officeDocument/2006/relationships" xmlns:p="http://schemas.openxmlformats.org/presentationml/2006/main">
   <p:cSld>
     <p:spTree>
@@ -23140,11 +22674,336 @@
   <p:clrMapOvr>
     <a:masterClrMapping/>
   </p:clrMapOvr>
-  <mc:AlternateContent xmlns:mc="http://schemas.openxmlformats.org/markup-compatibility/2006">
-    <mc:Choice xmlns:p14="http://schemas.microsoft.com/office/powerpoint/2010/main" Requires="p14">
+  <mc:AlternateContent xmlns:mc="http://schemas.openxmlformats.org/markup-compatibility/2006" xmlns:p14="http://schemas.microsoft.com/office/powerpoint/2010/main">
+    <mc:Choice Requires="p14">
       <p:transition p14:dur="0"/>
     </mc:Choice>
-    <mc:Fallback>
+    <mc:Fallback xmlns="">
+      <p:transition/>
+    </mc:Fallback>
+  </mc:AlternateContent>
+  <p:timing>
+    <p:tnLst>
+      <p:par>
+        <p:cTn id="1" dur="indefinite" restart="never" nodeType="tmRoot"/>
+      </p:par>
+    </p:tnLst>
+  </p:timing>
+</p:sld>
+</file>
+
+<file path=ppt/slides/slide15.xml><?xml version="1.0" encoding="utf-8"?>
+<p:sld xmlns:a="http://schemas.openxmlformats.org/drawingml/2006/main" xmlns:r="http://schemas.openxmlformats.org/officeDocument/2006/relationships" xmlns:p="http://schemas.openxmlformats.org/presentationml/2006/main">
+  <p:cSld>
+    <p:spTree>
+      <p:nvGrpSpPr>
+        <p:cNvPr id="1" name=""/>
+        <p:cNvGrpSpPr/>
+        <p:nvPr/>
+      </p:nvGrpSpPr>
+      <p:grpSpPr>
+        <a:xfrm>
+          <a:off x="0" y="0"/>
+          <a:ext cx="0" cy="0"/>
+          <a:chOff x="0" y="0"/>
+          <a:chExt cx="0" cy="0"/>
+        </a:xfrm>
+      </p:grpSpPr>
+      <p:sp>
+        <p:nvSpPr>
+          <p:cNvPr id="2" name="Text Placeholder 1"/>
+          <p:cNvSpPr>
+            <a:spLocks noGrp="1"/>
+          </p:cNvSpPr>
+          <p:nvPr>
+            <p:ph type="body" sz="quarter" idx="4294967295"/>
+          </p:nvPr>
+        </p:nvSpPr>
+        <p:spPr>
+          <a:xfrm>
+            <a:off x="258097" y="2536902"/>
+            <a:ext cx="4938713" cy="2389187"/>
+          </a:xfrm>
+        </p:spPr>
+        <p:txBody>
+          <a:bodyPr/>
+          <a:lstStyle/>
+          <a:p>
+            <a:r>
+              <a:rPr lang="en-US" sz="2800" dirty="0" err="1">
+                <a:latin typeface="+mn-lt"/>
+                <a:cs typeface="Consolas" panose="020B0609020204030204" pitchFamily="49" charset="0"/>
+              </a:rPr>
+              <a:t>KnownFolders</a:t>
+            </a:r>
+            <a:r>
+              <a:rPr lang="en-US" sz="2800" dirty="0">
+                <a:latin typeface="+mn-lt"/>
+              </a:rPr>
+              <a:t> </a:t>
+            </a:r>
+            <a:r>
+              <a:rPr lang="ru-RU" sz="2800" dirty="0" smtClean="0">
+                <a:latin typeface="+mn-lt"/>
+              </a:rPr>
+              <a:t>предоставляют доступ к папкам</a:t>
+            </a:r>
+            <a:r>
+              <a:rPr lang="en-US" sz="2800" dirty="0" smtClean="0">
+                <a:latin typeface="+mn-lt"/>
+              </a:rPr>
+              <a:t>:</a:t>
+            </a:r>
+            <a:endParaRPr lang="en-US" sz="2800" dirty="0">
+              <a:latin typeface="+mn-lt"/>
+            </a:endParaRPr>
+          </a:p>
+          <a:p>
+            <a:r>
+              <a:rPr lang="en-US" sz="2800" dirty="0" smtClean="0">
+                <a:latin typeface="+mn-lt"/>
+              </a:rPr>
+              <a:t>Pictures</a:t>
+            </a:r>
+            <a:r>
+              <a:rPr lang="ru-RU" sz="2800" dirty="0" smtClean="0">
+                <a:latin typeface="+mn-lt"/>
+              </a:rPr>
+              <a:t>, </a:t>
+            </a:r>
+            <a:r>
+              <a:rPr lang="en-US" sz="2800" dirty="0" smtClean="0">
+                <a:latin typeface="+mn-lt"/>
+              </a:rPr>
+              <a:t>Videos</a:t>
+            </a:r>
+            <a:r>
+              <a:rPr lang="ru-RU" sz="2800" dirty="0" smtClean="0">
+                <a:latin typeface="+mn-lt"/>
+              </a:rPr>
+              <a:t>, </a:t>
+            </a:r>
+            <a:r>
+              <a:rPr lang="en-US" sz="2800" dirty="0" smtClean="0">
+                <a:latin typeface="+mn-lt"/>
+              </a:rPr>
+              <a:t>Music </a:t>
+            </a:r>
+            <a:endParaRPr lang="en-US" sz="2800" dirty="0">
+              <a:latin typeface="+mn-lt"/>
+            </a:endParaRPr>
+          </a:p>
+          <a:p>
+            <a:endParaRPr lang="en-US" sz="2800" dirty="0"/>
+          </a:p>
+        </p:txBody>
+      </p:sp>
+      <p:sp>
+        <p:nvSpPr>
+          <p:cNvPr id="3" name="Title 2"/>
+          <p:cNvSpPr>
+            <a:spLocks noGrp="1"/>
+          </p:cNvSpPr>
+          <p:nvPr>
+            <p:ph type="title" idx="4294967295"/>
+          </p:nvPr>
+        </p:nvSpPr>
+        <p:spPr>
+          <a:xfrm>
+            <a:off x="331838" y="193036"/>
+            <a:ext cx="11652250" cy="982662"/>
+          </a:xfrm>
+        </p:spPr>
+        <p:txBody>
+          <a:bodyPr/>
+          <a:lstStyle/>
+          <a:p>
+            <a:r>
+              <a:rPr lang="ru-RU" dirty="0" smtClean="0"/>
+              <a:t>Доступ к файлам пользователя</a:t>
+            </a:r>
+            <a:endParaRPr lang="en-US" dirty="0"/>
+          </a:p>
+        </p:txBody>
+      </p:sp>
+      <p:sp>
+        <p:nvSpPr>
+          <p:cNvPr id="7" name="Rectangle 6"/>
+          <p:cNvSpPr/>
+          <p:nvPr/>
+        </p:nvSpPr>
+        <p:spPr>
+          <a:xfrm>
+            <a:off x="331838" y="1259758"/>
+            <a:ext cx="7048279" cy="1193084"/>
+          </a:xfrm>
+          <a:prstGeom prst="rect">
+            <a:avLst/>
+          </a:prstGeom>
+          <a:solidFill>
+            <a:schemeClr val="bg1">
+              <a:lumMod val="95000"/>
+            </a:schemeClr>
+          </a:solidFill>
+        </p:spPr>
+        <p:txBody>
+          <a:bodyPr wrap="square">
+            <a:spAutoFit/>
+          </a:bodyPr>
+          <a:lstStyle/>
+          <a:p>
+            <a:r>
+              <a:rPr lang="en-GB" sz="1600" dirty="0">
+                <a:solidFill>
+                  <a:srgbClr val="0000FF"/>
+                </a:solidFill>
+                <a:highlight>
+                  <a:srgbClr val="F2F2F2"/>
+                </a:highlight>
+                <a:latin typeface="Consolas" panose="020B0609020204030204" pitchFamily="49" charset="0"/>
+              </a:rPr>
+              <a:t>var</a:t>
+            </a:r>
+            <a:r>
+              <a:rPr lang="en-GB" sz="1600" dirty="0">
+                <a:solidFill>
+                  <a:srgbClr val="000000"/>
+                </a:solidFill>
+                <a:highlight>
+                  <a:srgbClr val="F2F2F2"/>
+                </a:highlight>
+                <a:latin typeface="Consolas" panose="020B0609020204030204" pitchFamily="49" charset="0"/>
+              </a:rPr>
+              <a:t> pictures = </a:t>
+            </a:r>
+            <a:r>
+              <a:rPr lang="en-GB" sz="1600" dirty="0">
+                <a:solidFill>
+                  <a:srgbClr val="0000FF"/>
+                </a:solidFill>
+                <a:highlight>
+                  <a:srgbClr val="F2F2F2"/>
+                </a:highlight>
+                <a:latin typeface="Consolas" panose="020B0609020204030204" pitchFamily="49" charset="0"/>
+              </a:rPr>
+              <a:t>await</a:t>
+            </a:r>
+            <a:r>
+              <a:rPr lang="en-GB" sz="1600" dirty="0">
+                <a:solidFill>
+                  <a:srgbClr val="000000"/>
+                </a:solidFill>
+                <a:highlight>
+                  <a:srgbClr val="F2F2F2"/>
+                </a:highlight>
+                <a:latin typeface="Consolas" panose="020B0609020204030204" pitchFamily="49" charset="0"/>
+              </a:rPr>
+              <a:t> </a:t>
+            </a:r>
+            <a:r>
+              <a:rPr lang="en-GB" sz="1600" dirty="0" smtClean="0">
+                <a:solidFill>
+                  <a:srgbClr val="000000"/>
+                </a:solidFill>
+                <a:highlight>
+                  <a:srgbClr val="F2F2F2"/>
+                </a:highlight>
+                <a:latin typeface="Consolas" panose="020B0609020204030204" pitchFamily="49" charset="0"/>
+              </a:rPr>
+              <a:t> </a:t>
+            </a:r>
+            <a:br>
+              <a:rPr lang="en-GB" sz="1600" dirty="0" smtClean="0">
+                <a:solidFill>
+                  <a:srgbClr val="000000"/>
+                </a:solidFill>
+                <a:highlight>
+                  <a:srgbClr val="F2F2F2"/>
+                </a:highlight>
+                <a:latin typeface="Consolas" panose="020B0609020204030204" pitchFamily="49" charset="0"/>
+              </a:rPr>
+            </a:br>
+            <a:r>
+              <a:rPr lang="en-GB" sz="1600" dirty="0" smtClean="0">
+                <a:solidFill>
+                  <a:srgbClr val="000000"/>
+                </a:solidFill>
+                <a:highlight>
+                  <a:srgbClr val="F2F2F2"/>
+                </a:highlight>
+                <a:latin typeface="Consolas" panose="020B0609020204030204" pitchFamily="49" charset="0"/>
+              </a:rPr>
+              <a:t>   </a:t>
+            </a:r>
+            <a:r>
+              <a:rPr lang="en-GB" sz="1600" dirty="0" err="1" smtClean="0">
+                <a:solidFill>
+                  <a:srgbClr val="000000"/>
+                </a:solidFill>
+                <a:highlight>
+                  <a:srgbClr val="F2F2F2"/>
+                </a:highlight>
+                <a:latin typeface="Consolas" panose="020B0609020204030204" pitchFamily="49" charset="0"/>
+              </a:rPr>
+              <a:t>Windows.Storage.</a:t>
+            </a:r>
+            <a:r>
+              <a:rPr lang="en-GB" sz="1600" dirty="0" err="1" smtClean="0">
+                <a:solidFill>
+                  <a:srgbClr val="2B91AF"/>
+                </a:solidFill>
+                <a:highlight>
+                  <a:srgbClr val="F2F2F2"/>
+                </a:highlight>
+                <a:latin typeface="Consolas" panose="020B0609020204030204" pitchFamily="49" charset="0"/>
+              </a:rPr>
+              <a:t>KnownFolders</a:t>
+            </a:r>
+            <a:r>
+              <a:rPr lang="en-GB" sz="1600" dirty="0" err="1" smtClean="0">
+                <a:solidFill>
+                  <a:srgbClr val="000000"/>
+                </a:solidFill>
+                <a:highlight>
+                  <a:srgbClr val="F2F2F2"/>
+                </a:highlight>
+                <a:latin typeface="Consolas" panose="020B0609020204030204" pitchFamily="49" charset="0"/>
+              </a:rPr>
+              <a:t>.PicturesLibrary.GetFilesAsync</a:t>
+            </a:r>
+            <a:r>
+              <a:rPr lang="en-GB" sz="1600" dirty="0">
+                <a:solidFill>
+                  <a:srgbClr val="000000"/>
+                </a:solidFill>
+                <a:highlight>
+                  <a:srgbClr val="F2F2F2"/>
+                </a:highlight>
+                <a:latin typeface="Consolas" panose="020B0609020204030204" pitchFamily="49" charset="0"/>
+              </a:rPr>
+              <a:t>();</a:t>
+            </a:r>
+          </a:p>
+          <a:p>
+            <a:endParaRPr lang="en-US" sz="2353" dirty="0"/>
+          </a:p>
+        </p:txBody>
+      </p:sp>
+    </p:spTree>
+    <p:extLst>
+      <p:ext uri="{BB962C8B-B14F-4D97-AF65-F5344CB8AC3E}">
+        <p14:creationId xmlns:p14="http://schemas.microsoft.com/office/powerpoint/2010/main" val="2715315397"/>
+      </p:ext>
+    </p:extLst>
+  </p:cSld>
+  <p:clrMapOvr>
+    <a:masterClrMapping/>
+  </p:clrMapOvr>
+  <mc:AlternateContent xmlns:mc="http://schemas.openxmlformats.org/markup-compatibility/2006" xmlns:p14="http://schemas.microsoft.com/office/powerpoint/2010/main">
+    <mc:Choice Requires="p14">
+      <p:transition p14:dur="0"/>
+    </mc:Choice>
+    <mc:Fallback xmlns="">
       <p:transition/>
     </mc:Fallback>
   </mc:AlternateContent>
@@ -23305,17 +23164,8 @@
               <a:rPr lang="ru-RU" sz="3200" dirty="0" smtClean="0">
                 <a:latin typeface="+mn-lt"/>
               </a:rPr>
-              <a:t>в качестве </a:t>
-            </a:r>
-            <a:r>
-              <a:rPr lang="ru-RU" sz="3200" dirty="0" smtClean="0">
-                <a:latin typeface="+mn-lt"/>
-              </a:rPr>
-              <a:t>альтернативы</a:t>
-            </a:r>
-            <a:endParaRPr lang="ru-RU" sz="3200" dirty="0" smtClean="0">
-              <a:latin typeface="+mn-lt"/>
-            </a:endParaRPr>
+              <a:t>в качестве альтернативы</a:t>
+            </a:r>
           </a:p>
         </p:txBody>
       </p:sp>
@@ -23348,11 +23198,11 @@
   <p:clrMapOvr>
     <a:masterClrMapping/>
   </p:clrMapOvr>
-  <mc:AlternateContent xmlns:mc="http://schemas.openxmlformats.org/markup-compatibility/2006">
-    <mc:Choice xmlns:p14="http://schemas.microsoft.com/office/powerpoint/2010/main" Requires="p14">
+  <mc:AlternateContent xmlns:mc="http://schemas.openxmlformats.org/markup-compatibility/2006" xmlns:p14="http://schemas.microsoft.com/office/powerpoint/2010/main">
+    <mc:Choice Requires="p14">
       <p:transition p14:dur="0"/>
     </mc:Choice>
-    <mc:Fallback>
+    <mc:Fallback xmlns="">
       <p:transition/>
     </mc:Fallback>
   </mc:AlternateContent>
@@ -23367,345 +23217,6 @@
 </file>
 
 <file path=ppt/slides/slide17.xml><?xml version="1.0" encoding="utf-8"?>
-<p:sld xmlns:a="http://schemas.openxmlformats.org/drawingml/2006/main" xmlns:r="http://schemas.openxmlformats.org/officeDocument/2006/relationships" xmlns:p="http://schemas.openxmlformats.org/presentationml/2006/main">
-  <p:cSld>
-    <p:spTree>
-      <p:nvGrpSpPr>
-        <p:cNvPr id="1" name=""/>
-        <p:cNvGrpSpPr/>
-        <p:nvPr/>
-      </p:nvGrpSpPr>
-      <p:grpSpPr>
-        <a:xfrm>
-          <a:off x="0" y="0"/>
-          <a:ext cx="0" cy="0"/>
-          <a:chOff x="0" y="0"/>
-          <a:chExt cx="0" cy="0"/>
-        </a:xfrm>
-      </p:grpSpPr>
-      <p:sp>
-        <p:nvSpPr>
-          <p:cNvPr id="2" name="Text Placeholder 1"/>
-          <p:cNvSpPr>
-            <a:spLocks noGrp="1"/>
-          </p:cNvSpPr>
-          <p:nvPr>
-            <p:ph type="body" sz="quarter" idx="10"/>
-          </p:nvPr>
-        </p:nvSpPr>
-        <p:spPr>
-          <a:xfrm>
-            <a:off x="266921" y="2621221"/>
-            <a:ext cx="4938126" cy="2388346"/>
-          </a:xfrm>
-        </p:spPr>
-        <p:txBody>
-          <a:bodyPr/>
-          <a:lstStyle/>
-          <a:p>
-            <a:r>
-              <a:rPr lang="en-US" sz="2800" dirty="0" err="1">
-                <a:latin typeface="+mn-lt"/>
-                <a:cs typeface="Consolas" panose="020B0609020204030204" pitchFamily="49" charset="0"/>
-              </a:rPr>
-              <a:t>KnownFolders</a:t>
-            </a:r>
-            <a:r>
-              <a:rPr lang="en-US" sz="2800" dirty="0">
-                <a:latin typeface="+mn-lt"/>
-              </a:rPr>
-              <a:t> </a:t>
-            </a:r>
-            <a:r>
-              <a:rPr lang="ru-RU" sz="2800" dirty="0" smtClean="0">
-                <a:latin typeface="+mn-lt"/>
-              </a:rPr>
-              <a:t>предоставляют доступ к папкам</a:t>
-            </a:r>
-            <a:r>
-              <a:rPr lang="en-US" sz="2800" dirty="0" smtClean="0">
-                <a:latin typeface="+mn-lt"/>
-              </a:rPr>
-              <a:t>:</a:t>
-            </a:r>
-            <a:endParaRPr lang="en-US" sz="2800" dirty="0">
-              <a:latin typeface="+mn-lt"/>
-            </a:endParaRPr>
-          </a:p>
-          <a:p>
-            <a:r>
-              <a:rPr lang="en-US" sz="2800" dirty="0" smtClean="0">
-                <a:latin typeface="+mn-lt"/>
-              </a:rPr>
-              <a:t>Pictures</a:t>
-            </a:r>
-            <a:r>
-              <a:rPr lang="ru-RU" sz="2800" dirty="0" smtClean="0">
-                <a:latin typeface="+mn-lt"/>
-              </a:rPr>
-              <a:t>, </a:t>
-            </a:r>
-            <a:r>
-              <a:rPr lang="en-US" sz="2800" dirty="0" smtClean="0">
-                <a:latin typeface="+mn-lt"/>
-              </a:rPr>
-              <a:t>Videos</a:t>
-            </a:r>
-            <a:r>
-              <a:rPr lang="ru-RU" sz="2800" dirty="0" smtClean="0">
-                <a:latin typeface="+mn-lt"/>
-              </a:rPr>
-              <a:t>, </a:t>
-            </a:r>
-            <a:r>
-              <a:rPr lang="en-US" sz="2800" dirty="0" smtClean="0">
-                <a:latin typeface="+mn-lt"/>
-              </a:rPr>
-              <a:t>Music </a:t>
-            </a:r>
-            <a:endParaRPr lang="en-US" sz="2800" dirty="0">
-              <a:latin typeface="+mn-lt"/>
-            </a:endParaRPr>
-          </a:p>
-          <a:p>
-            <a:endParaRPr lang="en-US" sz="2800" dirty="0"/>
-          </a:p>
-        </p:txBody>
-      </p:sp>
-      <p:sp>
-        <p:nvSpPr>
-          <p:cNvPr id="3" name="Title 2"/>
-          <p:cNvSpPr>
-            <a:spLocks noGrp="1"/>
-          </p:cNvSpPr>
-          <p:nvPr>
-            <p:ph type="title"/>
-          </p:nvPr>
-        </p:nvSpPr>
-        <p:spPr/>
-        <p:txBody>
-          <a:bodyPr/>
-          <a:lstStyle/>
-          <a:p>
-            <a:r>
-              <a:rPr lang="ru-RU" dirty="0" smtClean="0"/>
-              <a:t>Доступ к файлам пользователя</a:t>
-            </a:r>
-            <a:endParaRPr lang="en-US" dirty="0"/>
-          </a:p>
-        </p:txBody>
-      </p:sp>
-      <p:sp>
-        <p:nvSpPr>
-          <p:cNvPr id="6" name="Slide Number Placeholder 5"/>
-          <p:cNvSpPr>
-            <a:spLocks noGrp="1"/>
-          </p:cNvSpPr>
-          <p:nvPr>
-            <p:ph type="sldNum" sz="quarter" idx="13"/>
-          </p:nvPr>
-        </p:nvSpPr>
-        <p:spPr/>
-        <p:txBody>
-          <a:bodyPr/>
-          <a:lstStyle/>
-          <a:p>
-            <a:endParaRPr lang="en-US" dirty="0"/>
-          </a:p>
-        </p:txBody>
-      </p:sp>
-      <p:sp>
-        <p:nvSpPr>
-          <p:cNvPr id="7" name="Rectangle 6"/>
-          <p:cNvSpPr/>
-          <p:nvPr/>
-        </p:nvSpPr>
-        <p:spPr>
-          <a:xfrm>
-            <a:off x="266921" y="1259758"/>
-            <a:ext cx="7048279" cy="1193084"/>
-          </a:xfrm>
-          <a:prstGeom prst="rect">
-            <a:avLst/>
-          </a:prstGeom>
-          <a:solidFill>
-            <a:schemeClr val="bg1">
-              <a:lumMod val="95000"/>
-            </a:schemeClr>
-          </a:solidFill>
-        </p:spPr>
-        <p:txBody>
-          <a:bodyPr wrap="square">
-            <a:spAutoFit/>
-          </a:bodyPr>
-          <a:lstStyle/>
-          <a:p>
-            <a:r>
-              <a:rPr lang="en-GB" sz="1600" dirty="0">
-                <a:solidFill>
-                  <a:srgbClr val="0000FF"/>
-                </a:solidFill>
-                <a:highlight>
-                  <a:srgbClr val="F2F2F2"/>
-                </a:highlight>
-                <a:latin typeface="Consolas" panose="020B0609020204030204" pitchFamily="49" charset="0"/>
-              </a:rPr>
-              <a:t>var</a:t>
-            </a:r>
-            <a:r>
-              <a:rPr lang="en-GB" sz="1600" dirty="0">
-                <a:solidFill>
-                  <a:srgbClr val="000000"/>
-                </a:solidFill>
-                <a:highlight>
-                  <a:srgbClr val="F2F2F2"/>
-                </a:highlight>
-                <a:latin typeface="Consolas" panose="020B0609020204030204" pitchFamily="49" charset="0"/>
-              </a:rPr>
-              <a:t> pictures = </a:t>
-            </a:r>
-            <a:r>
-              <a:rPr lang="en-GB" sz="1600" dirty="0">
-                <a:solidFill>
-                  <a:srgbClr val="0000FF"/>
-                </a:solidFill>
-                <a:highlight>
-                  <a:srgbClr val="F2F2F2"/>
-                </a:highlight>
-                <a:latin typeface="Consolas" panose="020B0609020204030204" pitchFamily="49" charset="0"/>
-              </a:rPr>
-              <a:t>await</a:t>
-            </a:r>
-            <a:r>
-              <a:rPr lang="en-GB" sz="1600" dirty="0">
-                <a:solidFill>
-                  <a:srgbClr val="000000"/>
-                </a:solidFill>
-                <a:highlight>
-                  <a:srgbClr val="F2F2F2"/>
-                </a:highlight>
-                <a:latin typeface="Consolas" panose="020B0609020204030204" pitchFamily="49" charset="0"/>
-              </a:rPr>
-              <a:t> </a:t>
-            </a:r>
-            <a:r>
-              <a:rPr lang="en-GB" sz="1600" dirty="0" smtClean="0">
-                <a:solidFill>
-                  <a:srgbClr val="000000"/>
-                </a:solidFill>
-                <a:highlight>
-                  <a:srgbClr val="F2F2F2"/>
-                </a:highlight>
-                <a:latin typeface="Consolas" panose="020B0609020204030204" pitchFamily="49" charset="0"/>
-              </a:rPr>
-              <a:t> </a:t>
-            </a:r>
-            <a:br>
-              <a:rPr lang="en-GB" sz="1600" dirty="0" smtClean="0">
-                <a:solidFill>
-                  <a:srgbClr val="000000"/>
-                </a:solidFill>
-                <a:highlight>
-                  <a:srgbClr val="F2F2F2"/>
-                </a:highlight>
-                <a:latin typeface="Consolas" panose="020B0609020204030204" pitchFamily="49" charset="0"/>
-              </a:rPr>
-            </a:br>
-            <a:r>
-              <a:rPr lang="en-GB" sz="1600" dirty="0" smtClean="0">
-                <a:solidFill>
-                  <a:srgbClr val="000000"/>
-                </a:solidFill>
-                <a:highlight>
-                  <a:srgbClr val="F2F2F2"/>
-                </a:highlight>
-                <a:latin typeface="Consolas" panose="020B0609020204030204" pitchFamily="49" charset="0"/>
-              </a:rPr>
-              <a:t>   </a:t>
-            </a:r>
-            <a:r>
-              <a:rPr lang="en-GB" sz="1600" dirty="0" err="1" smtClean="0">
-                <a:solidFill>
-                  <a:srgbClr val="000000"/>
-                </a:solidFill>
-                <a:highlight>
-                  <a:srgbClr val="F2F2F2"/>
-                </a:highlight>
-                <a:latin typeface="Consolas" panose="020B0609020204030204" pitchFamily="49" charset="0"/>
-              </a:rPr>
-              <a:t>Windows.Storage.</a:t>
-            </a:r>
-            <a:r>
-              <a:rPr lang="en-GB" sz="1600" dirty="0" err="1" smtClean="0">
-                <a:solidFill>
-                  <a:srgbClr val="2B91AF"/>
-                </a:solidFill>
-                <a:highlight>
-                  <a:srgbClr val="F2F2F2"/>
-                </a:highlight>
-                <a:latin typeface="Consolas" panose="020B0609020204030204" pitchFamily="49" charset="0"/>
-              </a:rPr>
-              <a:t>KnownFolders</a:t>
-            </a:r>
-            <a:r>
-              <a:rPr lang="en-GB" sz="1600" dirty="0" err="1" smtClean="0">
-                <a:solidFill>
-                  <a:srgbClr val="000000"/>
-                </a:solidFill>
-                <a:highlight>
-                  <a:srgbClr val="F2F2F2"/>
-                </a:highlight>
-                <a:latin typeface="Consolas" panose="020B0609020204030204" pitchFamily="49" charset="0"/>
-              </a:rPr>
-              <a:t>.PicturesLibrary.GetFilesAsync</a:t>
-            </a:r>
-            <a:r>
-              <a:rPr lang="en-GB" sz="1600" dirty="0">
-                <a:solidFill>
-                  <a:srgbClr val="000000"/>
-                </a:solidFill>
-                <a:highlight>
-                  <a:srgbClr val="F2F2F2"/>
-                </a:highlight>
-                <a:latin typeface="Consolas" panose="020B0609020204030204" pitchFamily="49" charset="0"/>
-              </a:rPr>
-              <a:t>();</a:t>
-            </a:r>
-          </a:p>
-          <a:p>
-            <a:endParaRPr lang="en-US" sz="2353" dirty="0"/>
-          </a:p>
-        </p:txBody>
-      </p:sp>
-    </p:spTree>
-    <p:extLst>
-      <p:ext uri="{BB962C8B-B14F-4D97-AF65-F5344CB8AC3E}">
-        <p14:creationId xmlns:p14="http://schemas.microsoft.com/office/powerpoint/2010/main" val="2715315397"/>
-      </p:ext>
-    </p:extLst>
-  </p:cSld>
-  <p:clrMapOvr>
-    <a:masterClrMapping/>
-  </p:clrMapOvr>
-  <mc:AlternateContent xmlns:mc="http://schemas.openxmlformats.org/markup-compatibility/2006">
-    <mc:Choice xmlns:p14="http://schemas.microsoft.com/office/powerpoint/2010/main" Requires="p14">
-      <p:transition p14:dur="0"/>
-    </mc:Choice>
-    <mc:Fallback>
-      <p:transition/>
-    </mc:Fallback>
-  </mc:AlternateContent>
-  <p:timing>
-    <p:tnLst>
-      <p:par>
-        <p:cTn id="1" dur="indefinite" restart="never" nodeType="tmRoot"/>
-      </p:par>
-    </p:tnLst>
-  </p:timing>
-</p:sld>
-</file>
-
-<file path=ppt/slides/slide18.xml><?xml version="1.0" encoding="utf-8"?>
 <p:sld xmlns:a="http://schemas.openxmlformats.org/drawingml/2006/main" xmlns:r="http://schemas.openxmlformats.org/officeDocument/2006/relationships" xmlns:p="http://schemas.openxmlformats.org/presentationml/2006/main">
   <p:cSld>
     <p:spTree>
@@ -23779,11 +23290,11 @@
   <p:clrMapOvr>
     <a:masterClrMapping/>
   </p:clrMapOvr>
-  <mc:AlternateContent xmlns:mc="http://schemas.openxmlformats.org/markup-compatibility/2006">
-    <mc:Choice xmlns:p14="http://schemas.microsoft.com/office/powerpoint/2010/main" Requires="p14">
+  <mc:AlternateContent xmlns:mc="http://schemas.openxmlformats.org/markup-compatibility/2006" xmlns:p14="http://schemas.microsoft.com/office/powerpoint/2010/main">
+    <mc:Choice Requires="p14">
       <p:transition p14:dur="0"/>
     </mc:Choice>
-    <mc:Fallback>
+    <mc:Fallback xmlns="">
       <p:transition/>
     </mc:Fallback>
   </mc:AlternateContent>
@@ -23797,7 +23308,7 @@
 </p:sld>
 </file>
 
-<file path=ppt/slides/slide19.xml><?xml version="1.0" encoding="utf-8"?>
+<file path=ppt/slides/slide18.xml><?xml version="1.0" encoding="utf-8"?>
 <p:sld xmlns:a="http://schemas.openxmlformats.org/drawingml/2006/main" xmlns:r="http://schemas.openxmlformats.org/officeDocument/2006/relationships" xmlns:p="http://schemas.openxmlformats.org/presentationml/2006/main">
   <p:cSld>
     <p:spTree>
@@ -24107,11 +23618,11 @@
   <p:clrMapOvr>
     <a:masterClrMapping/>
   </p:clrMapOvr>
-  <mc:AlternateContent xmlns:mc="http://schemas.openxmlformats.org/markup-compatibility/2006">
-    <mc:Choice xmlns:p14="http://schemas.microsoft.com/office/powerpoint/2010/main" Requires="p14">
+  <mc:AlternateContent xmlns:mc="http://schemas.openxmlformats.org/markup-compatibility/2006" xmlns:p14="http://schemas.microsoft.com/office/powerpoint/2010/main">
+    <mc:Choice Requires="p14">
       <p:transition p14:dur="0"/>
     </mc:Choice>
-    <mc:Fallback>
+    <mc:Fallback xmlns="">
       <p:transition/>
     </mc:Fallback>
   </mc:AlternateContent>
@@ -24125,167 +23636,7 @@
 </p:sld>
 </file>
 
-<file path=ppt/slides/slide2.xml><?xml version="1.0" encoding="utf-8"?>
-<p:sld xmlns:a="http://schemas.openxmlformats.org/drawingml/2006/main" xmlns:r="http://schemas.openxmlformats.org/officeDocument/2006/relationships" xmlns:p="http://schemas.openxmlformats.org/presentationml/2006/main">
-  <p:cSld>
-    <p:spTree>
-      <p:nvGrpSpPr>
-        <p:cNvPr id="1" name=""/>
-        <p:cNvGrpSpPr/>
-        <p:nvPr/>
-      </p:nvGrpSpPr>
-      <p:grpSpPr>
-        <a:xfrm>
-          <a:off x="0" y="0"/>
-          <a:ext cx="0" cy="0"/>
-          <a:chOff x="0" y="0"/>
-          <a:chExt cx="0" cy="0"/>
-        </a:xfrm>
-      </p:grpSpPr>
-      <p:sp>
-        <p:nvSpPr>
-          <p:cNvPr id="2" name="Text Placeholder 1"/>
-          <p:cNvSpPr>
-            <a:spLocks noGrp="1"/>
-          </p:cNvSpPr>
-          <p:nvPr>
-            <p:ph type="body" sz="quarter" idx="4294967295"/>
-          </p:nvPr>
-        </p:nvSpPr>
-        <p:spPr>
-          <a:xfrm>
-            <a:off x="506414" y="1204913"/>
-            <a:ext cx="3924910" cy="5289672"/>
-          </a:xfrm>
-        </p:spPr>
-        <p:txBody>
-          <a:bodyPr/>
-          <a:lstStyle/>
-          <a:p>
-            <a:r>
-              <a:rPr lang="ru-RU" sz="3200" dirty="0" smtClean="0">
-                <a:latin typeface="+mn-lt"/>
-              </a:rPr>
-              <a:t>Файлы</a:t>
-            </a:r>
-            <a:endParaRPr lang="en-GB" sz="3200" dirty="0" smtClean="0">
-              <a:latin typeface="+mn-lt"/>
-            </a:endParaRPr>
-          </a:p>
-          <a:p>
-            <a:pPr lvl="1"/>
-            <a:r>
-              <a:rPr lang="ru-RU" sz="1867" dirty="0" smtClean="0"/>
-              <a:t>Запись и чтение файлов</a:t>
-            </a:r>
-            <a:endParaRPr lang="en-GB" sz="1867" dirty="0" smtClean="0"/>
-          </a:p>
-          <a:p>
-            <a:pPr lvl="1"/>
-            <a:r>
-              <a:rPr lang="ru-RU" sz="1867" dirty="0" smtClean="0"/>
-              <a:t>Папки</a:t>
-            </a:r>
-            <a:endParaRPr lang="en-GB" sz="1867" dirty="0" smtClean="0"/>
-          </a:p>
-          <a:p>
-            <a:r>
-              <a:rPr lang="ru-RU" sz="3200" dirty="0" smtClean="0">
-                <a:latin typeface="+mn-lt"/>
-              </a:rPr>
-              <a:t>Файловые диалоги</a:t>
-            </a:r>
-            <a:endParaRPr lang="en-GB" sz="3200" dirty="0" smtClean="0">
-              <a:latin typeface="+mn-lt"/>
-            </a:endParaRPr>
-          </a:p>
-          <a:p>
-            <a:pPr lvl="1"/>
-            <a:r>
-              <a:rPr lang="ru-RU" sz="1867" dirty="0" smtClean="0"/>
-              <a:t>Стандартные папки</a:t>
-            </a:r>
-            <a:endParaRPr lang="en-GB" sz="1867" dirty="0" smtClean="0"/>
-          </a:p>
-          <a:p>
-            <a:pPr lvl="1"/>
-            <a:endParaRPr lang="ru-RU" sz="1867" dirty="0" smtClean="0"/>
-          </a:p>
-        </p:txBody>
-      </p:sp>
-      <p:sp>
-        <p:nvSpPr>
-          <p:cNvPr id="3" name="TextBox 2"/>
-          <p:cNvSpPr txBox="1"/>
-          <p:nvPr/>
-        </p:nvSpPr>
-        <p:spPr>
-          <a:xfrm>
-            <a:off x="342900" y="370114"/>
-            <a:ext cx="11125200" cy="830997"/>
-          </a:xfrm>
-          <a:prstGeom prst="rect">
-            <a:avLst/>
-          </a:prstGeom>
-          <a:noFill/>
-        </p:spPr>
-        <p:txBody>
-          <a:bodyPr wrap="square" lIns="137160" tIns="109728" rIns="137160" bIns="109728" rtlCol="0">
-            <a:spAutoFit/>
-          </a:bodyPr>
-          <a:lstStyle/>
-          <a:p>
-            <a:pPr>
-              <a:lnSpc>
-                <a:spcPct val="90000"/>
-              </a:lnSpc>
-              <a:spcBef>
-                <a:spcPts val="600"/>
-              </a:spcBef>
-            </a:pPr>
-            <a:r>
-              <a:rPr lang="ru-RU" sz="4400" dirty="0" smtClean="0">
-                <a:solidFill>
-                  <a:schemeClr val="tx2">
-                    <a:lumMod val="75000"/>
-                    <a:lumOff val="25000"/>
-                  </a:schemeClr>
-                </a:solidFill>
-              </a:rPr>
-              <a:t>Содержание</a:t>
-            </a:r>
-          </a:p>
-        </p:txBody>
-      </p:sp>
-    </p:spTree>
-    <p:extLst>
-      <p:ext uri="{BB962C8B-B14F-4D97-AF65-F5344CB8AC3E}">
-        <p14:creationId xmlns:p14="http://schemas.microsoft.com/office/powerpoint/2010/main" val="3172623455"/>
-      </p:ext>
-    </p:extLst>
-  </p:cSld>
-  <p:clrMapOvr>
-    <a:masterClrMapping/>
-  </p:clrMapOvr>
-  <mc:AlternateContent xmlns:mc="http://schemas.openxmlformats.org/markup-compatibility/2006">
-    <mc:Choice xmlns:p14="http://schemas.microsoft.com/office/powerpoint/2010/main" Requires="p14">
-      <p:transition p14:dur="0"/>
-    </mc:Choice>
-    <mc:Fallback>
-      <p:transition/>
-    </mc:Fallback>
-  </mc:AlternateContent>
-  <p:timing>
-    <p:tnLst>
-      <p:par>
-        <p:cTn id="1" dur="indefinite" restart="never" nodeType="tmRoot"/>
-      </p:par>
-    </p:tnLst>
-  </p:timing>
-</p:sld>
-</file>
-
-<file path=ppt/slides/slide20.xml><?xml version="1.0" encoding="utf-8"?>
+<file path=ppt/slides/slide19.xml><?xml version="1.0" encoding="utf-8"?>
 <p:sld xmlns:a="http://schemas.openxmlformats.org/drawingml/2006/main" xmlns:r="http://schemas.openxmlformats.org/officeDocument/2006/relationships" xmlns:p="http://schemas.openxmlformats.org/presentationml/2006/main">
   <p:cSld>
     <p:spTree>
@@ -24755,11 +24106,11 @@
   <p:clrMapOvr>
     <a:masterClrMapping/>
   </p:clrMapOvr>
-  <mc:AlternateContent xmlns:mc="http://schemas.openxmlformats.org/markup-compatibility/2006">
-    <mc:Choice xmlns:p14="http://schemas.microsoft.com/office/powerpoint/2010/main" Requires="p14">
+  <mc:AlternateContent xmlns:mc="http://schemas.openxmlformats.org/markup-compatibility/2006" xmlns:p14="http://schemas.microsoft.com/office/powerpoint/2010/main">
+    <mc:Choice Requires="p14">
       <p:transition p14:dur="0"/>
     </mc:Choice>
-    <mc:Fallback>
+    <mc:Fallback xmlns="">
       <p:transition/>
     </mc:Fallback>
   </mc:AlternateContent>
@@ -24773,7 +24124,167 @@
 </p:sld>
 </file>
 
-<file path=ppt/slides/slide21.xml><?xml version="1.0" encoding="utf-8"?>
+<file path=ppt/slides/slide2.xml><?xml version="1.0" encoding="utf-8"?>
+<p:sld xmlns:a="http://schemas.openxmlformats.org/drawingml/2006/main" xmlns:r="http://schemas.openxmlformats.org/officeDocument/2006/relationships" xmlns:p="http://schemas.openxmlformats.org/presentationml/2006/main">
+  <p:cSld>
+    <p:spTree>
+      <p:nvGrpSpPr>
+        <p:cNvPr id="1" name=""/>
+        <p:cNvGrpSpPr/>
+        <p:nvPr/>
+      </p:nvGrpSpPr>
+      <p:grpSpPr>
+        <a:xfrm>
+          <a:off x="0" y="0"/>
+          <a:ext cx="0" cy="0"/>
+          <a:chOff x="0" y="0"/>
+          <a:chExt cx="0" cy="0"/>
+        </a:xfrm>
+      </p:grpSpPr>
+      <p:sp>
+        <p:nvSpPr>
+          <p:cNvPr id="2" name="Text Placeholder 1"/>
+          <p:cNvSpPr>
+            <a:spLocks noGrp="1"/>
+          </p:cNvSpPr>
+          <p:nvPr>
+            <p:ph type="body" sz="quarter" idx="4294967295"/>
+          </p:nvPr>
+        </p:nvSpPr>
+        <p:spPr>
+          <a:xfrm>
+            <a:off x="506414" y="1204913"/>
+            <a:ext cx="3924910" cy="5289672"/>
+          </a:xfrm>
+        </p:spPr>
+        <p:txBody>
+          <a:bodyPr/>
+          <a:lstStyle/>
+          <a:p>
+            <a:r>
+              <a:rPr lang="ru-RU" sz="3200" dirty="0" smtClean="0">
+                <a:latin typeface="+mn-lt"/>
+              </a:rPr>
+              <a:t>Файлы</a:t>
+            </a:r>
+            <a:endParaRPr lang="en-GB" sz="3200" dirty="0" smtClean="0">
+              <a:latin typeface="+mn-lt"/>
+            </a:endParaRPr>
+          </a:p>
+          <a:p>
+            <a:pPr lvl="1"/>
+            <a:r>
+              <a:rPr lang="ru-RU" sz="1867" dirty="0" smtClean="0"/>
+              <a:t>Запись и чтение файлов</a:t>
+            </a:r>
+            <a:endParaRPr lang="en-GB" sz="1867" dirty="0" smtClean="0"/>
+          </a:p>
+          <a:p>
+            <a:pPr lvl="1"/>
+            <a:r>
+              <a:rPr lang="ru-RU" sz="1867" dirty="0" smtClean="0"/>
+              <a:t>Папки</a:t>
+            </a:r>
+            <a:endParaRPr lang="en-GB" sz="1867" dirty="0" smtClean="0"/>
+          </a:p>
+          <a:p>
+            <a:r>
+              <a:rPr lang="ru-RU" sz="3200" dirty="0" smtClean="0">
+                <a:latin typeface="+mn-lt"/>
+              </a:rPr>
+              <a:t>Файловые диалоги</a:t>
+            </a:r>
+            <a:endParaRPr lang="en-GB" sz="3200" dirty="0" smtClean="0">
+              <a:latin typeface="+mn-lt"/>
+            </a:endParaRPr>
+          </a:p>
+          <a:p>
+            <a:pPr lvl="1"/>
+            <a:r>
+              <a:rPr lang="ru-RU" sz="1867" dirty="0" smtClean="0"/>
+              <a:t>Стандартные папки</a:t>
+            </a:r>
+            <a:endParaRPr lang="en-GB" sz="1867" dirty="0" smtClean="0"/>
+          </a:p>
+          <a:p>
+            <a:pPr lvl="1"/>
+            <a:endParaRPr lang="ru-RU" sz="1867" dirty="0" smtClean="0"/>
+          </a:p>
+        </p:txBody>
+      </p:sp>
+      <p:sp>
+        <p:nvSpPr>
+          <p:cNvPr id="3" name="TextBox 2"/>
+          <p:cNvSpPr txBox="1"/>
+          <p:nvPr/>
+        </p:nvSpPr>
+        <p:spPr>
+          <a:xfrm>
+            <a:off x="342900" y="370114"/>
+            <a:ext cx="11125200" cy="830997"/>
+          </a:xfrm>
+          <a:prstGeom prst="rect">
+            <a:avLst/>
+          </a:prstGeom>
+          <a:noFill/>
+        </p:spPr>
+        <p:txBody>
+          <a:bodyPr wrap="square" lIns="137160" tIns="109728" rIns="137160" bIns="109728" rtlCol="0">
+            <a:spAutoFit/>
+          </a:bodyPr>
+          <a:lstStyle/>
+          <a:p>
+            <a:pPr>
+              <a:lnSpc>
+                <a:spcPct val="90000"/>
+              </a:lnSpc>
+              <a:spcBef>
+                <a:spcPts val="600"/>
+              </a:spcBef>
+            </a:pPr>
+            <a:r>
+              <a:rPr lang="ru-RU" sz="4400" dirty="0" smtClean="0">
+                <a:solidFill>
+                  <a:schemeClr val="tx2">
+                    <a:lumMod val="75000"/>
+                    <a:lumOff val="25000"/>
+                  </a:schemeClr>
+                </a:solidFill>
+              </a:rPr>
+              <a:t>Содержание</a:t>
+            </a:r>
+          </a:p>
+        </p:txBody>
+      </p:sp>
+    </p:spTree>
+    <p:extLst>
+      <p:ext uri="{BB962C8B-B14F-4D97-AF65-F5344CB8AC3E}">
+        <p14:creationId xmlns:p14="http://schemas.microsoft.com/office/powerpoint/2010/main" val="3172623455"/>
+      </p:ext>
+    </p:extLst>
+  </p:cSld>
+  <p:clrMapOvr>
+    <a:masterClrMapping/>
+  </p:clrMapOvr>
+  <mc:AlternateContent xmlns:mc="http://schemas.openxmlformats.org/markup-compatibility/2006" xmlns:p14="http://schemas.microsoft.com/office/powerpoint/2010/main">
+    <mc:Choice Requires="p14">
+      <p:transition p14:dur="0"/>
+    </mc:Choice>
+    <mc:Fallback xmlns="">
+      <p:transition/>
+    </mc:Fallback>
+  </mc:AlternateContent>
+  <p:timing>
+    <p:tnLst>
+      <p:par>
+        <p:cTn id="1" dur="indefinite" restart="never" nodeType="tmRoot"/>
+      </p:par>
+    </p:tnLst>
+  </p:timing>
+</p:sld>
+</file>
+
+<file path=ppt/slides/slide20.xml><?xml version="1.0" encoding="utf-8"?>
 <p:sld xmlns:a="http://schemas.openxmlformats.org/drawingml/2006/main" xmlns:r="http://schemas.openxmlformats.org/officeDocument/2006/relationships" xmlns:p="http://schemas.openxmlformats.org/presentationml/2006/main">
   <p:cSld>
     <p:spTree>
@@ -24922,11 +24433,11 @@
   <p:clrMapOvr>
     <a:masterClrMapping/>
   </p:clrMapOvr>
-  <mc:AlternateContent xmlns:mc="http://schemas.openxmlformats.org/markup-compatibility/2006">
-    <mc:Choice xmlns:p14="http://schemas.microsoft.com/office/powerpoint/2010/main" Requires="p14">
+  <mc:AlternateContent xmlns:mc="http://schemas.openxmlformats.org/markup-compatibility/2006" xmlns:p14="http://schemas.microsoft.com/office/powerpoint/2010/main">
+    <mc:Choice Requires="p14">
       <p:transition p14:dur="0"/>
     </mc:Choice>
-    <mc:Fallback>
+    <mc:Fallback xmlns="">
       <p:transition/>
     </mc:Fallback>
   </mc:AlternateContent>
@@ -24940,7 +24451,7 @@
 </p:sld>
 </file>
 
-<file path=ppt/slides/slide22.xml><?xml version="1.0" encoding="utf-8"?>
+<file path=ppt/slides/slide21.xml><?xml version="1.0" encoding="utf-8"?>
 <p:sld xmlns:a="http://schemas.openxmlformats.org/drawingml/2006/main" xmlns:r="http://schemas.openxmlformats.org/officeDocument/2006/relationships" xmlns:p="http://schemas.openxmlformats.org/presentationml/2006/main">
   <p:cSld>
     <p:spTree>
@@ -26074,11 +25585,11 @@
   <p:clrMapOvr>
     <a:masterClrMapping/>
   </p:clrMapOvr>
-  <mc:AlternateContent xmlns:mc="http://schemas.openxmlformats.org/markup-compatibility/2006">
-    <mc:Choice xmlns:p14="http://schemas.microsoft.com/office/powerpoint/2010/main" Requires="p14">
+  <mc:AlternateContent xmlns:mc="http://schemas.openxmlformats.org/markup-compatibility/2006" xmlns:p14="http://schemas.microsoft.com/office/powerpoint/2010/main">
+    <mc:Choice Requires="p14">
       <p:transition p14:dur="0"/>
     </mc:Choice>
-    <mc:Fallback>
+    <mc:Fallback xmlns="">
       <p:transition/>
     </mc:Fallback>
   </mc:AlternateContent>
@@ -26163,7 +25674,7 @@
 </p:sld>
 </file>
 
-<file path=ppt/slides/slide23.xml><?xml version="1.0" encoding="utf-8"?>
+<file path=ppt/slides/slide22.xml><?xml version="1.0" encoding="utf-8"?>
 <p:sld xmlns:a="http://schemas.openxmlformats.org/drawingml/2006/main" xmlns:r="http://schemas.openxmlformats.org/officeDocument/2006/relationships" xmlns:p="http://schemas.openxmlformats.org/presentationml/2006/main">
   <p:cSld>
     <p:spTree>
@@ -27354,11 +26865,11 @@
   <p:clrMapOvr>
     <a:masterClrMapping/>
   </p:clrMapOvr>
-  <mc:AlternateContent xmlns:mc="http://schemas.openxmlformats.org/markup-compatibility/2006">
-    <mc:Choice xmlns:p14="http://schemas.microsoft.com/office/powerpoint/2010/main" Requires="p14">
+  <mc:AlternateContent xmlns:mc="http://schemas.openxmlformats.org/markup-compatibility/2006" xmlns:p14="http://schemas.microsoft.com/office/powerpoint/2010/main">
+    <mc:Choice Requires="p14">
       <p:transition p14:dur="0"/>
     </mc:Choice>
-    <mc:Fallback>
+    <mc:Fallback xmlns="">
       <p:transition/>
     </mc:Fallback>
   </mc:AlternateContent>
@@ -27443,7 +26954,7 @@
 </p:sld>
 </file>
 
-<file path=ppt/slides/slide24.xml><?xml version="1.0" encoding="utf-8"?>
+<file path=ppt/slides/slide23.xml><?xml version="1.0" encoding="utf-8"?>
 <p:sld xmlns:a="http://schemas.openxmlformats.org/drawingml/2006/main" xmlns:r="http://schemas.openxmlformats.org/officeDocument/2006/relationships" xmlns:p="http://schemas.openxmlformats.org/presentationml/2006/main">
   <p:cSld>
     <p:spTree>
@@ -27545,7 +27056,7 @@
             <a:fld id="{2775DF8E-1151-4C45-8C93-3AB060627CA9}" type="slidenum">
               <a:rPr lang="en-US" smtClean="0"/>
               <a:pPr/>
-              <a:t>24</a:t>
+              <a:t>23</a:t>
             </a:fld>
             <a:endParaRPr lang="en-US"/>
           </a:p>
@@ -27561,11 +27072,11 @@
   <p:clrMapOvr>
     <a:masterClrMapping/>
   </p:clrMapOvr>
-  <mc:AlternateContent xmlns:mc="http://schemas.openxmlformats.org/markup-compatibility/2006">
-    <mc:Choice xmlns:p14="http://schemas.microsoft.com/office/powerpoint/2010/main" Requires="p14">
+  <mc:AlternateContent xmlns:mc="http://schemas.openxmlformats.org/markup-compatibility/2006" xmlns:p14="http://schemas.microsoft.com/office/powerpoint/2010/main">
+    <mc:Choice Requires="p14">
       <p:transition p14:dur="0"/>
     </mc:Choice>
-    <mc:Fallback>
+    <mc:Fallback xmlns="">
       <p:transition/>
     </mc:Fallback>
   </mc:AlternateContent>
@@ -27579,7 +27090,7 @@
 </p:sld>
 </file>
 
-<file path=ppt/slides/slide25.xml><?xml version="1.0" encoding="utf-8"?>
+<file path=ppt/slides/slide24.xml><?xml version="1.0" encoding="utf-8"?>
 <p:sld xmlns:a="http://schemas.openxmlformats.org/drawingml/2006/main" xmlns:r="http://schemas.openxmlformats.org/officeDocument/2006/relationships" xmlns:p="http://schemas.openxmlformats.org/presentationml/2006/main">
   <p:cSld>
     <p:spTree>
@@ -27775,11 +27286,11 @@
   <p:clrMapOvr>
     <a:masterClrMapping/>
   </p:clrMapOvr>
-  <mc:AlternateContent xmlns:mc="http://schemas.openxmlformats.org/markup-compatibility/2006">
-    <mc:Choice xmlns:p14="http://schemas.microsoft.com/office/powerpoint/2010/main" Requires="p14">
+  <mc:AlternateContent xmlns:mc="http://schemas.openxmlformats.org/markup-compatibility/2006" xmlns:p14="http://schemas.microsoft.com/office/powerpoint/2010/main">
+    <mc:Choice Requires="p14">
       <p:transition p14:dur="0"/>
     </mc:Choice>
-    <mc:Fallback>
+    <mc:Fallback xmlns="">
       <p:transition/>
     </mc:Fallback>
   </mc:AlternateContent>
@@ -27793,7 +27304,7 @@
 </p:sld>
 </file>
 
-<file path=ppt/slides/slide26.xml><?xml version="1.0" encoding="utf-8"?>
+<file path=ppt/slides/slide25.xml><?xml version="1.0" encoding="utf-8"?>
 <p:sld xmlns:a="http://schemas.openxmlformats.org/drawingml/2006/main" xmlns:r="http://schemas.openxmlformats.org/officeDocument/2006/relationships" xmlns:p="http://schemas.openxmlformats.org/presentationml/2006/main">
   <p:cSld>
     <p:spTree>
@@ -27820,11 +27331,11 @@
   <p:clrMapOvr>
     <a:masterClrMapping/>
   </p:clrMapOvr>
-  <mc:AlternateContent xmlns:mc="http://schemas.openxmlformats.org/markup-compatibility/2006">
-    <mc:Choice xmlns:p14="http://schemas.microsoft.com/office/powerpoint/2010/main" Requires="p14">
+  <mc:AlternateContent xmlns:mc="http://schemas.openxmlformats.org/markup-compatibility/2006" xmlns:p14="http://schemas.microsoft.com/office/powerpoint/2010/main">
+    <mc:Choice Requires="p14">
       <p:transition p14:dur="0"/>
     </mc:Choice>
-    <mc:Fallback>
+    <mc:Fallback xmlns="">
       <p:transition/>
     </mc:Fallback>
   </mc:AlternateContent>
@@ -27897,11 +27408,11 @@
   <p:clrMapOvr>
     <a:masterClrMapping/>
   </p:clrMapOvr>
-  <mc:AlternateContent xmlns:mc="http://schemas.openxmlformats.org/markup-compatibility/2006">
-    <mc:Choice xmlns:p14="http://schemas.microsoft.com/office/powerpoint/2010/main" Requires="p14">
+  <mc:AlternateContent xmlns:mc="http://schemas.openxmlformats.org/markup-compatibility/2006" xmlns:p14="http://schemas.microsoft.com/office/powerpoint/2010/main">
+    <mc:Choice Requires="p14">
       <p:transition p14:dur="0"/>
     </mc:Choice>
-    <mc:Fallback>
+    <mc:Fallback xmlns="">
       <p:transition/>
     </mc:Fallback>
   </mc:AlternateContent>
@@ -30489,11 +30000,11 @@
   <p:clrMapOvr>
     <a:masterClrMapping/>
   </p:clrMapOvr>
-  <mc:AlternateContent xmlns:mc="http://schemas.openxmlformats.org/markup-compatibility/2006">
-    <mc:Choice xmlns:p14="http://schemas.microsoft.com/office/powerpoint/2010/main" Requires="p14">
+  <mc:AlternateContent xmlns:mc="http://schemas.openxmlformats.org/markup-compatibility/2006" xmlns:p14="http://schemas.microsoft.com/office/powerpoint/2010/main">
+    <mc:Choice Requires="p14">
       <p:transition p14:dur="0"/>
     </mc:Choice>
-    <mc:Fallback>
+    <mc:Fallback xmlns="">
       <p:transition/>
     </mc:Fallback>
   </mc:AlternateContent>
@@ -31013,15 +30524,7 @@
                     <a:schemeClr val="bg1"/>
                   </a:solidFill>
                 </a:rPr>
-                <a:t>айлами </a:t>
-              </a:r>
-              <a:r>
-                <a:rPr lang="ru-RU" sz="1100" b="1" dirty="0" smtClean="0">
-                  <a:solidFill>
-                    <a:schemeClr val="bg1"/>
-                  </a:solidFill>
-                </a:rPr>
-                <a:t>и настройками</a:t>
+                <a:t>айлами и настройками</a:t>
               </a:r>
               <a:endParaRPr lang="en-US" sz="1100" b="1" dirty="0">
                 <a:solidFill>
@@ -31148,23 +30651,7 @@
                     <a:schemeClr val="bg1"/>
                   </a:solidFill>
                 </a:rPr>
-                <a:t>Создает корневую </a:t>
-              </a:r>
-              <a:r>
-                <a:rPr lang="ru-RU" sz="1100" b="1" dirty="0" smtClean="0">
-                  <a:solidFill>
-                    <a:schemeClr val="bg1"/>
-                  </a:solidFill>
-                </a:rPr>
-                <a:t>папку </a:t>
-              </a:r>
-              <a:r>
-                <a:rPr lang="ru-RU" sz="1100" b="1" dirty="0" smtClean="0">
-                  <a:solidFill>
-                    <a:schemeClr val="bg1"/>
-                  </a:solidFill>
-                </a:rPr>
-                <a:t>для приложения </a:t>
+                <a:t>Создает корневую папку для приложения </a:t>
               </a:r>
               <a:endParaRPr lang="en-US" sz="1100" b="1" dirty="0">
                 <a:solidFill>
@@ -32771,11 +32258,11 @@
   <p:clrMapOvr>
     <a:masterClrMapping/>
   </p:clrMapOvr>
-  <mc:AlternateContent xmlns:mc="http://schemas.openxmlformats.org/markup-compatibility/2006">
-    <mc:Choice xmlns:p14="http://schemas.microsoft.com/office/powerpoint/2010/main" Requires="p14">
+  <mc:AlternateContent xmlns:mc="http://schemas.openxmlformats.org/markup-compatibility/2006" xmlns:p14="http://schemas.microsoft.com/office/powerpoint/2010/main">
+    <mc:Choice Requires="p14">
       <p:transition p14:dur="0"/>
     </mc:Choice>
-    <mc:Fallback>
+    <mc:Fallback xmlns="">
       <p:transition/>
     </mc:Fallback>
   </mc:AlternateContent>
@@ -32790,6 +32277,1234 @@
 </file>
 
 <file path=ppt/slides/slide6.xml><?xml version="1.0" encoding="utf-8"?>
+<p:sld xmlns:a="http://schemas.openxmlformats.org/drawingml/2006/main" xmlns:r="http://schemas.openxmlformats.org/officeDocument/2006/relationships" xmlns:p="http://schemas.openxmlformats.org/presentationml/2006/main">
+  <p:cSld>
+    <p:spTree>
+      <p:nvGrpSpPr>
+        <p:cNvPr id="1" name=""/>
+        <p:cNvGrpSpPr/>
+        <p:nvPr/>
+      </p:nvGrpSpPr>
+      <p:grpSpPr>
+        <a:xfrm>
+          <a:off x="0" y="0"/>
+          <a:ext cx="0" cy="0"/>
+          <a:chOff x="0" y="0"/>
+          <a:chExt cx="0" cy="0"/>
+        </a:xfrm>
+      </p:grpSpPr>
+      <p:sp>
+        <p:nvSpPr>
+          <p:cNvPr id="2" name="Title 1"/>
+          <p:cNvSpPr>
+            <a:spLocks noGrp="1"/>
+          </p:cNvSpPr>
+          <p:nvPr>
+            <p:ph type="title" idx="4294967295"/>
+          </p:nvPr>
+        </p:nvSpPr>
+        <p:spPr>
+          <a:xfrm>
+            <a:off x="270512" y="232715"/>
+            <a:ext cx="11652250" cy="982662"/>
+          </a:xfrm>
+        </p:spPr>
+        <p:txBody>
+          <a:bodyPr/>
+          <a:lstStyle/>
+          <a:p>
+            <a:r>
+              <a:rPr lang="ru-RU" dirty="0" smtClean="0"/>
+              <a:t>Прямой доступ к </a:t>
+            </a:r>
+            <a:r>
+              <a:rPr lang="en-US" dirty="0" smtClean="0"/>
+              <a:t>R/W </a:t>
+            </a:r>
+            <a:r>
+              <a:rPr lang="ru-RU" dirty="0" smtClean="0"/>
+              <a:t>хранилищу данных</a:t>
+            </a:r>
+            <a:endParaRPr lang="en-US" dirty="0"/>
+          </a:p>
+        </p:txBody>
+      </p:sp>
+      <p:grpSp>
+        <p:nvGrpSpPr>
+          <p:cNvPr id="18" name="Group 17"/>
+          <p:cNvGrpSpPr/>
+          <p:nvPr/>
+        </p:nvGrpSpPr>
+        <p:grpSpPr>
+          <a:xfrm>
+            <a:off x="539872" y="1423446"/>
+            <a:ext cx="6760580" cy="3284772"/>
+            <a:chOff x="498494" y="1423446"/>
+            <a:chExt cx="12088913" cy="4104514"/>
+          </a:xfrm>
+        </p:grpSpPr>
+        <p:grpSp>
+          <p:nvGrpSpPr>
+            <p:cNvPr id="3" name="Group 2"/>
+            <p:cNvGrpSpPr/>
+            <p:nvPr/>
+          </p:nvGrpSpPr>
+          <p:grpSpPr>
+            <a:xfrm>
+              <a:off x="498494" y="2216555"/>
+              <a:ext cx="2735838" cy="1824540"/>
+              <a:chOff x="671300" y="2364509"/>
+              <a:chExt cx="3772899" cy="2915742"/>
+            </a:xfrm>
+          </p:grpSpPr>
+          <p:sp>
+            <p:nvSpPr>
+              <p:cNvPr id="4" name="Rectangle 3"/>
+              <p:cNvSpPr/>
+              <p:nvPr/>
+            </p:nvSpPr>
+            <p:spPr>
+              <a:xfrm>
+                <a:off x="800765" y="2364509"/>
+                <a:ext cx="3144984" cy="1524000"/>
+              </a:xfrm>
+              <a:prstGeom prst="rect">
+                <a:avLst/>
+              </a:prstGeom>
+            </p:spPr>
+            <p:style>
+              <a:lnRef idx="2">
+                <a:schemeClr val="accent1">
+                  <a:shade val="50000"/>
+                </a:schemeClr>
+              </a:lnRef>
+              <a:fillRef idx="1">
+                <a:schemeClr val="accent1"/>
+              </a:fillRef>
+              <a:effectRef idx="0">
+                <a:schemeClr val="accent1"/>
+              </a:effectRef>
+              <a:fontRef idx="minor">
+                <a:schemeClr val="lt1"/>
+              </a:fontRef>
+            </p:style>
+            <p:txBody>
+              <a:bodyPr rtlCol="0" anchor="t"/>
+              <a:lstStyle/>
+              <a:p>
+                <a:pPr algn="ctr"/>
+                <a:r>
+                  <a:rPr lang="en-US" sz="1100" dirty="0"/>
+                  <a:t>Roaming</a:t>
+                </a:r>
+              </a:p>
+            </p:txBody>
+          </p:sp>
+          <p:sp>
+            <p:nvSpPr>
+              <p:cNvPr id="7" name="Rectangle 6"/>
+              <p:cNvSpPr/>
+              <p:nvPr/>
+            </p:nvSpPr>
+            <p:spPr>
+              <a:xfrm>
+                <a:off x="960579" y="2974108"/>
+                <a:ext cx="1430770" cy="571960"/>
+              </a:xfrm>
+              <a:prstGeom prst="rect">
+                <a:avLst/>
+              </a:prstGeom>
+              <a:solidFill>
+                <a:schemeClr val="bg1">
+                  <a:lumMod val="50000"/>
+                </a:schemeClr>
+              </a:solidFill>
+            </p:spPr>
+            <p:style>
+              <a:lnRef idx="2">
+                <a:schemeClr val="accent1">
+                  <a:shade val="50000"/>
+                </a:schemeClr>
+              </a:lnRef>
+              <a:fillRef idx="1">
+                <a:schemeClr val="accent1"/>
+              </a:fillRef>
+              <a:effectRef idx="0">
+                <a:schemeClr val="accent1"/>
+              </a:effectRef>
+              <a:fontRef idx="minor">
+                <a:schemeClr val="lt1"/>
+              </a:fontRef>
+            </p:style>
+            <p:txBody>
+              <a:bodyPr rtlCol="0" anchor="ctr"/>
+              <a:lstStyle/>
+              <a:p>
+                <a:pPr algn="ctr"/>
+                <a:r>
+                  <a:rPr lang="ru-RU" sz="800" dirty="0" smtClean="0"/>
+                  <a:t>Папка</a:t>
+                </a:r>
+                <a:endParaRPr lang="en-US" sz="1100" dirty="0"/>
+              </a:p>
+            </p:txBody>
+          </p:sp>
+          <p:sp>
+            <p:nvSpPr>
+              <p:cNvPr id="8" name="Rectangle 7"/>
+              <p:cNvSpPr/>
+              <p:nvPr/>
+            </p:nvSpPr>
+            <p:spPr>
+              <a:xfrm>
+                <a:off x="2533652" y="2974112"/>
+                <a:ext cx="1269791" cy="571958"/>
+              </a:xfrm>
+              <a:prstGeom prst="rect">
+                <a:avLst/>
+              </a:prstGeom>
+              <a:solidFill>
+                <a:schemeClr val="bg1">
+                  <a:lumMod val="50000"/>
+                </a:schemeClr>
+              </a:solidFill>
+            </p:spPr>
+            <p:style>
+              <a:lnRef idx="2">
+                <a:schemeClr val="accent1">
+                  <a:shade val="50000"/>
+                </a:schemeClr>
+              </a:lnRef>
+              <a:fillRef idx="1">
+                <a:schemeClr val="accent1"/>
+              </a:fillRef>
+              <a:effectRef idx="0">
+                <a:schemeClr val="accent1"/>
+              </a:effectRef>
+              <a:fontRef idx="minor">
+                <a:schemeClr val="lt1"/>
+              </a:fontRef>
+            </p:style>
+            <p:txBody>
+              <a:bodyPr rtlCol="0" anchor="ctr"/>
+              <a:lstStyle/>
+              <a:p>
+                <a:pPr algn="ctr"/>
+                <a:endParaRPr lang="en-US" sz="800" dirty="0"/>
+              </a:p>
+            </p:txBody>
+          </p:sp>
+          <p:sp>
+            <p:nvSpPr>
+              <p:cNvPr id="12" name="TextBox 11"/>
+              <p:cNvSpPr txBox="1"/>
+              <p:nvPr/>
+            </p:nvSpPr>
+            <p:spPr>
+              <a:xfrm>
+                <a:off x="671300" y="4081795"/>
+                <a:ext cx="3772899" cy="1198456"/>
+              </a:xfrm>
+              <a:prstGeom prst="rect">
+                <a:avLst/>
+              </a:prstGeom>
+              <a:noFill/>
+            </p:spPr>
+            <p:txBody>
+              <a:bodyPr wrap="square" rtlCol="0">
+                <a:spAutoFit/>
+              </a:bodyPr>
+              <a:lstStyle/>
+              <a:p>
+                <a:r>
+                  <a:rPr lang="ru-RU" sz="1100" dirty="0" smtClean="0"/>
+                  <a:t>Другие устройства имеют доступ </a:t>
+                </a:r>
+                <a:br>
+                  <a:rPr lang="ru-RU" sz="1100" dirty="0" smtClean="0"/>
+                </a:br>
+                <a:r>
+                  <a:rPr lang="ru-RU" sz="1100" dirty="0" smtClean="0"/>
+                  <a:t>к данным</a:t>
+                </a:r>
+              </a:p>
+            </p:txBody>
+          </p:sp>
+        </p:grpSp>
+        <p:grpSp>
+          <p:nvGrpSpPr>
+            <p:cNvPr id="21" name="Group 20"/>
+            <p:cNvGrpSpPr/>
+            <p:nvPr/>
+          </p:nvGrpSpPr>
+          <p:grpSpPr>
+            <a:xfrm>
+              <a:off x="2991443" y="2210340"/>
+              <a:ext cx="2450711" cy="1859644"/>
+              <a:chOff x="4121235" y="2701635"/>
+              <a:chExt cx="3401604" cy="2971837"/>
+            </a:xfrm>
+          </p:grpSpPr>
+          <p:sp>
+            <p:nvSpPr>
+              <p:cNvPr id="5" name="Rectangle 4"/>
+              <p:cNvSpPr/>
+              <p:nvPr/>
+            </p:nvSpPr>
+            <p:spPr>
+              <a:xfrm>
+                <a:off x="4234875" y="2701635"/>
+                <a:ext cx="3144982" cy="1524000"/>
+              </a:xfrm>
+              <a:prstGeom prst="rect">
+                <a:avLst/>
+              </a:prstGeom>
+            </p:spPr>
+            <p:style>
+              <a:lnRef idx="2">
+                <a:schemeClr val="accent1">
+                  <a:shade val="50000"/>
+                </a:schemeClr>
+              </a:lnRef>
+              <a:fillRef idx="1">
+                <a:schemeClr val="accent1"/>
+              </a:fillRef>
+              <a:effectRef idx="0">
+                <a:schemeClr val="accent1"/>
+              </a:effectRef>
+              <a:fontRef idx="minor">
+                <a:schemeClr val="lt1"/>
+              </a:fontRef>
+            </p:style>
+            <p:txBody>
+              <a:bodyPr rtlCol="0" anchor="t"/>
+              <a:lstStyle/>
+              <a:p>
+                <a:pPr algn="ctr"/>
+                <a:r>
+                  <a:rPr lang="en-US" sz="1100" dirty="0"/>
+                  <a:t>Local</a:t>
+                </a:r>
+              </a:p>
+            </p:txBody>
+          </p:sp>
+          <p:sp>
+            <p:nvSpPr>
+              <p:cNvPr id="9" name="Rectangle 8"/>
+              <p:cNvSpPr/>
+              <p:nvPr/>
+            </p:nvSpPr>
+            <p:spPr>
+              <a:xfrm>
+                <a:off x="4458367" y="3311234"/>
+                <a:ext cx="1169693" cy="581890"/>
+              </a:xfrm>
+              <a:prstGeom prst="rect">
+                <a:avLst/>
+              </a:prstGeom>
+              <a:solidFill>
+                <a:schemeClr val="bg1">
+                  <a:lumMod val="50000"/>
+                </a:schemeClr>
+              </a:solidFill>
+            </p:spPr>
+            <p:style>
+              <a:lnRef idx="2">
+                <a:schemeClr val="accent1">
+                  <a:shade val="50000"/>
+                </a:schemeClr>
+              </a:lnRef>
+              <a:fillRef idx="1">
+                <a:schemeClr val="accent1"/>
+              </a:fillRef>
+              <a:effectRef idx="0">
+                <a:schemeClr val="accent1"/>
+              </a:effectRef>
+              <a:fontRef idx="minor">
+                <a:schemeClr val="lt1"/>
+              </a:fontRef>
+            </p:style>
+            <p:txBody>
+              <a:bodyPr rtlCol="0" anchor="ctr"/>
+              <a:lstStyle/>
+              <a:p>
+                <a:pPr algn="ctr"/>
+                <a:r>
+                  <a:rPr lang="ru-RU" sz="800" dirty="0" smtClean="0"/>
+                  <a:t>Папка</a:t>
+                </a:r>
+                <a:endParaRPr lang="en-US" sz="800" dirty="0"/>
+              </a:p>
+            </p:txBody>
+          </p:sp>
+          <p:sp>
+            <p:nvSpPr>
+              <p:cNvPr id="10" name="Rectangle 9"/>
+              <p:cNvSpPr/>
+              <p:nvPr/>
+            </p:nvSpPr>
+            <p:spPr>
+              <a:xfrm>
+                <a:off x="5969675" y="3311234"/>
+                <a:ext cx="1339673" cy="581890"/>
+              </a:xfrm>
+              <a:prstGeom prst="rect">
+                <a:avLst/>
+              </a:prstGeom>
+              <a:solidFill>
+                <a:schemeClr val="bg1">
+                  <a:lumMod val="50000"/>
+                </a:schemeClr>
+              </a:solidFill>
+            </p:spPr>
+            <p:style>
+              <a:lnRef idx="2">
+                <a:schemeClr val="accent1">
+                  <a:shade val="50000"/>
+                </a:schemeClr>
+              </a:lnRef>
+              <a:fillRef idx="1">
+                <a:schemeClr val="accent1"/>
+              </a:fillRef>
+              <a:effectRef idx="0">
+                <a:schemeClr val="accent1"/>
+              </a:effectRef>
+              <a:fontRef idx="minor">
+                <a:schemeClr val="lt1"/>
+              </a:fontRef>
+            </p:style>
+            <p:txBody>
+              <a:bodyPr rtlCol="0" anchor="ctr"/>
+              <a:lstStyle/>
+              <a:p>
+                <a:pPr algn="ctr"/>
+                <a:endParaRPr lang="en-US" sz="800" dirty="0"/>
+              </a:p>
+            </p:txBody>
+          </p:sp>
+          <p:sp>
+            <p:nvSpPr>
+              <p:cNvPr id="13" name="TextBox 12"/>
+              <p:cNvSpPr txBox="1"/>
+              <p:nvPr/>
+            </p:nvSpPr>
+            <p:spPr>
+              <a:xfrm>
+                <a:off x="4121235" y="4475017"/>
+                <a:ext cx="3401604" cy="1198455"/>
+              </a:xfrm>
+              <a:prstGeom prst="rect">
+                <a:avLst/>
+              </a:prstGeom>
+              <a:noFill/>
+            </p:spPr>
+            <p:txBody>
+              <a:bodyPr wrap="square" rtlCol="0">
+                <a:spAutoFit/>
+              </a:bodyPr>
+              <a:lstStyle/>
+              <a:p>
+                <a:r>
+                  <a:rPr lang="ru-RU" sz="1100" dirty="0" smtClean="0"/>
+                  <a:t>Локальные данные для использования в приложении</a:t>
+                </a:r>
+              </a:p>
+            </p:txBody>
+          </p:sp>
+        </p:grpSp>
+        <p:grpSp>
+          <p:nvGrpSpPr>
+            <p:cNvPr id="16" name="Group 15"/>
+            <p:cNvGrpSpPr/>
+            <p:nvPr/>
+          </p:nvGrpSpPr>
+          <p:grpSpPr>
+            <a:xfrm>
+              <a:off x="5442154" y="2210340"/>
+              <a:ext cx="2629574" cy="1859644"/>
+              <a:chOff x="7513384" y="2364509"/>
+              <a:chExt cx="4200277" cy="2971835"/>
+            </a:xfrm>
+          </p:grpSpPr>
+          <p:sp>
+            <p:nvSpPr>
+              <p:cNvPr id="6" name="Rectangle 5"/>
+              <p:cNvSpPr/>
+              <p:nvPr/>
+            </p:nvSpPr>
+            <p:spPr>
+              <a:xfrm>
+                <a:off x="7668986" y="2364509"/>
+                <a:ext cx="3145536" cy="1524000"/>
+              </a:xfrm>
+              <a:prstGeom prst="rect">
+                <a:avLst/>
+              </a:prstGeom>
+            </p:spPr>
+            <p:style>
+              <a:lnRef idx="2">
+                <a:schemeClr val="accent1">
+                  <a:shade val="50000"/>
+                </a:schemeClr>
+              </a:lnRef>
+              <a:fillRef idx="1">
+                <a:schemeClr val="accent1"/>
+              </a:fillRef>
+              <a:effectRef idx="0">
+                <a:schemeClr val="accent1"/>
+              </a:effectRef>
+              <a:fontRef idx="minor">
+                <a:schemeClr val="lt1"/>
+              </a:fontRef>
+            </p:style>
+            <p:txBody>
+              <a:bodyPr rtlCol="0" anchor="t"/>
+              <a:lstStyle/>
+              <a:p>
+                <a:pPr algn="ctr"/>
+                <a:r>
+                  <a:rPr lang="en-US" sz="1100" dirty="0"/>
+                  <a:t>Temp</a:t>
+                </a:r>
+              </a:p>
+            </p:txBody>
+          </p:sp>
+          <p:sp>
+            <p:nvSpPr>
+              <p:cNvPr id="11" name="Rectangle 10"/>
+              <p:cNvSpPr/>
+              <p:nvPr/>
+            </p:nvSpPr>
+            <p:spPr>
+              <a:xfrm>
+                <a:off x="8437914" y="2974108"/>
+                <a:ext cx="1668380" cy="581888"/>
+              </a:xfrm>
+              <a:prstGeom prst="rect">
+                <a:avLst/>
+              </a:prstGeom>
+              <a:solidFill>
+                <a:schemeClr val="bg1">
+                  <a:lumMod val="50000"/>
+                </a:schemeClr>
+              </a:solidFill>
+            </p:spPr>
+            <p:style>
+              <a:lnRef idx="2">
+                <a:schemeClr val="accent1">
+                  <a:shade val="50000"/>
+                </a:schemeClr>
+              </a:lnRef>
+              <a:fillRef idx="1">
+                <a:schemeClr val="accent1"/>
+              </a:fillRef>
+              <a:effectRef idx="0">
+                <a:schemeClr val="accent1"/>
+              </a:effectRef>
+              <a:fontRef idx="minor">
+                <a:schemeClr val="lt1"/>
+              </a:fontRef>
+            </p:style>
+            <p:txBody>
+              <a:bodyPr rtlCol="0" anchor="ctr"/>
+              <a:lstStyle/>
+              <a:p>
+                <a:pPr algn="ctr"/>
+                <a:r>
+                  <a:rPr lang="ru-RU" sz="1050" dirty="0" smtClean="0"/>
+                  <a:t>Папка</a:t>
+                </a:r>
+                <a:endParaRPr lang="en-US" sz="1100" dirty="0"/>
+              </a:p>
+            </p:txBody>
+          </p:sp>
+          <p:sp>
+            <p:nvSpPr>
+              <p:cNvPr id="14" name="TextBox 13"/>
+              <p:cNvSpPr txBox="1"/>
+              <p:nvPr/>
+            </p:nvSpPr>
+            <p:spPr>
+              <a:xfrm>
+                <a:off x="7513384" y="4137890"/>
+                <a:ext cx="4200277" cy="1198454"/>
+              </a:xfrm>
+              <a:prstGeom prst="rect">
+                <a:avLst/>
+              </a:prstGeom>
+              <a:noFill/>
+            </p:spPr>
+            <p:txBody>
+              <a:bodyPr wrap="square" rtlCol="0">
+                <a:spAutoFit/>
+              </a:bodyPr>
+              <a:lstStyle/>
+              <a:p>
+                <a:r>
+                  <a:rPr lang="ru-RU" sz="1100" dirty="0" smtClean="0"/>
+                  <a:t>Используется как временное хранилище</a:t>
+                </a:r>
+                <a:endParaRPr lang="en-US" sz="1100" dirty="0"/>
+              </a:p>
+            </p:txBody>
+          </p:sp>
+        </p:grpSp>
+        <p:sp>
+          <p:nvSpPr>
+            <p:cNvPr id="15" name="Rectangle 14"/>
+            <p:cNvSpPr/>
+            <p:nvPr/>
+          </p:nvSpPr>
+          <p:spPr bwMode="auto">
+            <a:xfrm>
+              <a:off x="594125" y="1423446"/>
+              <a:ext cx="9083688" cy="593890"/>
+            </a:xfrm>
+            <a:prstGeom prst="rect">
+              <a:avLst/>
+            </a:prstGeom>
+            <a:solidFill>
+              <a:schemeClr val="accent1"/>
+            </a:solidFill>
+            <a:ln>
+              <a:noFill/>
+              <a:headEnd type="none" w="med" len="med"/>
+              <a:tailEnd type="none" w="med" len="med"/>
+            </a:ln>
+            <a:effectLst/>
+          </p:spPr>
+          <p:style>
+            <a:lnRef idx="1">
+              <a:schemeClr val="accent2"/>
+            </a:lnRef>
+            <a:fillRef idx="3">
+              <a:schemeClr val="accent2"/>
+            </a:fillRef>
+            <a:effectRef idx="2">
+              <a:schemeClr val="accent2"/>
+            </a:effectRef>
+            <a:fontRef idx="minor">
+              <a:schemeClr val="lt1"/>
+            </a:fontRef>
+          </p:style>
+          <p:txBody>
+            <a:bodyPr rot="0" spcFirstLastPara="0" vertOverflow="overflow" horzOverflow="overflow" vert="horz" wrap="square" lIns="182854" tIns="146284" rIns="182854" bIns="146284" numCol="1" spcCol="0" rtlCol="0" fromWordArt="0" anchor="t" anchorCtr="0" forceAA="0" compatLnSpc="1">
+              <a:prstTxWarp prst="textNoShape">
+                <a:avLst/>
+              </a:prstTxWarp>
+              <a:noAutofit/>
+            </a:bodyPr>
+            <a:lstStyle/>
+            <a:p>
+              <a:pPr algn="ctr" defTabSz="932293" fontAlgn="base">
+                <a:lnSpc>
+                  <a:spcPct val="90000"/>
+                </a:lnSpc>
+                <a:spcBef>
+                  <a:spcPct val="0"/>
+                </a:spcBef>
+                <a:spcAft>
+                  <a:spcPct val="0"/>
+                </a:spcAft>
+              </a:pPr>
+              <a:r>
+                <a:rPr lang="en-US" sz="1400" dirty="0" err="1">
+                  <a:gradFill>
+                    <a:gsLst>
+                      <a:gs pos="0">
+                        <a:srgbClr val="FFFFFF"/>
+                      </a:gs>
+                      <a:gs pos="100000">
+                        <a:srgbClr val="FFFFFF"/>
+                      </a:gs>
+                    </a:gsLst>
+                    <a:lin ang="5400000" scaled="0"/>
+                  </a:gradFill>
+                  <a:ea typeface="Segoe UI" pitchFamily="34" charset="0"/>
+                  <a:cs typeface="Segoe UI" pitchFamily="34" charset="0"/>
+                </a:rPr>
+                <a:t>Windows.Storage.ApplicationData</a:t>
+              </a:r>
+              <a:endParaRPr lang="en-US" sz="1400" dirty="0">
+                <a:gradFill>
+                  <a:gsLst>
+                    <a:gs pos="0">
+                      <a:srgbClr val="FFFFFF"/>
+                    </a:gs>
+                    <a:gs pos="100000">
+                      <a:srgbClr val="FFFFFF"/>
+                    </a:gs>
+                  </a:gsLst>
+                  <a:lin ang="5400000" scaled="0"/>
+                </a:gradFill>
+                <a:ea typeface="Segoe UI" pitchFamily="34" charset="0"/>
+                <a:cs typeface="Segoe UI" pitchFamily="34" charset="0"/>
+              </a:endParaRPr>
+            </a:p>
+          </p:txBody>
+        </p:sp>
+        <p:sp>
+          <p:nvSpPr>
+            <p:cNvPr id="22" name="Rectangle 21"/>
+            <p:cNvSpPr/>
+            <p:nvPr/>
+          </p:nvSpPr>
+          <p:spPr bwMode="auto">
+            <a:xfrm>
+              <a:off x="9924280" y="1423446"/>
+              <a:ext cx="2290461" cy="593890"/>
+            </a:xfrm>
+            <a:prstGeom prst="rect">
+              <a:avLst/>
+            </a:prstGeom>
+            <a:solidFill>
+              <a:schemeClr val="accent5">
+                <a:lumMod val="40000"/>
+                <a:lumOff val="60000"/>
+              </a:schemeClr>
+            </a:solidFill>
+            <a:ln>
+              <a:noFill/>
+              <a:headEnd type="none" w="med" len="med"/>
+              <a:tailEnd type="none" w="med" len="med"/>
+            </a:ln>
+            <a:effectLst/>
+          </p:spPr>
+          <p:style>
+            <a:lnRef idx="1">
+              <a:schemeClr val="accent2"/>
+            </a:lnRef>
+            <a:fillRef idx="3">
+              <a:schemeClr val="accent2"/>
+            </a:fillRef>
+            <a:effectRef idx="2">
+              <a:schemeClr val="accent2"/>
+            </a:effectRef>
+            <a:fontRef idx="minor">
+              <a:schemeClr val="lt1"/>
+            </a:fontRef>
+          </p:style>
+          <p:txBody>
+            <a:bodyPr rot="0" spcFirstLastPara="0" vertOverflow="overflow" horzOverflow="overflow" vert="horz" wrap="square" lIns="182854" tIns="146284" rIns="182854" bIns="146284" numCol="1" spcCol="0" rtlCol="0" fromWordArt="0" anchor="t" anchorCtr="0" forceAA="0" compatLnSpc="1">
+              <a:prstTxWarp prst="textNoShape">
+                <a:avLst/>
+              </a:prstTxWarp>
+              <a:noAutofit/>
+            </a:bodyPr>
+            <a:lstStyle/>
+            <a:p>
+              <a:pPr algn="ctr" defTabSz="932293" fontAlgn="base">
+                <a:lnSpc>
+                  <a:spcPct val="90000"/>
+                </a:lnSpc>
+                <a:spcBef>
+                  <a:spcPct val="0"/>
+                </a:spcBef>
+                <a:spcAft>
+                  <a:spcPct val="0"/>
+                </a:spcAft>
+              </a:pPr>
+              <a:r>
+                <a:rPr lang="en-US" sz="900" dirty="0" err="1">
+                  <a:solidFill>
+                    <a:schemeClr val="tx2">
+                      <a:lumMod val="65000"/>
+                      <a:lumOff val="35000"/>
+                    </a:schemeClr>
+                  </a:solidFill>
+                  <a:ea typeface="Segoe UI" pitchFamily="34" charset="0"/>
+                  <a:cs typeface="Segoe UI" pitchFamily="34" charset="0"/>
+                </a:rPr>
+                <a:t>Windows.Security</a:t>
+              </a:r>
+              <a:r>
+                <a:rPr lang="en-US" sz="900" dirty="0">
+                  <a:solidFill>
+                    <a:schemeClr val="tx2">
+                      <a:lumMod val="65000"/>
+                      <a:lumOff val="35000"/>
+                    </a:schemeClr>
+                  </a:solidFill>
+                  <a:ea typeface="Segoe UI" pitchFamily="34" charset="0"/>
+                  <a:cs typeface="Segoe UI" pitchFamily="34" charset="0"/>
+                </a:rPr>
+                <a:t>.</a:t>
+              </a:r>
+              <a:br>
+                <a:rPr lang="en-US" sz="900" dirty="0">
+                  <a:solidFill>
+                    <a:schemeClr val="tx2">
+                      <a:lumMod val="65000"/>
+                      <a:lumOff val="35000"/>
+                    </a:schemeClr>
+                  </a:solidFill>
+                  <a:ea typeface="Segoe UI" pitchFamily="34" charset="0"/>
+                  <a:cs typeface="Segoe UI" pitchFamily="34" charset="0"/>
+                </a:rPr>
+              </a:br>
+              <a:r>
+                <a:rPr lang="en-US" sz="900" dirty="0">
+                  <a:solidFill>
+                    <a:schemeClr val="tx2">
+                      <a:lumMod val="65000"/>
+                      <a:lumOff val="35000"/>
+                    </a:schemeClr>
+                  </a:solidFill>
+                  <a:ea typeface="Segoe UI" pitchFamily="34" charset="0"/>
+                  <a:cs typeface="Segoe UI" pitchFamily="34" charset="0"/>
+                </a:rPr>
+                <a:t>Credentials</a:t>
+              </a:r>
+            </a:p>
+          </p:txBody>
+        </p:sp>
+        <p:grpSp>
+          <p:nvGrpSpPr>
+            <p:cNvPr id="23" name="Group 22"/>
+            <p:cNvGrpSpPr/>
+            <p:nvPr/>
+          </p:nvGrpSpPr>
+          <p:grpSpPr>
+            <a:xfrm>
+              <a:off x="9924279" y="2216555"/>
+              <a:ext cx="2663128" cy="3311405"/>
+              <a:chOff x="7668981" y="2364509"/>
+              <a:chExt cx="4454974" cy="5291850"/>
+            </a:xfrm>
+          </p:grpSpPr>
+          <p:sp>
+            <p:nvSpPr>
+              <p:cNvPr id="24" name="Rectangle 23"/>
+              <p:cNvSpPr/>
+              <p:nvPr/>
+            </p:nvSpPr>
+            <p:spPr>
+              <a:xfrm>
+                <a:off x="7668981" y="2364509"/>
+                <a:ext cx="3831565" cy="1524001"/>
+              </a:xfrm>
+              <a:prstGeom prst="rect">
+                <a:avLst/>
+              </a:prstGeom>
+              <a:solidFill>
+                <a:schemeClr val="accent5">
+                  <a:lumMod val="40000"/>
+                  <a:lumOff val="60000"/>
+                </a:schemeClr>
+              </a:solidFill>
+              <a:ln>
+                <a:solidFill>
+                  <a:srgbClr val="92D050"/>
+                </a:solidFill>
+              </a:ln>
+            </p:spPr>
+            <p:style>
+              <a:lnRef idx="2">
+                <a:schemeClr val="accent1">
+                  <a:shade val="50000"/>
+                </a:schemeClr>
+              </a:lnRef>
+              <a:fillRef idx="1">
+                <a:schemeClr val="accent1"/>
+              </a:fillRef>
+              <a:effectRef idx="0">
+                <a:schemeClr val="accent1"/>
+              </a:effectRef>
+              <a:fontRef idx="minor">
+                <a:schemeClr val="lt1"/>
+              </a:fontRef>
+            </p:style>
+            <p:txBody>
+              <a:bodyPr rtlCol="0" anchor="t"/>
+              <a:lstStyle/>
+              <a:p>
+                <a:pPr algn="ctr"/>
+                <a:r>
+                  <a:rPr lang="en-US" sz="1100" dirty="0" err="1">
+                    <a:solidFill>
+                      <a:schemeClr val="tx2">
+                        <a:lumMod val="65000"/>
+                        <a:lumOff val="35000"/>
+                      </a:schemeClr>
+                    </a:solidFill>
+                  </a:rPr>
+                  <a:t>PasswordVault</a:t>
+                </a:r>
+                <a:endParaRPr lang="en-US" sz="1100" dirty="0">
+                  <a:solidFill>
+                    <a:schemeClr val="tx2">
+                      <a:lumMod val="65000"/>
+                      <a:lumOff val="35000"/>
+                    </a:schemeClr>
+                  </a:solidFill>
+                </a:endParaRPr>
+              </a:p>
+            </p:txBody>
+          </p:sp>
+          <p:sp>
+            <p:nvSpPr>
+              <p:cNvPr id="25" name="Rectangle 24"/>
+              <p:cNvSpPr/>
+              <p:nvPr/>
+            </p:nvSpPr>
+            <p:spPr>
+              <a:xfrm>
+                <a:off x="8699598" y="2963239"/>
+                <a:ext cx="1919569" cy="581891"/>
+              </a:xfrm>
+              <a:prstGeom prst="rect">
+                <a:avLst/>
+              </a:prstGeom>
+              <a:solidFill>
+                <a:schemeClr val="bg1">
+                  <a:lumMod val="50000"/>
+                </a:schemeClr>
+              </a:solidFill>
+              <a:ln>
+                <a:solidFill>
+                  <a:srgbClr val="92D050"/>
+                </a:solidFill>
+              </a:ln>
+            </p:spPr>
+            <p:style>
+              <a:lnRef idx="2">
+                <a:schemeClr val="accent1">
+                  <a:shade val="50000"/>
+                </a:schemeClr>
+              </a:lnRef>
+              <a:fillRef idx="1">
+                <a:schemeClr val="accent1"/>
+              </a:fillRef>
+              <a:effectRef idx="0">
+                <a:schemeClr val="accent1"/>
+              </a:effectRef>
+              <a:fontRef idx="minor">
+                <a:schemeClr val="lt1"/>
+              </a:fontRef>
+            </p:style>
+            <p:txBody>
+              <a:bodyPr rtlCol="0" anchor="ctr"/>
+              <a:lstStyle/>
+              <a:p>
+                <a:pPr algn="ctr"/>
+                <a:r>
+                  <a:rPr lang="ru-RU" sz="1050" dirty="0" smtClean="0"/>
+                  <a:t>Данные</a:t>
+                </a:r>
+                <a:endParaRPr lang="en-US" sz="1100" dirty="0"/>
+              </a:p>
+            </p:txBody>
+          </p:sp>
+          <p:sp>
+            <p:nvSpPr>
+              <p:cNvPr id="26" name="TextBox 25"/>
+              <p:cNvSpPr txBox="1"/>
+              <p:nvPr/>
+            </p:nvSpPr>
+            <p:spPr>
+              <a:xfrm>
+                <a:off x="7668984" y="4091723"/>
+                <a:ext cx="4454971" cy="3564636"/>
+              </a:xfrm>
+              <a:prstGeom prst="rect">
+                <a:avLst/>
+              </a:prstGeom>
+              <a:noFill/>
+            </p:spPr>
+            <p:txBody>
+              <a:bodyPr wrap="square" rtlCol="0">
+                <a:spAutoFit/>
+              </a:bodyPr>
+              <a:lstStyle/>
+              <a:p>
+                <a:r>
+                  <a:rPr lang="ru-RU" sz="1100" dirty="0" smtClean="0"/>
+                  <a:t>Хранилище учетных данных</a:t>
+                </a:r>
+              </a:p>
+              <a:p>
+                <a:endParaRPr lang="en-US" sz="1100" dirty="0"/>
+              </a:p>
+              <a:p>
+                <a:r>
+                  <a:rPr lang="ru-RU" sz="1100" dirty="0" smtClean="0"/>
+                  <a:t>Используется для хранения объектов </a:t>
+                </a:r>
+                <a:r>
+                  <a:rPr lang="en-US" sz="1100" dirty="0" err="1" smtClean="0"/>
+                  <a:t>PasswordCredential</a:t>
+                </a:r>
+                <a:r>
+                  <a:rPr lang="en-US" sz="1100" dirty="0" smtClean="0"/>
+                  <a:t> </a:t>
+                </a:r>
+                <a:endParaRPr lang="ru-RU" sz="1100" dirty="0" smtClean="0"/>
+              </a:p>
+              <a:p>
+                <a:endParaRPr lang="ru-RU" sz="1100" dirty="0"/>
+              </a:p>
+              <a:p>
+                <a:r>
+                  <a:rPr lang="ru-RU" sz="1100" dirty="0" smtClean="0"/>
+                  <a:t>Данные доступны между устройствами </a:t>
+                </a:r>
+                <a:endParaRPr lang="en-US" sz="1100" dirty="0"/>
+              </a:p>
+              <a:p>
+                <a:endParaRPr lang="en-US" sz="1100" dirty="0"/>
+              </a:p>
+            </p:txBody>
+          </p:sp>
+        </p:grpSp>
+        <p:grpSp>
+          <p:nvGrpSpPr>
+            <p:cNvPr id="27" name="Group 26"/>
+            <p:cNvGrpSpPr/>
+            <p:nvPr/>
+          </p:nvGrpSpPr>
+          <p:grpSpPr>
+            <a:xfrm>
+              <a:off x="7508826" y="2210340"/>
+              <a:ext cx="2663232" cy="1830756"/>
+              <a:chOff x="7349396" y="2364509"/>
+              <a:chExt cx="4254040" cy="2925671"/>
+            </a:xfrm>
+          </p:grpSpPr>
+          <p:sp>
+            <p:nvSpPr>
+              <p:cNvPr id="28" name="Rectangle 27"/>
+              <p:cNvSpPr/>
+              <p:nvPr/>
+            </p:nvSpPr>
+            <p:spPr>
+              <a:xfrm>
+                <a:off x="7668986" y="2364509"/>
+                <a:ext cx="3145536" cy="1524000"/>
+              </a:xfrm>
+              <a:prstGeom prst="rect">
+                <a:avLst/>
+              </a:prstGeom>
+              <a:solidFill>
+                <a:schemeClr val="accent2">
+                  <a:lumMod val="60000"/>
+                  <a:lumOff val="40000"/>
+                </a:schemeClr>
+              </a:solidFill>
+            </p:spPr>
+            <p:style>
+              <a:lnRef idx="2">
+                <a:schemeClr val="accent1">
+                  <a:shade val="50000"/>
+                </a:schemeClr>
+              </a:lnRef>
+              <a:fillRef idx="1">
+                <a:schemeClr val="accent1"/>
+              </a:fillRef>
+              <a:effectRef idx="0">
+                <a:schemeClr val="accent1"/>
+              </a:effectRef>
+              <a:fontRef idx="minor">
+                <a:schemeClr val="lt1"/>
+              </a:fontRef>
+            </p:style>
+            <p:txBody>
+              <a:bodyPr rtlCol="0" anchor="t"/>
+              <a:lstStyle/>
+              <a:p>
+                <a:pPr algn="ctr"/>
+                <a:r>
+                  <a:rPr lang="en-US" sz="1050" dirty="0" smtClean="0"/>
+                  <a:t>Publisher Cache</a:t>
+                </a:r>
+                <a:endParaRPr lang="en-US" sz="1050" dirty="0"/>
+              </a:p>
+            </p:txBody>
+          </p:sp>
+          <p:sp>
+            <p:nvSpPr>
+              <p:cNvPr id="29" name="Rectangle 28"/>
+              <p:cNvSpPr/>
+              <p:nvPr/>
+            </p:nvSpPr>
+            <p:spPr>
+              <a:xfrm>
+                <a:off x="8404131" y="2974108"/>
+                <a:ext cx="1668378" cy="581886"/>
+              </a:xfrm>
+              <a:prstGeom prst="rect">
+                <a:avLst/>
+              </a:prstGeom>
+              <a:solidFill>
+                <a:schemeClr val="bg1">
+                  <a:lumMod val="50000"/>
+                </a:schemeClr>
+              </a:solidFill>
+              <a:ln>
+                <a:solidFill>
+                  <a:schemeClr val="bg2">
+                    <a:lumMod val="75000"/>
+                  </a:schemeClr>
+                </a:solidFill>
+              </a:ln>
+            </p:spPr>
+            <p:style>
+              <a:lnRef idx="2">
+                <a:schemeClr val="accent1">
+                  <a:shade val="50000"/>
+                </a:schemeClr>
+              </a:lnRef>
+              <a:fillRef idx="1">
+                <a:schemeClr val="accent1"/>
+              </a:fillRef>
+              <a:effectRef idx="0">
+                <a:schemeClr val="accent1"/>
+              </a:effectRef>
+              <a:fontRef idx="minor">
+                <a:schemeClr val="lt1"/>
+              </a:fontRef>
+            </p:style>
+            <p:txBody>
+              <a:bodyPr rtlCol="0" anchor="ctr"/>
+              <a:lstStyle/>
+              <a:p>
+                <a:pPr algn="ctr"/>
+                <a:r>
+                  <a:rPr lang="ru-RU" sz="1050" dirty="0" smtClean="0"/>
+                  <a:t>Папка</a:t>
+                </a:r>
+                <a:endParaRPr lang="en-US" sz="1100" dirty="0"/>
+              </a:p>
+            </p:txBody>
+          </p:sp>
+          <p:sp>
+            <p:nvSpPr>
+              <p:cNvPr id="30" name="TextBox 29"/>
+              <p:cNvSpPr txBox="1"/>
+              <p:nvPr/>
+            </p:nvSpPr>
+            <p:spPr>
+              <a:xfrm>
+                <a:off x="7349396" y="4091724"/>
+                <a:ext cx="4254040" cy="1198456"/>
+              </a:xfrm>
+              <a:prstGeom prst="rect">
+                <a:avLst/>
+              </a:prstGeom>
+              <a:noFill/>
+            </p:spPr>
+            <p:txBody>
+              <a:bodyPr wrap="square" rtlCol="0">
+                <a:spAutoFit/>
+              </a:bodyPr>
+              <a:lstStyle/>
+              <a:p>
+                <a:r>
+                  <a:rPr lang="ru-RU" sz="1100" dirty="0" smtClean="0"/>
+                  <a:t>Общее хранилище данных приложений одного автора</a:t>
+                </a:r>
+                <a:endParaRPr lang="en-US" sz="1100" dirty="0"/>
+              </a:p>
+            </p:txBody>
+          </p:sp>
+        </p:grpSp>
+      </p:grpSp>
+      <p:pic>
+        <p:nvPicPr>
+          <p:cNvPr id="19" name="Picture 18"/>
+          <p:cNvPicPr>
+            <a:picLocks noChangeAspect="1"/>
+          </p:cNvPicPr>
+          <p:nvPr/>
+        </p:nvPicPr>
+        <p:blipFill>
+          <a:blip r:embed="rId3" cstate="print">
+            <a:lum bright="70000" contrast="-70000"/>
+            <a:extLst>
+              <a:ext uri="{28A0092B-C50C-407E-A947-70E740481C1C}">
+                <a14:useLocalDpi xmlns:a14="http://schemas.microsoft.com/office/drawing/2010/main" val="0"/>
+              </a:ext>
+            </a:extLst>
+          </a:blip>
+          <a:stretch>
+            <a:fillRect/>
+          </a:stretch>
+        </p:blipFill>
+        <p:spPr>
+          <a:xfrm>
+            <a:off x="1394855" y="2369464"/>
+            <a:ext cx="268452" cy="268452"/>
+          </a:xfrm>
+          <a:prstGeom prst="rect">
+            <a:avLst/>
+          </a:prstGeom>
+          <a:ln>
+            <a:noFill/>
+          </a:ln>
+        </p:spPr>
+      </p:pic>
+      <p:pic>
+        <p:nvPicPr>
+          <p:cNvPr id="31" name="Picture 30"/>
+          <p:cNvPicPr>
+            <a:picLocks noChangeAspect="1"/>
+          </p:cNvPicPr>
+          <p:nvPr/>
+        </p:nvPicPr>
+        <p:blipFill>
+          <a:blip r:embed="rId3" cstate="print">
+            <a:lum bright="70000" contrast="-70000"/>
+            <a:extLst>
+              <a:ext uri="{28A0092B-C50C-407E-A947-70E740481C1C}">
+                <a14:useLocalDpi xmlns:a14="http://schemas.microsoft.com/office/drawing/2010/main" val="0"/>
+              </a:ext>
+            </a:extLst>
+          </a:blip>
+          <a:stretch>
+            <a:fillRect/>
+          </a:stretch>
+        </p:blipFill>
+        <p:spPr>
+          <a:xfrm>
+            <a:off x="2814430" y="2370114"/>
+            <a:ext cx="268452" cy="268452"/>
+          </a:xfrm>
+          <a:prstGeom prst="rect">
+            <a:avLst/>
+          </a:prstGeom>
+          <a:ln>
+            <a:noFill/>
+          </a:ln>
+        </p:spPr>
+      </p:pic>
+    </p:spTree>
+    <p:extLst>
+      <p:ext uri="{BB962C8B-B14F-4D97-AF65-F5344CB8AC3E}">
+        <p14:creationId xmlns:p14="http://schemas.microsoft.com/office/powerpoint/2010/main" val="432212991"/>
+      </p:ext>
+    </p:extLst>
+  </p:cSld>
+  <p:clrMapOvr>
+    <a:masterClrMapping/>
+  </p:clrMapOvr>
+  <mc:AlternateContent xmlns:mc="http://schemas.openxmlformats.org/markup-compatibility/2006" xmlns:p14="http://schemas.microsoft.com/office/powerpoint/2010/main">
+    <mc:Choice Requires="p14">
+      <p:transition p14:dur="0"/>
+    </mc:Choice>
+    <mc:Fallback xmlns="">
+      <p:transition/>
+    </mc:Fallback>
+  </mc:AlternateContent>
+  <p:timing>
+    <p:tnLst>
+      <p:par>
+        <p:cTn id="1" dur="indefinite" restart="never" nodeType="tmRoot"/>
+      </p:par>
+    </p:tnLst>
+  </p:timing>
+</p:sld>
+</file>
+
+<file path=ppt/slides/slide7.xml><?xml version="1.0" encoding="utf-8"?>
 <p:sld xmlns:a="http://schemas.openxmlformats.org/drawingml/2006/main" xmlns:r="http://schemas.openxmlformats.org/officeDocument/2006/relationships" xmlns:p="http://schemas.openxmlformats.org/presentationml/2006/main">
   <p:cSld>
     <p:spTree>
@@ -32980,15 +33695,7 @@
                             <a:schemeClr val="bg1"/>
                           </a:solidFill>
                         </a:rPr>
-                        <a:t>/ </a:t>
-                      </a:r>
-                      <a:r>
-                        <a:rPr lang="en-US" sz="1100" b="0" dirty="0" smtClean="0">
-                          <a:solidFill>
-                            <a:schemeClr val="bg1"/>
-                          </a:solidFill>
-                        </a:rPr>
-                        <a:t>API</a:t>
+                        <a:t>/ API</a:t>
                       </a:r>
                       <a:endParaRPr lang="en-US" sz="1100" b="0" dirty="0">
                         <a:solidFill>
@@ -33604,14 +34311,6 @@
                         </a:rPr>
                         <a:t> </a:t>
                       </a:r>
-                      <a:r>
-                        <a:rPr lang="en-US" sz="900" dirty="0" smtClean="0">
-                          <a:solidFill>
-                            <a:schemeClr val="accent4"/>
-                          </a:solidFill>
-                        </a:rPr>
-                        <a:t/>
-                      </a:r>
                       <a:br>
                         <a:rPr lang="en-US" sz="900" dirty="0" smtClean="0">
                           <a:solidFill>
@@ -34001,35 +34700,7 @@
                           <a:ea typeface="+mn-ea"/>
                           <a:cs typeface="Consolas" panose="020B0609020204030204" pitchFamily="49" charset="0"/>
                         </a:rPr>
-                        <a:t>appdata</a:t>
-                      </a:r>
-                      <a:r>
-                        <a:rPr lang="en-GB" sz="800" kern="1200" dirty="0" smtClean="0">
-                          <a:solidFill>
-                            <a:schemeClr val="tx1">
-                              <a:lumMod val="50000"/>
-                            </a:schemeClr>
-                          </a:solidFill>
-                          <a:effectLst/>
-                          <a:latin typeface="Consolas" panose="020B0609020204030204" pitchFamily="49" charset="0"/>
-                          <a:ea typeface="+mn-ea"/>
-                          <a:cs typeface="Consolas" panose="020B0609020204030204" pitchFamily="49" charset="0"/>
-                        </a:rPr>
-                        <a:t>:///local</a:t>
-                      </a:r>
-                      <a:r>
-                        <a:rPr lang="en-GB" sz="800" kern="1200" dirty="0" smtClean="0">
-                          <a:solidFill>
-                            <a:schemeClr val="tx1">
-                              <a:lumMod val="50000"/>
-                            </a:schemeClr>
-                          </a:solidFill>
-                          <a:effectLst/>
-                          <a:latin typeface="Consolas" panose="020B0609020204030204" pitchFamily="49" charset="0"/>
-                          <a:ea typeface="+mn-ea"/>
-                          <a:cs typeface="Consolas" panose="020B0609020204030204" pitchFamily="49" charset="0"/>
-                        </a:rPr>
-                        <a:t>/</a:t>
+                        <a:t>appdata:///local/</a:t>
                       </a:r>
                       <a:endParaRPr lang="ru-RU" sz="800" kern="1200" dirty="0" smtClean="0">
                         <a:solidFill>
@@ -34114,21 +34785,7 @@
                           <a:ea typeface="+mn-ea"/>
                           <a:cs typeface="Consolas" panose="020B0609020204030204" pitchFamily="49" charset="0"/>
                         </a:rPr>
-                        <a:t>:///roaming</a:t>
-                      </a:r>
-                      <a:r>
-                        <a:rPr lang="en-GB" sz="800" kern="1200" dirty="0" smtClean="0">
-                          <a:solidFill>
-                            <a:schemeClr val="tx1">
-                              <a:lumMod val="50000"/>
-                            </a:schemeClr>
-                          </a:solidFill>
-                          <a:effectLst/>
-                          <a:latin typeface="Consolas" panose="020B0609020204030204" pitchFamily="49" charset="0"/>
-                          <a:ea typeface="+mn-ea"/>
-                          <a:cs typeface="Consolas" panose="020B0609020204030204" pitchFamily="49" charset="0"/>
-                        </a:rPr>
-                        <a:t>/</a:t>
+                        <a:t>:///roaming/</a:t>
                       </a:r>
                       <a:endParaRPr lang="ru-RU" sz="800" kern="1200" dirty="0" smtClean="0">
                         <a:solidFill>
@@ -34751,15 +35408,7 @@
                             <a:schemeClr val="accent4"/>
                           </a:solidFill>
                         </a:rPr>
-                        <a:t> </a:t>
-                      </a:r>
-                      <a:r>
-                        <a:rPr lang="en-US" sz="900" dirty="0" smtClean="0">
-                          <a:solidFill>
-                            <a:schemeClr val="accent4"/>
-                          </a:solidFill>
-                        </a:rPr>
-                        <a:t>API </a:t>
+                        <a:t> API </a:t>
                       </a:r>
                       <a:r>
                         <a:rPr lang="ru-RU" sz="900" dirty="0" smtClean="0">
@@ -35851,1239 +36500,11 @@
   <p:clrMapOvr>
     <a:masterClrMapping/>
   </p:clrMapOvr>
-  <mc:AlternateContent xmlns:mc="http://schemas.openxmlformats.org/markup-compatibility/2006">
-    <mc:Choice xmlns:p14="http://schemas.microsoft.com/office/powerpoint/2010/main" Requires="p14">
+  <mc:AlternateContent xmlns:mc="http://schemas.openxmlformats.org/markup-compatibility/2006" xmlns:p14="http://schemas.microsoft.com/office/powerpoint/2010/main">
+    <mc:Choice Requires="p14">
       <p:transition p14:dur="0"/>
     </mc:Choice>
-    <mc:Fallback>
-      <p:transition/>
-    </mc:Fallback>
-  </mc:AlternateContent>
-  <p:timing>
-    <p:tnLst>
-      <p:par>
-        <p:cTn id="1" dur="indefinite" restart="never" nodeType="tmRoot"/>
-      </p:par>
-    </p:tnLst>
-  </p:timing>
-</p:sld>
-</file>
-
-<file path=ppt/slides/slide7.xml><?xml version="1.0" encoding="utf-8"?>
-<p:sld xmlns:a="http://schemas.openxmlformats.org/drawingml/2006/main" xmlns:r="http://schemas.openxmlformats.org/officeDocument/2006/relationships" xmlns:p="http://schemas.openxmlformats.org/presentationml/2006/main">
-  <p:cSld>
-    <p:spTree>
-      <p:nvGrpSpPr>
-        <p:cNvPr id="1" name=""/>
-        <p:cNvGrpSpPr/>
-        <p:nvPr/>
-      </p:nvGrpSpPr>
-      <p:grpSpPr>
-        <a:xfrm>
-          <a:off x="0" y="0"/>
-          <a:ext cx="0" cy="0"/>
-          <a:chOff x="0" y="0"/>
-          <a:chExt cx="0" cy="0"/>
-        </a:xfrm>
-      </p:grpSpPr>
-      <p:sp>
-        <p:nvSpPr>
-          <p:cNvPr id="2" name="Title 1"/>
-          <p:cNvSpPr>
-            <a:spLocks noGrp="1"/>
-          </p:cNvSpPr>
-          <p:nvPr>
-            <p:ph type="title" idx="4294967295"/>
-          </p:nvPr>
-        </p:nvSpPr>
-        <p:spPr>
-          <a:xfrm>
-            <a:off x="270512" y="232715"/>
-            <a:ext cx="11652250" cy="982662"/>
-          </a:xfrm>
-        </p:spPr>
-        <p:txBody>
-          <a:bodyPr/>
-          <a:lstStyle/>
-          <a:p>
-            <a:r>
-              <a:rPr lang="ru-RU" dirty="0" smtClean="0"/>
-              <a:t>Прямой доступ к </a:t>
-            </a:r>
-            <a:r>
-              <a:rPr lang="en-US" dirty="0" smtClean="0"/>
-              <a:t>R/W </a:t>
-            </a:r>
-            <a:r>
-              <a:rPr lang="ru-RU" dirty="0" smtClean="0"/>
-              <a:t>хранилищу данных</a:t>
-            </a:r>
-            <a:endParaRPr lang="en-US" dirty="0"/>
-          </a:p>
-        </p:txBody>
-      </p:sp>
-      <p:grpSp>
-        <p:nvGrpSpPr>
-          <p:cNvPr id="18" name="Group 17"/>
-          <p:cNvGrpSpPr/>
-          <p:nvPr/>
-        </p:nvGrpSpPr>
-        <p:grpSpPr>
-          <a:xfrm>
-            <a:off x="539872" y="1423446"/>
-            <a:ext cx="6760580" cy="3284772"/>
-            <a:chOff x="498494" y="1423446"/>
-            <a:chExt cx="12088913" cy="4104514"/>
-          </a:xfrm>
-        </p:grpSpPr>
-        <p:grpSp>
-          <p:nvGrpSpPr>
-            <p:cNvPr id="3" name="Group 2"/>
-            <p:cNvGrpSpPr/>
-            <p:nvPr/>
-          </p:nvGrpSpPr>
-          <p:grpSpPr>
-            <a:xfrm>
-              <a:off x="498494" y="2216555"/>
-              <a:ext cx="2735838" cy="1824540"/>
-              <a:chOff x="671300" y="2364509"/>
-              <a:chExt cx="3772899" cy="2915742"/>
-            </a:xfrm>
-          </p:grpSpPr>
-          <p:sp>
-            <p:nvSpPr>
-              <p:cNvPr id="4" name="Rectangle 3"/>
-              <p:cNvSpPr/>
-              <p:nvPr/>
-            </p:nvSpPr>
-            <p:spPr>
-              <a:xfrm>
-                <a:off x="800765" y="2364509"/>
-                <a:ext cx="3144984" cy="1524000"/>
-              </a:xfrm>
-              <a:prstGeom prst="rect">
-                <a:avLst/>
-              </a:prstGeom>
-            </p:spPr>
-            <p:style>
-              <a:lnRef idx="2">
-                <a:schemeClr val="accent1">
-                  <a:shade val="50000"/>
-                </a:schemeClr>
-              </a:lnRef>
-              <a:fillRef idx="1">
-                <a:schemeClr val="accent1"/>
-              </a:fillRef>
-              <a:effectRef idx="0">
-                <a:schemeClr val="accent1"/>
-              </a:effectRef>
-              <a:fontRef idx="minor">
-                <a:schemeClr val="lt1"/>
-              </a:fontRef>
-            </p:style>
-            <p:txBody>
-              <a:bodyPr rtlCol="0" anchor="t"/>
-              <a:lstStyle/>
-              <a:p>
-                <a:pPr algn="ctr"/>
-                <a:r>
-                  <a:rPr lang="en-US" sz="1100" dirty="0"/>
-                  <a:t>Roaming</a:t>
-                </a:r>
-              </a:p>
-            </p:txBody>
-          </p:sp>
-          <p:sp>
-            <p:nvSpPr>
-              <p:cNvPr id="7" name="Rectangle 6"/>
-              <p:cNvSpPr/>
-              <p:nvPr/>
-            </p:nvSpPr>
-            <p:spPr>
-              <a:xfrm>
-                <a:off x="960579" y="2974108"/>
-                <a:ext cx="1430770" cy="571960"/>
-              </a:xfrm>
-              <a:prstGeom prst="rect">
-                <a:avLst/>
-              </a:prstGeom>
-              <a:solidFill>
-                <a:schemeClr val="bg1">
-                  <a:lumMod val="50000"/>
-                </a:schemeClr>
-              </a:solidFill>
-            </p:spPr>
-            <p:style>
-              <a:lnRef idx="2">
-                <a:schemeClr val="accent1">
-                  <a:shade val="50000"/>
-                </a:schemeClr>
-              </a:lnRef>
-              <a:fillRef idx="1">
-                <a:schemeClr val="accent1"/>
-              </a:fillRef>
-              <a:effectRef idx="0">
-                <a:schemeClr val="accent1"/>
-              </a:effectRef>
-              <a:fontRef idx="minor">
-                <a:schemeClr val="lt1"/>
-              </a:fontRef>
-            </p:style>
-            <p:txBody>
-              <a:bodyPr rtlCol="0" anchor="ctr"/>
-              <a:lstStyle/>
-              <a:p>
-                <a:pPr algn="ctr"/>
-                <a:r>
-                  <a:rPr lang="ru-RU" sz="800" dirty="0" smtClean="0"/>
-                  <a:t>Папка</a:t>
-                </a:r>
-                <a:endParaRPr lang="en-US" sz="1100" dirty="0"/>
-              </a:p>
-            </p:txBody>
-          </p:sp>
-          <p:sp>
-            <p:nvSpPr>
-              <p:cNvPr id="8" name="Rectangle 7"/>
-              <p:cNvSpPr/>
-              <p:nvPr/>
-            </p:nvSpPr>
-            <p:spPr>
-              <a:xfrm>
-                <a:off x="2533652" y="2974112"/>
-                <a:ext cx="1269791" cy="571958"/>
-              </a:xfrm>
-              <a:prstGeom prst="rect">
-                <a:avLst/>
-              </a:prstGeom>
-              <a:solidFill>
-                <a:schemeClr val="bg1">
-                  <a:lumMod val="50000"/>
-                </a:schemeClr>
-              </a:solidFill>
-            </p:spPr>
-            <p:style>
-              <a:lnRef idx="2">
-                <a:schemeClr val="accent1">
-                  <a:shade val="50000"/>
-                </a:schemeClr>
-              </a:lnRef>
-              <a:fillRef idx="1">
-                <a:schemeClr val="accent1"/>
-              </a:fillRef>
-              <a:effectRef idx="0">
-                <a:schemeClr val="accent1"/>
-              </a:effectRef>
-              <a:fontRef idx="minor">
-                <a:schemeClr val="lt1"/>
-              </a:fontRef>
-            </p:style>
-            <p:txBody>
-              <a:bodyPr rtlCol="0" anchor="ctr"/>
-              <a:lstStyle/>
-              <a:p>
-                <a:pPr algn="ctr"/>
-                <a:endParaRPr lang="en-US" sz="800" dirty="0"/>
-              </a:p>
-            </p:txBody>
-          </p:sp>
-          <p:sp>
-            <p:nvSpPr>
-              <p:cNvPr id="12" name="TextBox 11"/>
-              <p:cNvSpPr txBox="1"/>
-              <p:nvPr/>
-            </p:nvSpPr>
-            <p:spPr>
-              <a:xfrm>
-                <a:off x="671300" y="4081795"/>
-                <a:ext cx="3772899" cy="1198456"/>
-              </a:xfrm>
-              <a:prstGeom prst="rect">
-                <a:avLst/>
-              </a:prstGeom>
-              <a:noFill/>
-            </p:spPr>
-            <p:txBody>
-              <a:bodyPr wrap="square" rtlCol="0">
-                <a:spAutoFit/>
-              </a:bodyPr>
-              <a:lstStyle/>
-              <a:p>
-                <a:r>
-                  <a:rPr lang="ru-RU" sz="1100" dirty="0" smtClean="0"/>
-                  <a:t>Другие устройства имеют доступ </a:t>
-                </a:r>
-                <a:br>
-                  <a:rPr lang="ru-RU" sz="1100" dirty="0" smtClean="0"/>
-                </a:br>
-                <a:r>
-                  <a:rPr lang="ru-RU" sz="1100" dirty="0" smtClean="0"/>
-                  <a:t>к данным</a:t>
-                </a:r>
-              </a:p>
-            </p:txBody>
-          </p:sp>
-        </p:grpSp>
-        <p:grpSp>
-          <p:nvGrpSpPr>
-            <p:cNvPr id="21" name="Group 20"/>
-            <p:cNvGrpSpPr/>
-            <p:nvPr/>
-          </p:nvGrpSpPr>
-          <p:grpSpPr>
-            <a:xfrm>
-              <a:off x="2991443" y="2210340"/>
-              <a:ext cx="2450711" cy="1859644"/>
-              <a:chOff x="4121235" y="2701635"/>
-              <a:chExt cx="3401604" cy="2971837"/>
-            </a:xfrm>
-          </p:grpSpPr>
-          <p:sp>
-            <p:nvSpPr>
-              <p:cNvPr id="5" name="Rectangle 4"/>
-              <p:cNvSpPr/>
-              <p:nvPr/>
-            </p:nvSpPr>
-            <p:spPr>
-              <a:xfrm>
-                <a:off x="4234875" y="2701635"/>
-                <a:ext cx="3144982" cy="1524000"/>
-              </a:xfrm>
-              <a:prstGeom prst="rect">
-                <a:avLst/>
-              </a:prstGeom>
-            </p:spPr>
-            <p:style>
-              <a:lnRef idx="2">
-                <a:schemeClr val="accent1">
-                  <a:shade val="50000"/>
-                </a:schemeClr>
-              </a:lnRef>
-              <a:fillRef idx="1">
-                <a:schemeClr val="accent1"/>
-              </a:fillRef>
-              <a:effectRef idx="0">
-                <a:schemeClr val="accent1"/>
-              </a:effectRef>
-              <a:fontRef idx="minor">
-                <a:schemeClr val="lt1"/>
-              </a:fontRef>
-            </p:style>
-            <p:txBody>
-              <a:bodyPr rtlCol="0" anchor="t"/>
-              <a:lstStyle/>
-              <a:p>
-                <a:pPr algn="ctr"/>
-                <a:r>
-                  <a:rPr lang="en-US" sz="1100" dirty="0"/>
-                  <a:t>Local</a:t>
-                </a:r>
-              </a:p>
-            </p:txBody>
-          </p:sp>
-          <p:sp>
-            <p:nvSpPr>
-              <p:cNvPr id="9" name="Rectangle 8"/>
-              <p:cNvSpPr/>
-              <p:nvPr/>
-            </p:nvSpPr>
-            <p:spPr>
-              <a:xfrm>
-                <a:off x="4458367" y="3311234"/>
-                <a:ext cx="1169693" cy="581890"/>
-              </a:xfrm>
-              <a:prstGeom prst="rect">
-                <a:avLst/>
-              </a:prstGeom>
-              <a:solidFill>
-                <a:schemeClr val="bg1">
-                  <a:lumMod val="50000"/>
-                </a:schemeClr>
-              </a:solidFill>
-            </p:spPr>
-            <p:style>
-              <a:lnRef idx="2">
-                <a:schemeClr val="accent1">
-                  <a:shade val="50000"/>
-                </a:schemeClr>
-              </a:lnRef>
-              <a:fillRef idx="1">
-                <a:schemeClr val="accent1"/>
-              </a:fillRef>
-              <a:effectRef idx="0">
-                <a:schemeClr val="accent1"/>
-              </a:effectRef>
-              <a:fontRef idx="minor">
-                <a:schemeClr val="lt1"/>
-              </a:fontRef>
-            </p:style>
-            <p:txBody>
-              <a:bodyPr rtlCol="0" anchor="ctr"/>
-              <a:lstStyle/>
-              <a:p>
-                <a:pPr algn="ctr"/>
-                <a:r>
-                  <a:rPr lang="ru-RU" sz="800" dirty="0" smtClean="0"/>
-                  <a:t>Папка</a:t>
-                </a:r>
-                <a:endParaRPr lang="en-US" sz="800" dirty="0"/>
-              </a:p>
-            </p:txBody>
-          </p:sp>
-          <p:sp>
-            <p:nvSpPr>
-              <p:cNvPr id="10" name="Rectangle 9"/>
-              <p:cNvSpPr/>
-              <p:nvPr/>
-            </p:nvSpPr>
-            <p:spPr>
-              <a:xfrm>
-                <a:off x="5969675" y="3311234"/>
-                <a:ext cx="1339673" cy="581890"/>
-              </a:xfrm>
-              <a:prstGeom prst="rect">
-                <a:avLst/>
-              </a:prstGeom>
-              <a:solidFill>
-                <a:schemeClr val="bg1">
-                  <a:lumMod val="50000"/>
-                </a:schemeClr>
-              </a:solidFill>
-            </p:spPr>
-            <p:style>
-              <a:lnRef idx="2">
-                <a:schemeClr val="accent1">
-                  <a:shade val="50000"/>
-                </a:schemeClr>
-              </a:lnRef>
-              <a:fillRef idx="1">
-                <a:schemeClr val="accent1"/>
-              </a:fillRef>
-              <a:effectRef idx="0">
-                <a:schemeClr val="accent1"/>
-              </a:effectRef>
-              <a:fontRef idx="minor">
-                <a:schemeClr val="lt1"/>
-              </a:fontRef>
-            </p:style>
-            <p:txBody>
-              <a:bodyPr rtlCol="0" anchor="ctr"/>
-              <a:lstStyle/>
-              <a:p>
-                <a:pPr algn="ctr"/>
-                <a:endParaRPr lang="en-US" sz="800" dirty="0"/>
-              </a:p>
-            </p:txBody>
-          </p:sp>
-          <p:sp>
-            <p:nvSpPr>
-              <p:cNvPr id="13" name="TextBox 12"/>
-              <p:cNvSpPr txBox="1"/>
-              <p:nvPr/>
-            </p:nvSpPr>
-            <p:spPr>
-              <a:xfrm>
-                <a:off x="4121235" y="4475017"/>
-                <a:ext cx="3401604" cy="1198455"/>
-              </a:xfrm>
-              <a:prstGeom prst="rect">
-                <a:avLst/>
-              </a:prstGeom>
-              <a:noFill/>
-            </p:spPr>
-            <p:txBody>
-              <a:bodyPr wrap="square" rtlCol="0">
-                <a:spAutoFit/>
-              </a:bodyPr>
-              <a:lstStyle/>
-              <a:p>
-                <a:r>
-                  <a:rPr lang="ru-RU" sz="1100" dirty="0" smtClean="0"/>
-                  <a:t>Локальные данные для использования в приложении</a:t>
-                </a:r>
-              </a:p>
-            </p:txBody>
-          </p:sp>
-        </p:grpSp>
-        <p:grpSp>
-          <p:nvGrpSpPr>
-            <p:cNvPr id="16" name="Group 15"/>
-            <p:cNvGrpSpPr/>
-            <p:nvPr/>
-          </p:nvGrpSpPr>
-          <p:grpSpPr>
-            <a:xfrm>
-              <a:off x="5442154" y="2210340"/>
-              <a:ext cx="2629574" cy="1859644"/>
-              <a:chOff x="7513384" y="2364509"/>
-              <a:chExt cx="4200277" cy="2971835"/>
-            </a:xfrm>
-          </p:grpSpPr>
-          <p:sp>
-            <p:nvSpPr>
-              <p:cNvPr id="6" name="Rectangle 5"/>
-              <p:cNvSpPr/>
-              <p:nvPr/>
-            </p:nvSpPr>
-            <p:spPr>
-              <a:xfrm>
-                <a:off x="7668986" y="2364509"/>
-                <a:ext cx="3145536" cy="1524000"/>
-              </a:xfrm>
-              <a:prstGeom prst="rect">
-                <a:avLst/>
-              </a:prstGeom>
-            </p:spPr>
-            <p:style>
-              <a:lnRef idx="2">
-                <a:schemeClr val="accent1">
-                  <a:shade val="50000"/>
-                </a:schemeClr>
-              </a:lnRef>
-              <a:fillRef idx="1">
-                <a:schemeClr val="accent1"/>
-              </a:fillRef>
-              <a:effectRef idx="0">
-                <a:schemeClr val="accent1"/>
-              </a:effectRef>
-              <a:fontRef idx="minor">
-                <a:schemeClr val="lt1"/>
-              </a:fontRef>
-            </p:style>
-            <p:txBody>
-              <a:bodyPr rtlCol="0" anchor="t"/>
-              <a:lstStyle/>
-              <a:p>
-                <a:pPr algn="ctr"/>
-                <a:r>
-                  <a:rPr lang="en-US" sz="1100" dirty="0"/>
-                  <a:t>Temp</a:t>
-                </a:r>
-              </a:p>
-            </p:txBody>
-          </p:sp>
-          <p:sp>
-            <p:nvSpPr>
-              <p:cNvPr id="11" name="Rectangle 10"/>
-              <p:cNvSpPr/>
-              <p:nvPr/>
-            </p:nvSpPr>
-            <p:spPr>
-              <a:xfrm>
-                <a:off x="8437914" y="2974108"/>
-                <a:ext cx="1668380" cy="581888"/>
-              </a:xfrm>
-              <a:prstGeom prst="rect">
-                <a:avLst/>
-              </a:prstGeom>
-              <a:solidFill>
-                <a:schemeClr val="bg1">
-                  <a:lumMod val="50000"/>
-                </a:schemeClr>
-              </a:solidFill>
-            </p:spPr>
-            <p:style>
-              <a:lnRef idx="2">
-                <a:schemeClr val="accent1">
-                  <a:shade val="50000"/>
-                </a:schemeClr>
-              </a:lnRef>
-              <a:fillRef idx="1">
-                <a:schemeClr val="accent1"/>
-              </a:fillRef>
-              <a:effectRef idx="0">
-                <a:schemeClr val="accent1"/>
-              </a:effectRef>
-              <a:fontRef idx="minor">
-                <a:schemeClr val="lt1"/>
-              </a:fontRef>
-            </p:style>
-            <p:txBody>
-              <a:bodyPr rtlCol="0" anchor="ctr"/>
-              <a:lstStyle/>
-              <a:p>
-                <a:pPr algn="ctr"/>
-                <a:r>
-                  <a:rPr lang="ru-RU" sz="1050" dirty="0" smtClean="0"/>
-                  <a:t>Папка</a:t>
-                </a:r>
-                <a:endParaRPr lang="en-US" sz="1100" dirty="0"/>
-              </a:p>
-            </p:txBody>
-          </p:sp>
-          <p:sp>
-            <p:nvSpPr>
-              <p:cNvPr id="14" name="TextBox 13"/>
-              <p:cNvSpPr txBox="1"/>
-              <p:nvPr/>
-            </p:nvSpPr>
-            <p:spPr>
-              <a:xfrm>
-                <a:off x="7513384" y="4137890"/>
-                <a:ext cx="4200277" cy="1198454"/>
-              </a:xfrm>
-              <a:prstGeom prst="rect">
-                <a:avLst/>
-              </a:prstGeom>
-              <a:noFill/>
-            </p:spPr>
-            <p:txBody>
-              <a:bodyPr wrap="square" rtlCol="0">
-                <a:spAutoFit/>
-              </a:bodyPr>
-              <a:lstStyle/>
-              <a:p>
-                <a:r>
-                  <a:rPr lang="ru-RU" sz="1100" dirty="0" smtClean="0"/>
-                  <a:t>Используется как временное хранилище</a:t>
-                </a:r>
-                <a:endParaRPr lang="en-US" sz="1100" dirty="0"/>
-              </a:p>
-            </p:txBody>
-          </p:sp>
-        </p:grpSp>
-        <p:sp>
-          <p:nvSpPr>
-            <p:cNvPr id="15" name="Rectangle 14"/>
-            <p:cNvSpPr/>
-            <p:nvPr/>
-          </p:nvSpPr>
-          <p:spPr bwMode="auto">
-            <a:xfrm>
-              <a:off x="594125" y="1423446"/>
-              <a:ext cx="9083688" cy="593890"/>
-            </a:xfrm>
-            <a:prstGeom prst="rect">
-              <a:avLst/>
-            </a:prstGeom>
-            <a:solidFill>
-              <a:schemeClr val="accent1"/>
-            </a:solidFill>
-            <a:ln>
-              <a:noFill/>
-              <a:headEnd type="none" w="med" len="med"/>
-              <a:tailEnd type="none" w="med" len="med"/>
-            </a:ln>
-            <a:effectLst/>
-          </p:spPr>
-          <p:style>
-            <a:lnRef idx="1">
-              <a:schemeClr val="accent2"/>
-            </a:lnRef>
-            <a:fillRef idx="3">
-              <a:schemeClr val="accent2"/>
-            </a:fillRef>
-            <a:effectRef idx="2">
-              <a:schemeClr val="accent2"/>
-            </a:effectRef>
-            <a:fontRef idx="minor">
-              <a:schemeClr val="lt1"/>
-            </a:fontRef>
-          </p:style>
-          <p:txBody>
-            <a:bodyPr rot="0" spcFirstLastPara="0" vertOverflow="overflow" horzOverflow="overflow" vert="horz" wrap="square" lIns="182854" tIns="146284" rIns="182854" bIns="146284" numCol="1" spcCol="0" rtlCol="0" fromWordArt="0" anchor="t" anchorCtr="0" forceAA="0" compatLnSpc="1">
-              <a:prstTxWarp prst="textNoShape">
-                <a:avLst/>
-              </a:prstTxWarp>
-              <a:noAutofit/>
-            </a:bodyPr>
-            <a:lstStyle/>
-            <a:p>
-              <a:pPr algn="ctr" defTabSz="932293" fontAlgn="base">
-                <a:lnSpc>
-                  <a:spcPct val="90000"/>
-                </a:lnSpc>
-                <a:spcBef>
-                  <a:spcPct val="0"/>
-                </a:spcBef>
-                <a:spcAft>
-                  <a:spcPct val="0"/>
-                </a:spcAft>
-              </a:pPr>
-              <a:r>
-                <a:rPr lang="en-US" sz="1400" dirty="0" err="1">
-                  <a:gradFill>
-                    <a:gsLst>
-                      <a:gs pos="0">
-                        <a:srgbClr val="FFFFFF"/>
-                      </a:gs>
-                      <a:gs pos="100000">
-                        <a:srgbClr val="FFFFFF"/>
-                      </a:gs>
-                    </a:gsLst>
-                    <a:lin ang="5400000" scaled="0"/>
-                  </a:gradFill>
-                  <a:ea typeface="Segoe UI" pitchFamily="34" charset="0"/>
-                  <a:cs typeface="Segoe UI" pitchFamily="34" charset="0"/>
-                </a:rPr>
-                <a:t>Windows.Storage.ApplicationData</a:t>
-              </a:r>
-              <a:endParaRPr lang="en-US" sz="1400" dirty="0">
-                <a:gradFill>
-                  <a:gsLst>
-                    <a:gs pos="0">
-                      <a:srgbClr val="FFFFFF"/>
-                    </a:gs>
-                    <a:gs pos="100000">
-                      <a:srgbClr val="FFFFFF"/>
-                    </a:gs>
-                  </a:gsLst>
-                  <a:lin ang="5400000" scaled="0"/>
-                </a:gradFill>
-                <a:ea typeface="Segoe UI" pitchFamily="34" charset="0"/>
-                <a:cs typeface="Segoe UI" pitchFamily="34" charset="0"/>
-              </a:endParaRPr>
-            </a:p>
-          </p:txBody>
-        </p:sp>
-        <p:sp>
-          <p:nvSpPr>
-            <p:cNvPr id="22" name="Rectangle 21"/>
-            <p:cNvSpPr/>
-            <p:nvPr/>
-          </p:nvSpPr>
-          <p:spPr bwMode="auto">
-            <a:xfrm>
-              <a:off x="9924280" y="1423446"/>
-              <a:ext cx="2290461" cy="593890"/>
-            </a:xfrm>
-            <a:prstGeom prst="rect">
-              <a:avLst/>
-            </a:prstGeom>
-            <a:solidFill>
-              <a:schemeClr val="accent5">
-                <a:lumMod val="40000"/>
-                <a:lumOff val="60000"/>
-              </a:schemeClr>
-            </a:solidFill>
-            <a:ln>
-              <a:noFill/>
-              <a:headEnd type="none" w="med" len="med"/>
-              <a:tailEnd type="none" w="med" len="med"/>
-            </a:ln>
-            <a:effectLst/>
-          </p:spPr>
-          <p:style>
-            <a:lnRef idx="1">
-              <a:schemeClr val="accent2"/>
-            </a:lnRef>
-            <a:fillRef idx="3">
-              <a:schemeClr val="accent2"/>
-            </a:fillRef>
-            <a:effectRef idx="2">
-              <a:schemeClr val="accent2"/>
-            </a:effectRef>
-            <a:fontRef idx="minor">
-              <a:schemeClr val="lt1"/>
-            </a:fontRef>
-          </p:style>
-          <p:txBody>
-            <a:bodyPr rot="0" spcFirstLastPara="0" vertOverflow="overflow" horzOverflow="overflow" vert="horz" wrap="square" lIns="182854" tIns="146284" rIns="182854" bIns="146284" numCol="1" spcCol="0" rtlCol="0" fromWordArt="0" anchor="t" anchorCtr="0" forceAA="0" compatLnSpc="1">
-              <a:prstTxWarp prst="textNoShape">
-                <a:avLst/>
-              </a:prstTxWarp>
-              <a:noAutofit/>
-            </a:bodyPr>
-            <a:lstStyle/>
-            <a:p>
-              <a:pPr algn="ctr" defTabSz="932293" fontAlgn="base">
-                <a:lnSpc>
-                  <a:spcPct val="90000"/>
-                </a:lnSpc>
-                <a:spcBef>
-                  <a:spcPct val="0"/>
-                </a:spcBef>
-                <a:spcAft>
-                  <a:spcPct val="0"/>
-                </a:spcAft>
-              </a:pPr>
-              <a:r>
-                <a:rPr lang="en-US" sz="900" dirty="0" err="1">
-                  <a:solidFill>
-                    <a:schemeClr val="tx2">
-                      <a:lumMod val="65000"/>
-                      <a:lumOff val="35000"/>
-                    </a:schemeClr>
-                  </a:solidFill>
-                  <a:ea typeface="Segoe UI" pitchFamily="34" charset="0"/>
-                  <a:cs typeface="Segoe UI" pitchFamily="34" charset="0"/>
-                </a:rPr>
-                <a:t>Windows.Security</a:t>
-              </a:r>
-              <a:r>
-                <a:rPr lang="en-US" sz="900" dirty="0">
-                  <a:solidFill>
-                    <a:schemeClr val="tx2">
-                      <a:lumMod val="65000"/>
-                      <a:lumOff val="35000"/>
-                    </a:schemeClr>
-                  </a:solidFill>
-                  <a:ea typeface="Segoe UI" pitchFamily="34" charset="0"/>
-                  <a:cs typeface="Segoe UI" pitchFamily="34" charset="0"/>
-                </a:rPr>
-                <a:t>.</a:t>
-              </a:r>
-              <a:br>
-                <a:rPr lang="en-US" sz="900" dirty="0">
-                  <a:solidFill>
-                    <a:schemeClr val="tx2">
-                      <a:lumMod val="65000"/>
-                      <a:lumOff val="35000"/>
-                    </a:schemeClr>
-                  </a:solidFill>
-                  <a:ea typeface="Segoe UI" pitchFamily="34" charset="0"/>
-                  <a:cs typeface="Segoe UI" pitchFamily="34" charset="0"/>
-                </a:rPr>
-              </a:br>
-              <a:r>
-                <a:rPr lang="en-US" sz="900" dirty="0">
-                  <a:solidFill>
-                    <a:schemeClr val="tx2">
-                      <a:lumMod val="65000"/>
-                      <a:lumOff val="35000"/>
-                    </a:schemeClr>
-                  </a:solidFill>
-                  <a:ea typeface="Segoe UI" pitchFamily="34" charset="0"/>
-                  <a:cs typeface="Segoe UI" pitchFamily="34" charset="0"/>
-                </a:rPr>
-                <a:t>Credentials</a:t>
-              </a:r>
-            </a:p>
-          </p:txBody>
-        </p:sp>
-        <p:grpSp>
-          <p:nvGrpSpPr>
-            <p:cNvPr id="23" name="Group 22"/>
-            <p:cNvGrpSpPr/>
-            <p:nvPr/>
-          </p:nvGrpSpPr>
-          <p:grpSpPr>
-            <a:xfrm>
-              <a:off x="9924279" y="2216555"/>
-              <a:ext cx="2663128" cy="3311405"/>
-              <a:chOff x="7668981" y="2364509"/>
-              <a:chExt cx="4454974" cy="5291850"/>
-            </a:xfrm>
-          </p:grpSpPr>
-          <p:sp>
-            <p:nvSpPr>
-              <p:cNvPr id="24" name="Rectangle 23"/>
-              <p:cNvSpPr/>
-              <p:nvPr/>
-            </p:nvSpPr>
-            <p:spPr>
-              <a:xfrm>
-                <a:off x="7668981" y="2364509"/>
-                <a:ext cx="3831565" cy="1524001"/>
-              </a:xfrm>
-              <a:prstGeom prst="rect">
-                <a:avLst/>
-              </a:prstGeom>
-              <a:solidFill>
-                <a:schemeClr val="accent5">
-                  <a:lumMod val="40000"/>
-                  <a:lumOff val="60000"/>
-                </a:schemeClr>
-              </a:solidFill>
-              <a:ln>
-                <a:solidFill>
-                  <a:srgbClr val="92D050"/>
-                </a:solidFill>
-              </a:ln>
-            </p:spPr>
-            <p:style>
-              <a:lnRef idx="2">
-                <a:schemeClr val="accent1">
-                  <a:shade val="50000"/>
-                </a:schemeClr>
-              </a:lnRef>
-              <a:fillRef idx="1">
-                <a:schemeClr val="accent1"/>
-              </a:fillRef>
-              <a:effectRef idx="0">
-                <a:schemeClr val="accent1"/>
-              </a:effectRef>
-              <a:fontRef idx="minor">
-                <a:schemeClr val="lt1"/>
-              </a:fontRef>
-            </p:style>
-            <p:txBody>
-              <a:bodyPr rtlCol="0" anchor="t"/>
-              <a:lstStyle/>
-              <a:p>
-                <a:pPr algn="ctr"/>
-                <a:r>
-                  <a:rPr lang="en-US" sz="1100" dirty="0" err="1">
-                    <a:solidFill>
-                      <a:schemeClr val="tx2">
-                        <a:lumMod val="65000"/>
-                        <a:lumOff val="35000"/>
-                      </a:schemeClr>
-                    </a:solidFill>
-                  </a:rPr>
-                  <a:t>PasswordVault</a:t>
-                </a:r>
-                <a:endParaRPr lang="en-US" sz="1100" dirty="0">
-                  <a:solidFill>
-                    <a:schemeClr val="tx2">
-                      <a:lumMod val="65000"/>
-                      <a:lumOff val="35000"/>
-                    </a:schemeClr>
-                  </a:solidFill>
-                </a:endParaRPr>
-              </a:p>
-            </p:txBody>
-          </p:sp>
-          <p:sp>
-            <p:nvSpPr>
-              <p:cNvPr id="25" name="Rectangle 24"/>
-              <p:cNvSpPr/>
-              <p:nvPr/>
-            </p:nvSpPr>
-            <p:spPr>
-              <a:xfrm>
-                <a:off x="8699598" y="2963239"/>
-                <a:ext cx="1919569" cy="581891"/>
-              </a:xfrm>
-              <a:prstGeom prst="rect">
-                <a:avLst/>
-              </a:prstGeom>
-              <a:solidFill>
-                <a:schemeClr val="bg1">
-                  <a:lumMod val="50000"/>
-                </a:schemeClr>
-              </a:solidFill>
-              <a:ln>
-                <a:solidFill>
-                  <a:srgbClr val="92D050"/>
-                </a:solidFill>
-              </a:ln>
-            </p:spPr>
-            <p:style>
-              <a:lnRef idx="2">
-                <a:schemeClr val="accent1">
-                  <a:shade val="50000"/>
-                </a:schemeClr>
-              </a:lnRef>
-              <a:fillRef idx="1">
-                <a:schemeClr val="accent1"/>
-              </a:fillRef>
-              <a:effectRef idx="0">
-                <a:schemeClr val="accent1"/>
-              </a:effectRef>
-              <a:fontRef idx="minor">
-                <a:schemeClr val="lt1"/>
-              </a:fontRef>
-            </p:style>
-            <p:txBody>
-              <a:bodyPr rtlCol="0" anchor="ctr"/>
-              <a:lstStyle/>
-              <a:p>
-                <a:pPr algn="ctr"/>
-                <a:r>
-                  <a:rPr lang="ru-RU" sz="1050" dirty="0" smtClean="0"/>
-                  <a:t>Данные</a:t>
-                </a:r>
-                <a:endParaRPr lang="en-US" sz="1100" dirty="0"/>
-              </a:p>
-            </p:txBody>
-          </p:sp>
-          <p:sp>
-            <p:nvSpPr>
-              <p:cNvPr id="26" name="TextBox 25"/>
-              <p:cNvSpPr txBox="1"/>
-              <p:nvPr/>
-            </p:nvSpPr>
-            <p:spPr>
-              <a:xfrm>
-                <a:off x="7668984" y="4091723"/>
-                <a:ext cx="4454971" cy="3564636"/>
-              </a:xfrm>
-              <a:prstGeom prst="rect">
-                <a:avLst/>
-              </a:prstGeom>
-              <a:noFill/>
-            </p:spPr>
-            <p:txBody>
-              <a:bodyPr wrap="square" rtlCol="0">
-                <a:spAutoFit/>
-              </a:bodyPr>
-              <a:lstStyle/>
-              <a:p>
-                <a:r>
-                  <a:rPr lang="ru-RU" sz="1100" dirty="0" smtClean="0"/>
-                  <a:t>Хранилище учетных данных</a:t>
-                </a:r>
-              </a:p>
-              <a:p>
-                <a:endParaRPr lang="en-US" sz="1100" dirty="0"/>
-              </a:p>
-              <a:p>
-                <a:r>
-                  <a:rPr lang="ru-RU" sz="1100" dirty="0" smtClean="0"/>
-                  <a:t>Используется для хранения объектов </a:t>
-                </a:r>
-                <a:r>
-                  <a:rPr lang="en-US" sz="1100" dirty="0" err="1" smtClean="0"/>
-                  <a:t>PasswordCredential</a:t>
-                </a:r>
-                <a:r>
-                  <a:rPr lang="en-US" sz="1100" dirty="0" smtClean="0"/>
-                  <a:t> </a:t>
-                </a:r>
-                <a:endParaRPr lang="ru-RU" sz="1100" dirty="0" smtClean="0"/>
-              </a:p>
-              <a:p>
-                <a:endParaRPr lang="ru-RU" sz="1100" dirty="0"/>
-              </a:p>
-              <a:p>
-                <a:r>
-                  <a:rPr lang="ru-RU" sz="1100" dirty="0" smtClean="0"/>
-                  <a:t>Данные доступны между устройствами </a:t>
-                </a:r>
-                <a:endParaRPr lang="en-US" sz="1100" dirty="0"/>
-              </a:p>
-              <a:p>
-                <a:endParaRPr lang="en-US" sz="1100" dirty="0"/>
-              </a:p>
-            </p:txBody>
-          </p:sp>
-        </p:grpSp>
-        <p:grpSp>
-          <p:nvGrpSpPr>
-            <p:cNvPr id="27" name="Group 26"/>
-            <p:cNvGrpSpPr/>
-            <p:nvPr/>
-          </p:nvGrpSpPr>
-          <p:grpSpPr>
-            <a:xfrm>
-              <a:off x="7508826" y="2210340"/>
-              <a:ext cx="2663232" cy="1830756"/>
-              <a:chOff x="7349396" y="2364509"/>
-              <a:chExt cx="4254040" cy="2925671"/>
-            </a:xfrm>
-          </p:grpSpPr>
-          <p:sp>
-            <p:nvSpPr>
-              <p:cNvPr id="28" name="Rectangle 27"/>
-              <p:cNvSpPr/>
-              <p:nvPr/>
-            </p:nvSpPr>
-            <p:spPr>
-              <a:xfrm>
-                <a:off x="7668986" y="2364509"/>
-                <a:ext cx="3145536" cy="1524000"/>
-              </a:xfrm>
-              <a:prstGeom prst="rect">
-                <a:avLst/>
-              </a:prstGeom>
-              <a:solidFill>
-                <a:schemeClr val="accent2">
-                  <a:lumMod val="60000"/>
-                  <a:lumOff val="40000"/>
-                </a:schemeClr>
-              </a:solidFill>
-            </p:spPr>
-            <p:style>
-              <a:lnRef idx="2">
-                <a:schemeClr val="accent1">
-                  <a:shade val="50000"/>
-                </a:schemeClr>
-              </a:lnRef>
-              <a:fillRef idx="1">
-                <a:schemeClr val="accent1"/>
-              </a:fillRef>
-              <a:effectRef idx="0">
-                <a:schemeClr val="accent1"/>
-              </a:effectRef>
-              <a:fontRef idx="minor">
-                <a:schemeClr val="lt1"/>
-              </a:fontRef>
-            </p:style>
-            <p:txBody>
-              <a:bodyPr rtlCol="0" anchor="t"/>
-              <a:lstStyle/>
-              <a:p>
-                <a:pPr algn="ctr"/>
-                <a:r>
-                  <a:rPr lang="en-US" sz="1050" dirty="0" smtClean="0"/>
-                  <a:t>Publisher Cache</a:t>
-                </a:r>
-                <a:endParaRPr lang="en-US" sz="1050" dirty="0"/>
-              </a:p>
-            </p:txBody>
-          </p:sp>
-          <p:sp>
-            <p:nvSpPr>
-              <p:cNvPr id="29" name="Rectangle 28"/>
-              <p:cNvSpPr/>
-              <p:nvPr/>
-            </p:nvSpPr>
-            <p:spPr>
-              <a:xfrm>
-                <a:off x="8404131" y="2974108"/>
-                <a:ext cx="1668378" cy="581886"/>
-              </a:xfrm>
-              <a:prstGeom prst="rect">
-                <a:avLst/>
-              </a:prstGeom>
-              <a:solidFill>
-                <a:schemeClr val="bg1">
-                  <a:lumMod val="50000"/>
-                </a:schemeClr>
-              </a:solidFill>
-              <a:ln>
-                <a:solidFill>
-                  <a:schemeClr val="bg2">
-                    <a:lumMod val="75000"/>
-                  </a:schemeClr>
-                </a:solidFill>
-              </a:ln>
-            </p:spPr>
-            <p:style>
-              <a:lnRef idx="2">
-                <a:schemeClr val="accent1">
-                  <a:shade val="50000"/>
-                </a:schemeClr>
-              </a:lnRef>
-              <a:fillRef idx="1">
-                <a:schemeClr val="accent1"/>
-              </a:fillRef>
-              <a:effectRef idx="0">
-                <a:schemeClr val="accent1"/>
-              </a:effectRef>
-              <a:fontRef idx="minor">
-                <a:schemeClr val="lt1"/>
-              </a:fontRef>
-            </p:style>
-            <p:txBody>
-              <a:bodyPr rtlCol="0" anchor="ctr"/>
-              <a:lstStyle/>
-              <a:p>
-                <a:pPr algn="ctr"/>
-                <a:r>
-                  <a:rPr lang="ru-RU" sz="1050" dirty="0" smtClean="0"/>
-                  <a:t>Папка</a:t>
-                </a:r>
-                <a:endParaRPr lang="en-US" sz="1100" dirty="0"/>
-              </a:p>
-            </p:txBody>
-          </p:sp>
-          <p:sp>
-            <p:nvSpPr>
-              <p:cNvPr id="30" name="TextBox 29"/>
-              <p:cNvSpPr txBox="1"/>
-              <p:nvPr/>
-            </p:nvSpPr>
-            <p:spPr>
-              <a:xfrm>
-                <a:off x="7349396" y="4091724"/>
-                <a:ext cx="4254040" cy="1198456"/>
-              </a:xfrm>
-              <a:prstGeom prst="rect">
-                <a:avLst/>
-              </a:prstGeom>
-              <a:noFill/>
-            </p:spPr>
-            <p:txBody>
-              <a:bodyPr wrap="square" rtlCol="0">
-                <a:spAutoFit/>
-              </a:bodyPr>
-              <a:lstStyle/>
-              <a:p>
-                <a:r>
-                  <a:rPr lang="ru-RU" sz="1100" dirty="0" smtClean="0"/>
-                  <a:t>Общее хранилище данных приложений одного автора</a:t>
-                </a:r>
-                <a:endParaRPr lang="en-US" sz="1100" dirty="0"/>
-              </a:p>
-            </p:txBody>
-          </p:sp>
-        </p:grpSp>
-      </p:grpSp>
-      <p:pic>
-        <p:nvPicPr>
-          <p:cNvPr id="19" name="Picture 18"/>
-          <p:cNvPicPr>
-            <a:picLocks noChangeAspect="1"/>
-          </p:cNvPicPr>
-          <p:nvPr/>
-        </p:nvPicPr>
-        <p:blipFill>
-          <a:blip r:embed="rId3" cstate="print">
-            <a:lum bright="70000" contrast="-70000"/>
-            <a:extLst>
-              <a:ext uri="{28A0092B-C50C-407E-A947-70E740481C1C}">
-                <a14:useLocalDpi xmlns:a14="http://schemas.microsoft.com/office/drawing/2010/main" val="0"/>
-              </a:ext>
-            </a:extLst>
-          </a:blip>
-          <a:stretch>
-            <a:fillRect/>
-          </a:stretch>
-        </p:blipFill>
-        <p:spPr>
-          <a:xfrm>
-            <a:off x="1394855" y="2369464"/>
-            <a:ext cx="268452" cy="268452"/>
-          </a:xfrm>
-          <a:prstGeom prst="rect">
-            <a:avLst/>
-          </a:prstGeom>
-          <a:ln>
-            <a:noFill/>
-          </a:ln>
-        </p:spPr>
-      </p:pic>
-      <p:pic>
-        <p:nvPicPr>
-          <p:cNvPr id="31" name="Picture 30"/>
-          <p:cNvPicPr>
-            <a:picLocks noChangeAspect="1"/>
-          </p:cNvPicPr>
-          <p:nvPr/>
-        </p:nvPicPr>
-        <p:blipFill>
-          <a:blip r:embed="rId3" cstate="print">
-            <a:lum bright="70000" contrast="-70000"/>
-            <a:extLst>
-              <a:ext uri="{28A0092B-C50C-407E-A947-70E740481C1C}">
-                <a14:useLocalDpi xmlns:a14="http://schemas.microsoft.com/office/drawing/2010/main" val="0"/>
-              </a:ext>
-            </a:extLst>
-          </a:blip>
-          <a:stretch>
-            <a:fillRect/>
-          </a:stretch>
-        </p:blipFill>
-        <p:spPr>
-          <a:xfrm>
-            <a:off x="2814430" y="2370114"/>
-            <a:ext cx="268452" cy="268452"/>
-          </a:xfrm>
-          <a:prstGeom prst="rect">
-            <a:avLst/>
-          </a:prstGeom>
-          <a:ln>
-            <a:noFill/>
-          </a:ln>
-        </p:spPr>
-      </p:pic>
-    </p:spTree>
-    <p:extLst>
-      <p:ext uri="{BB962C8B-B14F-4D97-AF65-F5344CB8AC3E}">
-        <p14:creationId xmlns:p14="http://schemas.microsoft.com/office/powerpoint/2010/main" val="432212991"/>
-      </p:ext>
-    </p:extLst>
-  </p:cSld>
-  <p:clrMapOvr>
-    <a:masterClrMapping/>
-  </p:clrMapOvr>
-  <mc:AlternateContent xmlns:mc="http://schemas.openxmlformats.org/markup-compatibility/2006">
-    <mc:Choice xmlns:p14="http://schemas.microsoft.com/office/powerpoint/2010/main" Requires="p14">
-      <p:transition p14:dur="0"/>
-    </mc:Choice>
-    <mc:Fallback>
+    <mc:Fallback xmlns="">
       <p:transition/>
     </mc:Fallback>
   </mc:AlternateContent>
@@ -37155,7 +36576,11 @@
           <a:p>
             <a:r>
               <a:rPr lang="ru-RU" sz="6470" dirty="0" smtClean="0"/>
-              <a:t>Хранение данных</a:t>
+              <a:t>Хранение </a:t>
+            </a:r>
+            <a:r>
+              <a:rPr lang="ru-RU" sz="6470" dirty="0" smtClean="0"/>
+              <a:t>данных</a:t>
             </a:r>
             <a:endParaRPr lang="en-US" sz="6470" dirty="0"/>
           </a:p>
@@ -37171,11 +36596,11 @@
   <p:clrMapOvr>
     <a:masterClrMapping/>
   </p:clrMapOvr>
-  <mc:AlternateContent xmlns:mc="http://schemas.openxmlformats.org/markup-compatibility/2006">
-    <mc:Choice xmlns:p14="http://schemas.microsoft.com/office/powerpoint/2010/main" Requires="p14">
+  <mc:AlternateContent xmlns:mc="http://schemas.openxmlformats.org/markup-compatibility/2006" xmlns:p14="http://schemas.microsoft.com/office/powerpoint/2010/main">
+    <mc:Choice Requires="p14">
       <p:transition p14:dur="0"/>
     </mc:Choice>
-    <mc:Fallback>
+    <mc:Fallback xmlns="">
       <p:transition/>
     </mc:Fallback>
   </mc:AlternateContent>
@@ -38198,11 +37623,11 @@
   <p:clrMapOvr>
     <a:masterClrMapping/>
   </p:clrMapOvr>
-  <mc:AlternateContent xmlns:mc="http://schemas.openxmlformats.org/markup-compatibility/2006">
-    <mc:Choice xmlns:p14="http://schemas.microsoft.com/office/powerpoint/2010/main" Requires="p14">
+  <mc:AlternateContent xmlns:mc="http://schemas.openxmlformats.org/markup-compatibility/2006" xmlns:p14="http://schemas.microsoft.com/office/powerpoint/2010/main">
+    <mc:Choice Requires="p14">
       <p:transition p14:dur="0"/>
     </mc:Choice>
-    <mc:Fallback>
+    <mc:Fallback xmlns="">
       <p:transition/>
     </mc:Fallback>
   </mc:AlternateContent>

--- a/06. Data Storage/Mod 9. File Management and storage (RUS).pptx
+++ b/06. Data Storage/Mod 9. File Management and storage (RUS).pptx
@@ -5,7 +5,7 @@
     <p:sldMasterId id="2147483715" r:id="rId1"/>
   </p:sldMasterIdLst>
   <p:notesMasterIdLst>
-    <p:notesMasterId r:id="rId27"/>
+    <p:notesMasterId r:id="rId26"/>
   </p:notesMasterIdLst>
   <p:sldIdLst>
     <p:sldId id="312" r:id="rId2"/>
@@ -20,19 +20,18 @@
     <p:sldId id="270" r:id="rId11"/>
     <p:sldId id="309" r:id="rId12"/>
     <p:sldId id="317" r:id="rId13"/>
-    <p:sldId id="271" r:id="rId14"/>
-    <p:sldId id="278" r:id="rId15"/>
-    <p:sldId id="281" r:id="rId16"/>
-    <p:sldId id="279" r:id="rId17"/>
-    <p:sldId id="286" r:id="rId18"/>
-    <p:sldId id="288" r:id="rId19"/>
-    <p:sldId id="316" r:id="rId20"/>
-    <p:sldId id="289" r:id="rId21"/>
-    <p:sldId id="306" r:id="rId22"/>
-    <p:sldId id="307" r:id="rId23"/>
-    <p:sldId id="297" r:id="rId24"/>
-    <p:sldId id="315" r:id="rId25"/>
-    <p:sldId id="313" r:id="rId26"/>
+    <p:sldId id="278" r:id="rId14"/>
+    <p:sldId id="281" r:id="rId15"/>
+    <p:sldId id="279" r:id="rId16"/>
+    <p:sldId id="286" r:id="rId17"/>
+    <p:sldId id="288" r:id="rId18"/>
+    <p:sldId id="316" r:id="rId19"/>
+    <p:sldId id="289" r:id="rId20"/>
+    <p:sldId id="306" r:id="rId21"/>
+    <p:sldId id="307" r:id="rId22"/>
+    <p:sldId id="297" r:id="rId23"/>
+    <p:sldId id="315" r:id="rId24"/>
+    <p:sldId id="313" r:id="rId25"/>
   </p:sldIdLst>
   <p:sldSz cx="12192000" cy="6858000"/>
   <p:notesSz cx="6858000" cy="9144000"/>
@@ -949,7 +948,7 @@
             <a:fld id="{B4008EB6-D09E-4580-8CD6-DDB14511944F}" type="slidenum">
               <a:rPr lang="en-US" smtClean="0"/>
               <a:pPr/>
-              <a:t>20</a:t>
+              <a:t>19</a:t>
             </a:fld>
             <a:endParaRPr lang="en-US" dirty="0"/>
           </a:p>
@@ -1917,7 +1916,7 @@
             <a:fld id="{B4008EB6-D09E-4580-8CD6-DDB14511944F}" type="slidenum">
               <a:rPr lang="en-US" smtClean="0"/>
               <a:pPr/>
-              <a:t>15</a:t>
+              <a:t>14</a:t>
             </a:fld>
             <a:endParaRPr lang="en-US" dirty="0"/>
           </a:p>
@@ -2071,7 +2070,7 @@
           <a:p>
             <a:fld id="{29AB4647-7887-4ABA-813C-F50384827C09}" type="slidenum">
               <a:rPr lang="en-GB" smtClean="0"/>
-              <a:t>16</a:t>
+              <a:t>15</a:t>
             </a:fld>
             <a:endParaRPr lang="en-GB"/>
           </a:p>
@@ -2274,7 +2273,7 @@
             <a:fld id="{B4008EB6-D09E-4580-8CD6-DDB14511944F}" type="slidenum">
               <a:rPr lang="en-US" smtClean="0"/>
               <a:pPr/>
-              <a:t>18</a:t>
+              <a:t>17</a:t>
             </a:fld>
             <a:endParaRPr lang="en-US" dirty="0"/>
           </a:p>
@@ -2477,7 +2476,7 @@
             <a:fld id="{B4008EB6-D09E-4580-8CD6-DDB14511944F}" type="slidenum">
               <a:rPr lang="en-US" smtClean="0"/>
               <a:pPr/>
-              <a:t>19</a:t>
+              <a:t>18</a:t>
             </a:fld>
             <a:endParaRPr lang="en-US" dirty="0"/>
           </a:p>
@@ -22535,90 +22534,6 @@
       </p:grpSpPr>
       <p:sp>
         <p:nvSpPr>
-          <p:cNvPr id="4" name="Title 3"/>
-          <p:cNvSpPr>
-            <a:spLocks noGrp="1"/>
-          </p:cNvSpPr>
-          <p:nvPr>
-            <p:ph type="ctrTitle"/>
-          </p:nvPr>
-        </p:nvSpPr>
-        <p:spPr>
-          <a:xfrm>
-            <a:off x="269239" y="2579602"/>
-            <a:ext cx="11637012" cy="1698798"/>
-          </a:xfrm>
-        </p:spPr>
-        <p:txBody>
-          <a:bodyPr/>
-          <a:lstStyle/>
-          <a:p>
-            <a:r>
-              <a:rPr lang="ru-RU" dirty="0" err="1" smtClean="0"/>
-              <a:t>Демо</a:t>
-            </a:r>
-            <a:r>
-              <a:rPr lang="ru-RU" dirty="0" smtClean="0"/>
-              <a:t>:</a:t>
-            </a:r>
-            <a:br>
-              <a:rPr lang="ru-RU" dirty="0" smtClean="0"/>
-            </a:br>
-            <a:r>
-              <a:rPr lang="ru-RU" dirty="0" smtClean="0"/>
-              <a:t>Работа с файлами</a:t>
-            </a:r>
-            <a:endParaRPr lang="en-GB" dirty="0"/>
-          </a:p>
-        </p:txBody>
-      </p:sp>
-    </p:spTree>
-    <p:extLst>
-      <p:ext uri="{BB962C8B-B14F-4D97-AF65-F5344CB8AC3E}">
-        <p14:creationId xmlns:p14="http://schemas.microsoft.com/office/powerpoint/2010/main" val="751648099"/>
-      </p:ext>
-    </p:extLst>
-  </p:cSld>
-  <p:clrMapOvr>
-    <a:masterClrMapping/>
-  </p:clrMapOvr>
-  <mc:AlternateContent xmlns:mc="http://schemas.openxmlformats.org/markup-compatibility/2006" xmlns:p14="http://schemas.microsoft.com/office/powerpoint/2010/main">
-    <mc:Choice Requires="p14">
-      <p:transition p14:dur="0"/>
-    </mc:Choice>
-    <mc:Fallback xmlns="">
-      <p:transition/>
-    </mc:Fallback>
-  </mc:AlternateContent>
-  <p:timing>
-    <p:tnLst>
-      <p:par>
-        <p:cTn id="1" dur="indefinite" restart="never" nodeType="tmRoot"/>
-      </p:par>
-    </p:tnLst>
-  </p:timing>
-</p:sld>
-</file>
-
-<file path=ppt/slides/slide14.xml><?xml version="1.0" encoding="utf-8"?>
-<p:sld xmlns:a="http://schemas.openxmlformats.org/drawingml/2006/main" xmlns:r="http://schemas.openxmlformats.org/officeDocument/2006/relationships" xmlns:p="http://schemas.openxmlformats.org/presentationml/2006/main">
-  <p:cSld>
-    <p:spTree>
-      <p:nvGrpSpPr>
-        <p:cNvPr id="1" name=""/>
-        <p:cNvGrpSpPr/>
-        <p:nvPr/>
-      </p:nvGrpSpPr>
-      <p:grpSpPr>
-        <a:xfrm>
-          <a:off x="0" y="0"/>
-          <a:ext cx="0" cy="0"/>
-          <a:chOff x="0" y="0"/>
-          <a:chExt cx="0" cy="0"/>
-        </a:xfrm>
-      </p:grpSpPr>
-      <p:sp>
-        <p:nvSpPr>
           <p:cNvPr id="7" name="Title 6"/>
           <p:cNvSpPr>
             <a:spLocks noGrp="1"/>
@@ -22692,7 +22607,7 @@
 </p:sld>
 </file>
 
-<file path=ppt/slides/slide15.xml><?xml version="1.0" encoding="utf-8"?>
+<file path=ppt/slides/slide14.xml><?xml version="1.0" encoding="utf-8"?>
 <p:sld xmlns:a="http://schemas.openxmlformats.org/drawingml/2006/main" xmlns:r="http://schemas.openxmlformats.org/officeDocument/2006/relationships" xmlns:p="http://schemas.openxmlformats.org/presentationml/2006/main">
   <p:cSld>
     <p:spTree>
@@ -23017,7 +22932,7 @@
 </p:sld>
 </file>
 
-<file path=ppt/slides/slide16.xml><?xml version="1.0" encoding="utf-8"?>
+<file path=ppt/slides/slide15.xml><?xml version="1.0" encoding="utf-8"?>
 <p:sld xmlns:a="http://schemas.openxmlformats.org/drawingml/2006/main" xmlns:r="http://schemas.openxmlformats.org/officeDocument/2006/relationships" xmlns:p="http://schemas.openxmlformats.org/presentationml/2006/main">
   <p:cSld>
     <p:spTree>
@@ -23216,7 +23131,7 @@
 </p:sld>
 </file>
 
-<file path=ppt/slides/slide17.xml><?xml version="1.0" encoding="utf-8"?>
+<file path=ppt/slides/slide16.xml><?xml version="1.0" encoding="utf-8"?>
 <p:sld xmlns:a="http://schemas.openxmlformats.org/drawingml/2006/main" xmlns:r="http://schemas.openxmlformats.org/officeDocument/2006/relationships" xmlns:p="http://schemas.openxmlformats.org/presentationml/2006/main">
   <p:cSld>
     <p:spTree>
@@ -23308,7 +23223,7 @@
 </p:sld>
 </file>
 
-<file path=ppt/slides/slide18.xml><?xml version="1.0" encoding="utf-8"?>
+<file path=ppt/slides/slide17.xml><?xml version="1.0" encoding="utf-8"?>
 <p:sld xmlns:a="http://schemas.openxmlformats.org/drawingml/2006/main" xmlns:r="http://schemas.openxmlformats.org/officeDocument/2006/relationships" xmlns:p="http://schemas.openxmlformats.org/presentationml/2006/main">
   <p:cSld>
     <p:spTree>
@@ -23636,7 +23551,7 @@
 </p:sld>
 </file>
 
-<file path=ppt/slides/slide19.xml><?xml version="1.0" encoding="utf-8"?>
+<file path=ppt/slides/slide18.xml><?xml version="1.0" encoding="utf-8"?>
 <p:sld xmlns:a="http://schemas.openxmlformats.org/drawingml/2006/main" xmlns:r="http://schemas.openxmlformats.org/officeDocument/2006/relationships" xmlns:p="http://schemas.openxmlformats.org/presentationml/2006/main">
   <p:cSld>
     <p:spTree>
@@ -24124,6 +24039,173 @@
 </p:sld>
 </file>
 
+<file path=ppt/slides/slide19.xml><?xml version="1.0" encoding="utf-8"?>
+<p:sld xmlns:a="http://schemas.openxmlformats.org/drawingml/2006/main" xmlns:r="http://schemas.openxmlformats.org/officeDocument/2006/relationships" xmlns:p="http://schemas.openxmlformats.org/presentationml/2006/main">
+  <p:cSld>
+    <p:spTree>
+      <p:nvGrpSpPr>
+        <p:cNvPr id="1" name=""/>
+        <p:cNvGrpSpPr/>
+        <p:nvPr/>
+      </p:nvGrpSpPr>
+      <p:grpSpPr>
+        <a:xfrm>
+          <a:off x="0" y="0"/>
+          <a:ext cx="0" cy="0"/>
+          <a:chOff x="0" y="0"/>
+          <a:chExt cx="0" cy="0"/>
+        </a:xfrm>
+      </p:grpSpPr>
+      <p:sp>
+        <p:nvSpPr>
+          <p:cNvPr id="10" name="Title 9"/>
+          <p:cNvSpPr>
+            <a:spLocks noGrp="1"/>
+          </p:cNvSpPr>
+          <p:nvPr>
+            <p:ph type="title" idx="4294967295"/>
+          </p:nvPr>
+        </p:nvSpPr>
+        <p:spPr>
+          <a:xfrm>
+            <a:off x="257175" y="222251"/>
+            <a:ext cx="11652250" cy="982662"/>
+          </a:xfrm>
+        </p:spPr>
+        <p:txBody>
+          <a:bodyPr/>
+          <a:lstStyle/>
+          <a:p>
+            <a:r>
+              <a:rPr lang="ru-RU" dirty="0" smtClean="0"/>
+              <a:t>Файловые диалоги</a:t>
+            </a:r>
+            <a:endParaRPr lang="en-US" dirty="0"/>
+          </a:p>
+        </p:txBody>
+      </p:sp>
+      <p:sp>
+        <p:nvSpPr>
+          <p:cNvPr id="11" name="Text Placeholder 10"/>
+          <p:cNvSpPr>
+            <a:spLocks noGrp="1"/>
+          </p:cNvSpPr>
+          <p:nvPr>
+            <p:ph type="body" sz="quarter" idx="4294967295"/>
+          </p:nvPr>
+        </p:nvSpPr>
+        <p:spPr>
+          <a:xfrm>
+            <a:off x="257175" y="1204913"/>
+            <a:ext cx="6346825" cy="5653087"/>
+          </a:xfrm>
+        </p:spPr>
+        <p:txBody>
+          <a:bodyPr/>
+          <a:lstStyle/>
+          <a:p>
+            <a:r>
+              <a:rPr lang="ru-RU" sz="2800" dirty="0" smtClean="0">
+                <a:latin typeface="+mn-lt"/>
+              </a:rPr>
+              <a:t>Приложение не интересует откуда берутся файлы или куда отправляются </a:t>
+            </a:r>
+            <a:endParaRPr lang="en-US" sz="2800" dirty="0" smtClean="0">
+              <a:latin typeface="+mn-lt"/>
+            </a:endParaRPr>
+          </a:p>
+          <a:p>
+            <a:pPr lvl="1"/>
+            <a:endParaRPr lang="ru-RU" sz="2800" dirty="0" smtClean="0"/>
+          </a:p>
+          <a:p>
+            <a:pPr lvl="1"/>
+            <a:r>
+              <a:rPr lang="ru-RU" sz="2800" dirty="0">
+                <a:solidFill>
+                  <a:schemeClr val="accent1"/>
+                </a:solidFill>
+              </a:rPr>
+              <a:t>Простой </a:t>
+            </a:r>
+            <a:r>
+              <a:rPr lang="ru-RU" sz="2800" dirty="0" smtClean="0">
+                <a:solidFill>
+                  <a:schemeClr val="accent1"/>
+                </a:solidFill>
+              </a:rPr>
+              <a:t>доступ </a:t>
+            </a:r>
+            <a:r>
+              <a:rPr lang="ru-RU" sz="2800" dirty="0">
+                <a:solidFill>
+                  <a:schemeClr val="accent1"/>
+                </a:solidFill>
+              </a:rPr>
+              <a:t>к облаку, устройству или </a:t>
+            </a:r>
+            <a:r>
+              <a:rPr lang="ru-RU" sz="2800" dirty="0" smtClean="0">
+                <a:solidFill>
+                  <a:schemeClr val="accent1"/>
+                </a:solidFill>
+              </a:rPr>
+              <a:t>в другое приложение </a:t>
+            </a:r>
+            <a:r>
+              <a:rPr lang="ru-RU" sz="2800" dirty="0">
+                <a:solidFill>
+                  <a:schemeClr val="accent1"/>
+                </a:solidFill>
+              </a:rPr>
+              <a:t>для получения файла </a:t>
+            </a:r>
+          </a:p>
+          <a:p>
+            <a:pPr lvl="1"/>
+            <a:endParaRPr lang="ru-RU" sz="2800" dirty="0" smtClean="0"/>
+          </a:p>
+          <a:p>
+            <a:pPr lvl="1"/>
+            <a:r>
+              <a:rPr lang="ru-RU" sz="2800" dirty="0" smtClean="0">
+                <a:solidFill>
+                  <a:schemeClr val="accent1"/>
+                </a:solidFill>
+              </a:rPr>
+              <a:t>Поддержка операций Открыть и Сохранить </a:t>
+            </a:r>
+          </a:p>
+        </p:txBody>
+      </p:sp>
+    </p:spTree>
+    <p:extLst>
+      <p:ext uri="{BB962C8B-B14F-4D97-AF65-F5344CB8AC3E}">
+        <p14:creationId xmlns:p14="http://schemas.microsoft.com/office/powerpoint/2010/main" val="1540423197"/>
+      </p:ext>
+    </p:extLst>
+  </p:cSld>
+  <p:clrMapOvr>
+    <a:masterClrMapping/>
+  </p:clrMapOvr>
+  <mc:AlternateContent xmlns:mc="http://schemas.openxmlformats.org/markup-compatibility/2006" xmlns:p14="http://schemas.microsoft.com/office/powerpoint/2010/main">
+    <mc:Choice Requires="p14">
+      <p:transition p14:dur="0"/>
+    </mc:Choice>
+    <mc:Fallback xmlns="">
+      <p:transition/>
+    </mc:Fallback>
+  </mc:AlternateContent>
+  <p:timing>
+    <p:tnLst>
+      <p:par>
+        <p:cTn id="1" dur="indefinite" restart="never" nodeType="tmRoot"/>
+      </p:par>
+    </p:tnLst>
+  </p:timing>
+</p:sld>
+</file>
+
 <file path=ppt/slides/slide2.xml><?xml version="1.0" encoding="utf-8"?>
 <p:sld xmlns:a="http://schemas.openxmlformats.org/drawingml/2006/main" xmlns:r="http://schemas.openxmlformats.org/officeDocument/2006/relationships" xmlns:p="http://schemas.openxmlformats.org/presentationml/2006/main">
   <p:cSld>
@@ -24285,173 +24367,6 @@
 </file>
 
 <file path=ppt/slides/slide20.xml><?xml version="1.0" encoding="utf-8"?>
-<p:sld xmlns:a="http://schemas.openxmlformats.org/drawingml/2006/main" xmlns:r="http://schemas.openxmlformats.org/officeDocument/2006/relationships" xmlns:p="http://schemas.openxmlformats.org/presentationml/2006/main">
-  <p:cSld>
-    <p:spTree>
-      <p:nvGrpSpPr>
-        <p:cNvPr id="1" name=""/>
-        <p:cNvGrpSpPr/>
-        <p:nvPr/>
-      </p:nvGrpSpPr>
-      <p:grpSpPr>
-        <a:xfrm>
-          <a:off x="0" y="0"/>
-          <a:ext cx="0" cy="0"/>
-          <a:chOff x="0" y="0"/>
-          <a:chExt cx="0" cy="0"/>
-        </a:xfrm>
-      </p:grpSpPr>
-      <p:sp>
-        <p:nvSpPr>
-          <p:cNvPr id="10" name="Title 9"/>
-          <p:cNvSpPr>
-            <a:spLocks noGrp="1"/>
-          </p:cNvSpPr>
-          <p:nvPr>
-            <p:ph type="title" idx="4294967295"/>
-          </p:nvPr>
-        </p:nvSpPr>
-        <p:spPr>
-          <a:xfrm>
-            <a:off x="257175" y="222251"/>
-            <a:ext cx="11652250" cy="982662"/>
-          </a:xfrm>
-        </p:spPr>
-        <p:txBody>
-          <a:bodyPr/>
-          <a:lstStyle/>
-          <a:p>
-            <a:r>
-              <a:rPr lang="ru-RU" dirty="0" smtClean="0"/>
-              <a:t>Файловые диалоги</a:t>
-            </a:r>
-            <a:endParaRPr lang="en-US" dirty="0"/>
-          </a:p>
-        </p:txBody>
-      </p:sp>
-      <p:sp>
-        <p:nvSpPr>
-          <p:cNvPr id="11" name="Text Placeholder 10"/>
-          <p:cNvSpPr>
-            <a:spLocks noGrp="1"/>
-          </p:cNvSpPr>
-          <p:nvPr>
-            <p:ph type="body" sz="quarter" idx="4294967295"/>
-          </p:nvPr>
-        </p:nvSpPr>
-        <p:spPr>
-          <a:xfrm>
-            <a:off x="257175" y="1204913"/>
-            <a:ext cx="6346825" cy="5653087"/>
-          </a:xfrm>
-        </p:spPr>
-        <p:txBody>
-          <a:bodyPr/>
-          <a:lstStyle/>
-          <a:p>
-            <a:r>
-              <a:rPr lang="ru-RU" sz="2800" dirty="0" smtClean="0">
-                <a:latin typeface="+mn-lt"/>
-              </a:rPr>
-              <a:t>Приложение не интересует откуда берутся файлы или куда отправляются </a:t>
-            </a:r>
-            <a:endParaRPr lang="en-US" sz="2800" dirty="0" smtClean="0">
-              <a:latin typeface="+mn-lt"/>
-            </a:endParaRPr>
-          </a:p>
-          <a:p>
-            <a:pPr lvl="1"/>
-            <a:endParaRPr lang="ru-RU" sz="2800" dirty="0" smtClean="0"/>
-          </a:p>
-          <a:p>
-            <a:pPr lvl="1"/>
-            <a:r>
-              <a:rPr lang="ru-RU" sz="2800" dirty="0">
-                <a:solidFill>
-                  <a:schemeClr val="accent1"/>
-                </a:solidFill>
-              </a:rPr>
-              <a:t>Простой </a:t>
-            </a:r>
-            <a:r>
-              <a:rPr lang="ru-RU" sz="2800" dirty="0" smtClean="0">
-                <a:solidFill>
-                  <a:schemeClr val="accent1"/>
-                </a:solidFill>
-              </a:rPr>
-              <a:t>доступ </a:t>
-            </a:r>
-            <a:r>
-              <a:rPr lang="ru-RU" sz="2800" dirty="0">
-                <a:solidFill>
-                  <a:schemeClr val="accent1"/>
-                </a:solidFill>
-              </a:rPr>
-              <a:t>к облаку, устройству или </a:t>
-            </a:r>
-            <a:r>
-              <a:rPr lang="ru-RU" sz="2800" dirty="0" smtClean="0">
-                <a:solidFill>
-                  <a:schemeClr val="accent1"/>
-                </a:solidFill>
-              </a:rPr>
-              <a:t>в другое приложение </a:t>
-            </a:r>
-            <a:r>
-              <a:rPr lang="ru-RU" sz="2800" dirty="0">
-                <a:solidFill>
-                  <a:schemeClr val="accent1"/>
-                </a:solidFill>
-              </a:rPr>
-              <a:t>для получения файла </a:t>
-            </a:r>
-          </a:p>
-          <a:p>
-            <a:pPr lvl="1"/>
-            <a:endParaRPr lang="ru-RU" sz="2800" dirty="0" smtClean="0"/>
-          </a:p>
-          <a:p>
-            <a:pPr lvl="1"/>
-            <a:r>
-              <a:rPr lang="ru-RU" sz="2800" dirty="0" smtClean="0">
-                <a:solidFill>
-                  <a:schemeClr val="accent1"/>
-                </a:solidFill>
-              </a:rPr>
-              <a:t>Поддержка операций Открыть и Сохранить </a:t>
-            </a:r>
-          </a:p>
-        </p:txBody>
-      </p:sp>
-    </p:spTree>
-    <p:extLst>
-      <p:ext uri="{BB962C8B-B14F-4D97-AF65-F5344CB8AC3E}">
-        <p14:creationId xmlns:p14="http://schemas.microsoft.com/office/powerpoint/2010/main" val="1540423197"/>
-      </p:ext>
-    </p:extLst>
-  </p:cSld>
-  <p:clrMapOvr>
-    <a:masterClrMapping/>
-  </p:clrMapOvr>
-  <mc:AlternateContent xmlns:mc="http://schemas.openxmlformats.org/markup-compatibility/2006" xmlns:p14="http://schemas.microsoft.com/office/powerpoint/2010/main">
-    <mc:Choice Requires="p14">
-      <p:transition p14:dur="0"/>
-    </mc:Choice>
-    <mc:Fallback xmlns="">
-      <p:transition/>
-    </mc:Fallback>
-  </mc:AlternateContent>
-  <p:timing>
-    <p:tnLst>
-      <p:par>
-        <p:cTn id="1" dur="indefinite" restart="never" nodeType="tmRoot"/>
-      </p:par>
-    </p:tnLst>
-  </p:timing>
-</p:sld>
-</file>
-
-<file path=ppt/slides/slide21.xml><?xml version="1.0" encoding="utf-8"?>
 <p:sld xmlns:a="http://schemas.openxmlformats.org/drawingml/2006/main" xmlns:r="http://schemas.openxmlformats.org/officeDocument/2006/relationships" xmlns:p="http://schemas.openxmlformats.org/presentationml/2006/main">
   <p:cSld>
     <p:spTree>
@@ -25674,7 +25589,7 @@
 </p:sld>
 </file>
 
-<file path=ppt/slides/slide22.xml><?xml version="1.0" encoding="utf-8"?>
+<file path=ppt/slides/slide21.xml><?xml version="1.0" encoding="utf-8"?>
 <p:sld xmlns:a="http://schemas.openxmlformats.org/drawingml/2006/main" xmlns:r="http://schemas.openxmlformats.org/officeDocument/2006/relationships" xmlns:p="http://schemas.openxmlformats.org/presentationml/2006/main">
   <p:cSld>
     <p:spTree>
@@ -26954,7 +26869,7 @@
 </p:sld>
 </file>
 
-<file path=ppt/slides/slide23.xml><?xml version="1.0" encoding="utf-8"?>
+<file path=ppt/slides/slide22.xml><?xml version="1.0" encoding="utf-8"?>
 <p:sld xmlns:a="http://schemas.openxmlformats.org/drawingml/2006/main" xmlns:r="http://schemas.openxmlformats.org/officeDocument/2006/relationships" xmlns:p="http://schemas.openxmlformats.org/presentationml/2006/main">
   <p:cSld>
     <p:spTree>
@@ -26983,8 +26898,8 @@
         </p:nvSpPr>
         <p:spPr>
           <a:xfrm>
-            <a:off x="269239" y="2579602"/>
-            <a:ext cx="11637012" cy="1698798"/>
+            <a:off x="269239" y="2948901"/>
+            <a:ext cx="11637012" cy="960199"/>
           </a:xfrm>
         </p:spPr>
         <p:txBody>
@@ -26992,19 +26907,8 @@
           <a:lstStyle/>
           <a:p>
             <a:r>
-              <a:rPr lang="ru-RU" dirty="0" err="1" smtClean="0"/>
-              <a:t>Демо</a:t>
-            </a:r>
-            <a:r>
-              <a:rPr lang="ru-RU" dirty="0" smtClean="0"/>
-              <a:t>: </a:t>
-            </a:r>
-            <a:br>
-              <a:rPr lang="ru-RU" dirty="0" smtClean="0"/>
-            </a:br>
-            <a:r>
-              <a:rPr lang="ru-RU" dirty="0" smtClean="0"/>
-              <a:t>Использование файловых диалогов</a:t>
+              <a:rPr lang="ru-RU" smtClean="0"/>
+              <a:t>Демонстрация</a:t>
             </a:r>
             <a:endParaRPr lang="en-US" dirty="0"/>
           </a:p>
@@ -27056,7 +26960,7 @@
             <a:fld id="{2775DF8E-1151-4C45-8C93-3AB060627CA9}" type="slidenum">
               <a:rPr lang="en-US" smtClean="0"/>
               <a:pPr/>
-              <a:t>23</a:t>
+              <a:t>22</a:t>
             </a:fld>
             <a:endParaRPr lang="en-US"/>
           </a:p>
@@ -27090,7 +26994,7 @@
 </p:sld>
 </file>
 
-<file path=ppt/slides/slide24.xml><?xml version="1.0" encoding="utf-8"?>
+<file path=ppt/slides/slide23.xml><?xml version="1.0" encoding="utf-8"?>
 <p:sld xmlns:a="http://schemas.openxmlformats.org/drawingml/2006/main" xmlns:r="http://schemas.openxmlformats.org/officeDocument/2006/relationships" xmlns:p="http://schemas.openxmlformats.org/presentationml/2006/main">
   <p:cSld>
     <p:spTree>
@@ -27304,7 +27208,7 @@
 </p:sld>
 </file>
 
-<file path=ppt/slides/slide25.xml><?xml version="1.0" encoding="utf-8"?>
+<file path=ppt/slides/slide24.xml><?xml version="1.0" encoding="utf-8"?>
 <p:sld xmlns:a="http://schemas.openxmlformats.org/drawingml/2006/main" xmlns:r="http://schemas.openxmlformats.org/officeDocument/2006/relationships" xmlns:p="http://schemas.openxmlformats.org/presentationml/2006/main">
   <p:cSld>
     <p:spTree>
@@ -36576,11 +36480,7 @@
           <a:p>
             <a:r>
               <a:rPr lang="ru-RU" sz="6470" dirty="0" smtClean="0"/>
-              <a:t>Хранение </a:t>
-            </a:r>
-            <a:r>
-              <a:rPr lang="ru-RU" sz="6470" dirty="0" smtClean="0"/>
-              <a:t>данных</a:t>
+              <a:t>Хранение данных</a:t>
             </a:r>
             <a:endParaRPr lang="en-US" sz="6470" dirty="0"/>
           </a:p>

--- a/06. Data Storage/Mod 9. File Management and storage (RUS).pptx
+++ b/06. Data Storage/Mod 9. File Management and storage (RUS).pptx
@@ -26577,7 +26577,7 @@
               <a:t> </a:t>
             </a:r>
             <a:r>
-              <a:rPr lang="en-GB" sz="1800" dirty="0" err="1" smtClean="0">
+              <a:rPr lang="en-US" sz="1800" dirty="0" err="1" smtClean="0">
                 <a:solidFill>
                   <a:srgbClr val="000000"/>
                 </a:solidFill>
@@ -26587,7 +26587,20 @@
                 <a:latin typeface="Consolas" panose="020B0609020204030204" pitchFamily="49" charset="0"/>
                 <a:cs typeface="Consolas" panose="020B0609020204030204" pitchFamily="49" charset="0"/>
               </a:rPr>
-              <a:t>openPicker.PickSaveFileAsync</a:t>
+              <a:t>savePi</a:t>
+            </a:r>
+            <a:r>
+              <a:rPr lang="en-GB" sz="1800" dirty="0" err="1" smtClean="0">
+                <a:solidFill>
+                  <a:srgbClr val="000000"/>
+                </a:solidFill>
+                <a:highlight>
+                  <a:srgbClr val="F2F2F2"/>
+                </a:highlight>
+                <a:latin typeface="Consolas" panose="020B0609020204030204" pitchFamily="49" charset="0"/>
+                <a:cs typeface="Consolas" panose="020B0609020204030204" pitchFamily="49" charset="0"/>
+              </a:rPr>
+              <a:t>cker.PickSaveFileAsync</a:t>
             </a:r>
             <a:r>
               <a:rPr lang="en-GB" sz="1800" dirty="0" smtClean="0">
@@ -26718,7 +26731,7 @@
         </p:nvSpPr>
         <p:spPr>
           <a:xfrm>
-            <a:off x="2531452" y="5148244"/>
+            <a:off x="2606110" y="5126121"/>
             <a:ext cx="4817096" cy="433633"/>
           </a:xfrm>
           <a:prstGeom prst="rect">
@@ -26907,7 +26920,7 @@
           <a:lstStyle/>
           <a:p>
             <a:r>
-              <a:rPr lang="ru-RU" smtClean="0"/>
+              <a:rPr lang="ru-RU" dirty="0" smtClean="0"/>
               <a:t>Демонстрация</a:t>
             </a:r>
             <a:endParaRPr lang="en-US" dirty="0"/>
